--- a/notes/02-bits_bytes_int_cont.pptx
+++ b/notes/02-bits_bytes_int_cont.pptx
@@ -5,7 +5,7 @@
     <p:sldMasterId id="2147483648" r:id="rId4"/>
   </p:sldMasterIdLst>
   <p:notesMasterIdLst>
-    <p:notesMasterId r:id="rId27"/>
+    <p:notesMasterId r:id="rId28"/>
   </p:notesMasterIdLst>
   <p:sldIdLst>
     <p:sldId id="970" r:id="rId5"/>
@@ -30,6 +30,7 @@
     <p:sldId id="962" r:id="rId24"/>
     <p:sldId id="949" r:id="rId25"/>
     <p:sldId id="950" r:id="rId26"/>
+    <p:sldId id="982" r:id="rId27"/>
   </p:sldIdLst>
   <p:sldSz cx="12192000" cy="6858000"/>
   <p:notesSz cx="6858000" cy="9144000"/>
@@ -218,7 +219,7 @@
           <a:p>
             <a:fld id="{11512325-A740-47FD-AAAB-59631168F38B}" type="datetimeFigureOut">
               <a:rPr lang="en-US" smtClean="0"/>
-              <a:t>9/9/2020</a:t>
+              <a:t>9/11/2020</a:t>
             </a:fld>
             <a:endParaRPr lang="en-US"/>
           </a:p>
@@ -632,7 +633,7 @@
           <a:p>
             <a:fld id="{B3AC8906-6335-452D-AFDA-FDE107BE1FA4}" type="datetimeFigureOut">
               <a:rPr lang="en-US" smtClean="0"/>
-              <a:t>9/9/2020</a:t>
+              <a:t>9/11/2020</a:t>
             </a:fld>
             <a:endParaRPr lang="en-US"/>
           </a:p>
@@ -830,7 +831,7 @@
           <a:p>
             <a:fld id="{B3AC8906-6335-452D-AFDA-FDE107BE1FA4}" type="datetimeFigureOut">
               <a:rPr lang="en-US" smtClean="0"/>
-              <a:t>9/9/2020</a:t>
+              <a:t>9/11/2020</a:t>
             </a:fld>
             <a:endParaRPr lang="en-US"/>
           </a:p>
@@ -1038,7 +1039,7 @@
           <a:p>
             <a:fld id="{B3AC8906-6335-452D-AFDA-FDE107BE1FA4}" type="datetimeFigureOut">
               <a:rPr lang="en-US" smtClean="0"/>
-              <a:t>9/9/2020</a:t>
+              <a:t>9/11/2020</a:t>
             </a:fld>
             <a:endParaRPr lang="en-US"/>
           </a:p>
@@ -1191,31 +1192,31 @@
           <a:lstStyle>
             <a:lvl1pPr>
               <a:defRPr sz="3200">
-                <a:latin typeface="Arial" panose="020B0604020202020204" pitchFamily="34" charset="0"/>
+                <a:latin typeface="+mn-lt"/>
                 <a:cs typeface="Arial" panose="020B0604020202020204" pitchFamily="34" charset="0"/>
               </a:defRPr>
             </a:lvl1pPr>
             <a:lvl2pPr>
               <a:defRPr sz="2800">
-                <a:latin typeface="Arial" panose="020B0604020202020204" pitchFamily="34" charset="0"/>
+                <a:latin typeface="+mn-lt"/>
                 <a:cs typeface="Arial" panose="020B0604020202020204" pitchFamily="34" charset="0"/>
               </a:defRPr>
             </a:lvl2pPr>
             <a:lvl3pPr>
               <a:defRPr sz="2400">
-                <a:latin typeface="Arial" panose="020B0604020202020204" pitchFamily="34" charset="0"/>
+                <a:latin typeface="+mn-lt"/>
                 <a:cs typeface="Arial" panose="020B0604020202020204" pitchFamily="34" charset="0"/>
               </a:defRPr>
             </a:lvl3pPr>
             <a:lvl4pPr>
               <a:defRPr sz="2000">
-                <a:latin typeface="Arial" panose="020B0604020202020204" pitchFamily="34" charset="0"/>
+                <a:latin typeface="+mn-lt"/>
                 <a:cs typeface="Arial" panose="020B0604020202020204" pitchFamily="34" charset="0"/>
               </a:defRPr>
             </a:lvl4pPr>
             <a:lvl5pPr>
               <a:defRPr sz="2000">
-                <a:latin typeface="Arial" panose="020B0604020202020204" pitchFamily="34" charset="0"/>
+                <a:latin typeface="+mn-lt"/>
                 <a:cs typeface="Arial" panose="020B0604020202020204" pitchFamily="34" charset="0"/>
               </a:defRPr>
             </a:lvl5pPr>
@@ -1280,7 +1281,7 @@
           <a:p>
             <a:fld id="{B3AC8906-6335-452D-AFDA-FDE107BE1FA4}" type="datetimeFigureOut">
               <a:rPr lang="en-US" smtClean="0"/>
-              <a:t>9/9/2020</a:t>
+              <a:t>9/11/2020</a:t>
             </a:fld>
             <a:endParaRPr lang="en-US"/>
           </a:p>
@@ -1396,12 +1397,14 @@
           <a:bodyPr anchor="b"/>
           <a:lstStyle>
             <a:lvl1pPr>
-              <a:defRPr sz="6000"/>
+              <a:defRPr sz="6000">
+                <a:latin typeface="+mn-lt"/>
+              </a:defRPr>
             </a:lvl1pPr>
           </a:lstStyle>
           <a:p>
             <a:r>
-              <a:rPr lang="en-US"/>
+              <a:rPr lang="en-US" dirty="0"/>
               <a:t>Click to edit Master title style</a:t>
             </a:r>
           </a:p>
@@ -1555,7 +1558,7 @@
           <a:p>
             <a:fld id="{B3AC8906-6335-452D-AFDA-FDE107BE1FA4}" type="datetimeFigureOut">
               <a:rPr lang="en-US" smtClean="0"/>
-              <a:t>9/9/2020</a:t>
+              <a:t>9/11/2020</a:t>
             </a:fld>
             <a:endParaRPr lang="en-US"/>
           </a:p>
@@ -1664,10 +1667,19 @@
         <p:spPr/>
         <p:txBody>
           <a:bodyPr/>
-          <a:lstStyle/>
-          <a:p>
-            <a:r>
-              <a:rPr lang="en-US"/>
+          <a:lstStyle>
+            <a:lvl1pPr>
+              <a:defRPr>
+                <a:solidFill>
+                  <a:srgbClr val="0000FF"/>
+                </a:solidFill>
+                <a:latin typeface="+mn-lt"/>
+              </a:defRPr>
+            </a:lvl1pPr>
+          </a:lstStyle>
+          <a:p>
+            <a:r>
+              <a:rPr lang="en-US" dirty="0"/>
               <a:t>Click to edit Master title style</a:t>
             </a:r>
           </a:p>
@@ -1701,35 +1713,35 @@
           <a:p>
             <a:pPr lvl="0"/>
             <a:r>
-              <a:rPr lang="en-US"/>
+              <a:rPr lang="en-US" dirty="0"/>
               <a:t>Click to edit Master text styles</a:t>
             </a:r>
           </a:p>
           <a:p>
             <a:pPr lvl="1"/>
             <a:r>
-              <a:rPr lang="en-US"/>
+              <a:rPr lang="en-US" dirty="0"/>
               <a:t>Second level</a:t>
             </a:r>
           </a:p>
           <a:p>
             <a:pPr lvl="2"/>
             <a:r>
-              <a:rPr lang="en-US"/>
+              <a:rPr lang="en-US" dirty="0"/>
               <a:t>Third level</a:t>
             </a:r>
           </a:p>
           <a:p>
             <a:pPr lvl="3"/>
             <a:r>
-              <a:rPr lang="en-US"/>
+              <a:rPr lang="en-US" dirty="0"/>
               <a:t>Fourth level</a:t>
             </a:r>
           </a:p>
           <a:p>
             <a:pPr lvl="4"/>
             <a:r>
-              <a:rPr lang="en-US"/>
+              <a:rPr lang="en-US" dirty="0"/>
               <a:t>Fifth level</a:t>
             </a:r>
           </a:p>
@@ -1820,7 +1832,7 @@
           <a:p>
             <a:fld id="{B3AC8906-6335-452D-AFDA-FDE107BE1FA4}" type="datetimeFigureOut">
               <a:rPr lang="en-US" smtClean="0"/>
-              <a:t>9/9/2020</a:t>
+              <a:t>9/11/2020</a:t>
             </a:fld>
             <a:endParaRPr lang="en-US"/>
           </a:p>
@@ -1937,7 +1949,7 @@
           <a:lstStyle/>
           <a:p>
             <a:r>
-              <a:rPr lang="en-US"/>
+              <a:rPr lang="en-US" dirty="0"/>
               <a:t>Click to edit Master title style</a:t>
             </a:r>
           </a:p>
@@ -2232,7 +2244,7 @@
           <a:p>
             <a:fld id="{B3AC8906-6335-452D-AFDA-FDE107BE1FA4}" type="datetimeFigureOut">
               <a:rPr lang="en-US" smtClean="0"/>
-              <a:t>9/9/2020</a:t>
+              <a:t>9/11/2020</a:t>
             </a:fld>
             <a:endParaRPr lang="en-US"/>
           </a:p>
@@ -2373,7 +2385,7 @@
           <a:p>
             <a:fld id="{B3AC8906-6335-452D-AFDA-FDE107BE1FA4}" type="datetimeFigureOut">
               <a:rPr lang="en-US" smtClean="0"/>
-              <a:t>9/9/2020</a:t>
+              <a:t>9/11/2020</a:t>
             </a:fld>
             <a:endParaRPr lang="en-US"/>
           </a:p>
@@ -2486,7 +2498,7 @@
           <a:p>
             <a:fld id="{B3AC8906-6335-452D-AFDA-FDE107BE1FA4}" type="datetimeFigureOut">
               <a:rPr lang="en-US" smtClean="0"/>
-              <a:t>9/9/2020</a:t>
+              <a:t>9/11/2020</a:t>
             </a:fld>
             <a:endParaRPr lang="en-US"/>
           </a:p>
@@ -2797,7 +2809,7 @@
           <a:p>
             <a:fld id="{B3AC8906-6335-452D-AFDA-FDE107BE1FA4}" type="datetimeFigureOut">
               <a:rPr lang="en-US" smtClean="0"/>
-              <a:t>9/9/2020</a:t>
+              <a:t>9/11/2020</a:t>
             </a:fld>
             <a:endParaRPr lang="en-US"/>
           </a:p>
@@ -3085,7 +3097,7 @@
           <a:p>
             <a:fld id="{B3AC8906-6335-452D-AFDA-FDE107BE1FA4}" type="datetimeFigureOut">
               <a:rPr lang="en-US" smtClean="0"/>
-              <a:t>9/9/2020</a:t>
+              <a:t>9/11/2020</a:t>
             </a:fld>
             <a:endParaRPr lang="en-US"/>
           </a:p>
@@ -3326,7 +3338,7 @@
           <a:p>
             <a:fld id="{B3AC8906-6335-452D-AFDA-FDE107BE1FA4}" type="datetimeFigureOut">
               <a:rPr lang="en-US" smtClean="0"/>
-              <a:t>9/9/2020</a:t>
+              <a:t>9/11/2020</a:t>
             </a:fld>
             <a:endParaRPr lang="en-US"/>
           </a:p>
@@ -3822,7 +3834,10 @@
           <a:bodyPr/>
           <a:lstStyle/>
           <a:p>
-            <a:endParaRPr lang="en-US"/>
+            <a:r>
+              <a:rPr lang="en-US" dirty="0"/>
+              <a:t>Jinyang Li</a:t>
+            </a:r>
           </a:p>
         </p:txBody>
       </p:sp>
@@ -22787,6 +22802,156 @@
 </p:sld>
 </file>
 
+<file path=ppt/slides/slide23.xml><?xml version="1.0" encoding="utf-8"?>
+<p:sld xmlns:a="http://schemas.openxmlformats.org/drawingml/2006/main" xmlns:r="http://schemas.openxmlformats.org/officeDocument/2006/relationships" xmlns:p="http://schemas.openxmlformats.org/presentationml/2006/main">
+  <p:cSld>
+    <p:bg>
+      <p:bgPr>
+        <a:solidFill>
+          <a:schemeClr val="accent1">
+            <a:lumMod val="50000"/>
+          </a:schemeClr>
+        </a:solidFill>
+        <a:effectLst/>
+      </p:bgPr>
+    </p:bg>
+    <p:spTree>
+      <p:nvGrpSpPr>
+        <p:cNvPr id="1" name=""/>
+        <p:cNvGrpSpPr/>
+        <p:nvPr/>
+      </p:nvGrpSpPr>
+      <p:grpSpPr>
+        <a:xfrm>
+          <a:off x="0" y="0"/>
+          <a:ext cx="0" cy="0"/>
+          <a:chOff x="0" y="0"/>
+          <a:chExt cx="0" cy="0"/>
+        </a:xfrm>
+      </p:grpSpPr>
+      <p:sp>
+        <p:nvSpPr>
+          <p:cNvPr id="2" name="Title 1">
+            <a:extLst>
+              <a:ext uri="{FF2B5EF4-FFF2-40B4-BE49-F238E27FC236}">
+                <a16:creationId xmlns:a16="http://schemas.microsoft.com/office/drawing/2014/main" id="{0848FFF6-11A5-4A27-A96D-25F3DFCCC31A}"/>
+              </a:ext>
+            </a:extLst>
+          </p:cNvPr>
+          <p:cNvSpPr>
+            <a:spLocks noGrp="1"/>
+          </p:cNvSpPr>
+          <p:nvPr>
+            <p:ph type="ctrTitle"/>
+          </p:nvPr>
+        </p:nvSpPr>
+        <p:spPr>
+          <a:xfrm>
+            <a:off x="2554440" y="1099155"/>
+            <a:ext cx="9144000" cy="2387600"/>
+          </a:xfrm>
+        </p:spPr>
+        <p:txBody>
+          <a:bodyPr/>
+          <a:lstStyle/>
+          <a:p>
+            <a:r>
+              <a:rPr lang="en-US" dirty="0">
+                <a:solidFill>
+                  <a:schemeClr val="bg1"/>
+                </a:solidFill>
+              </a:rPr>
+              <a:t>Breakout time!</a:t>
+            </a:r>
+          </a:p>
+        </p:txBody>
+      </p:sp>
+      <p:pic>
+        <p:nvPicPr>
+          <p:cNvPr id="37892" name="Picture 4" descr="Tea Party 432*432 transprent Png Free Download - Heart, Cup, Teapot. -  CleanPNG / KissPNG">
+            <a:extLst>
+              <a:ext uri="{FF2B5EF4-FFF2-40B4-BE49-F238E27FC236}">
+                <a16:creationId xmlns:a16="http://schemas.microsoft.com/office/drawing/2014/main" id="{12DD4D09-CDF4-4B24-878B-46BDA8ED9E73}"/>
+              </a:ext>
+            </a:extLst>
+          </p:cNvPr>
+          <p:cNvPicPr>
+            <a:picLocks noChangeAspect="1" noChangeArrowheads="1"/>
+          </p:cNvPicPr>
+          <p:nvPr/>
+        </p:nvPicPr>
+        <p:blipFill>
+          <a:blip r:embed="rId2">
+            <a:extLst>
+              <a:ext uri="{BEBA8EAE-BF5A-486C-A8C5-ECC9F3942E4B}">
+                <a14:imgProps xmlns:a14="http://schemas.microsoft.com/office/drawing/2010/main">
+                  <a14:imgLayer r:embed="rId3">
+                    <a14:imgEffect>
+                      <a14:backgroundRemoval t="4000" b="93333" l="5778" r="93778">
+                        <a14:foregroundMark x1="40444" y1="8889" x2="40444" y2="8889"/>
+                        <a14:foregroundMark x1="36000" y1="5778" x2="36000" y2="5778"/>
+                        <a14:foregroundMark x1="47556" y1="5333" x2="47556" y2="5333"/>
+                        <a14:foregroundMark x1="23556" y1="4000" x2="23556" y2="4000"/>
+                        <a14:foregroundMark x1="6222" y1="18667" x2="6222" y2="18667"/>
+                        <a14:foregroundMark x1="93778" y1="74667" x2="93778" y2="74667"/>
+                        <a14:foregroundMark x1="80889" y1="56889" x2="80889" y2="56889"/>
+                        <a14:foregroundMark x1="48000" y1="70667" x2="48000" y2="70667"/>
+                        <a14:foregroundMark x1="48000" y1="81778" x2="48000" y2="81778"/>
+                        <a14:foregroundMark x1="82222" y1="57333" x2="82222" y2="57333"/>
+                        <a14:foregroundMark x1="73778" y1="93333" x2="73778" y2="93333"/>
+                        <a14:backgroundMark x1="79111" y1="57778" x2="79111" y2="57778"/>
+                        <a14:backgroundMark x1="80000" y1="56000" x2="80000" y2="56000"/>
+                        <a14:backgroundMark x1="81333" y1="59556" x2="81333" y2="59556"/>
+                        <a14:backgroundMark x1="81333" y1="59556" x2="81333" y2="59556"/>
+                        <a14:backgroundMark x1="81333" y1="59556" x2="78222" y2="56889"/>
+                      </a14:backgroundRemoval>
+                    </a14:imgEffect>
+                  </a14:imgLayer>
+                </a14:imgProps>
+              </a:ext>
+              <a:ext uri="{28A0092B-C50C-407E-A947-70E740481C1C}">
+                <a14:useLocalDpi xmlns:a14="http://schemas.microsoft.com/office/drawing/2010/main" val="0"/>
+              </a:ext>
+            </a:extLst>
+          </a:blip>
+          <a:srcRect/>
+          <a:stretch>
+            <a:fillRect/>
+          </a:stretch>
+        </p:blipFill>
+        <p:spPr bwMode="auto">
+          <a:xfrm>
+            <a:off x="2209801" y="2181592"/>
+            <a:ext cx="2143125" cy="2143125"/>
+          </a:xfrm>
+          <a:prstGeom prst="rect">
+            <a:avLst/>
+          </a:prstGeom>
+          <a:noFill/>
+          <a:extLst>
+            <a:ext uri="{909E8E84-426E-40DD-AFC4-6F175D3DCCD1}">
+              <a14:hiddenFill xmlns:a14="http://schemas.microsoft.com/office/drawing/2010/main">
+                <a:solidFill>
+                  <a:srgbClr val="FFFFFF"/>
+                </a:solidFill>
+              </a14:hiddenFill>
+            </a:ext>
+          </a:extLst>
+        </p:spPr>
+      </p:pic>
+    </p:spTree>
+    <p:extLst>
+      <p:ext uri="{BB962C8B-B14F-4D97-AF65-F5344CB8AC3E}">
+        <p14:creationId xmlns:p14="http://schemas.microsoft.com/office/powerpoint/2010/main" val="4290718672"/>
+      </p:ext>
+    </p:extLst>
+  </p:cSld>
+  <p:clrMapOvr>
+    <a:masterClrMapping/>
+  </p:clrMapOvr>
+</p:sld>
+</file>
+
 <file path=ppt/slides/slide3.xml><?xml version="1.0" encoding="utf-8"?>
 <p:sld xmlns:a="http://schemas.openxmlformats.org/drawingml/2006/main" xmlns:r="http://schemas.openxmlformats.org/officeDocument/2006/relationships" xmlns:p="http://schemas.openxmlformats.org/presentationml/2006/main">
   <p:cSld>
@@ -24193,7 +24358,7 @@
           <a:graphicData uri="http://schemas.openxmlformats.org/presentationml/2006/ole">
             <mc:AlternateContent xmlns:mc="http://schemas.openxmlformats.org/markup-compatibility/2006">
               <mc:Choice xmlns:v="urn:schemas-microsoft-com:vml" Requires="v">
-                <p:oleObj spid="_x0000_s8292" name="Equation" r:id="rId3" imgW="825500" imgH="241300" progId="Equation.3">
+                <p:oleObj spid="_x0000_s8314" name="Equation" r:id="rId3" imgW="825500" imgH="241300" progId="Equation.3">
                   <p:embed/>
                 </p:oleObj>
               </mc:Choice>
@@ -24307,7 +24472,7 @@
           <a:graphicData uri="http://schemas.openxmlformats.org/presentationml/2006/ole">
             <mc:AlternateContent xmlns:mc="http://schemas.openxmlformats.org/markup-compatibility/2006">
               <mc:Choice xmlns:v="urn:schemas-microsoft-com:vml" Requires="v">
-                <p:oleObj spid="_x0000_s8293" name="Equation" r:id="rId5" imgW="1435100" imgH="241300" progId="Equation.3">
+                <p:oleObj spid="_x0000_s8315" name="Equation" r:id="rId5" imgW="1435100" imgH="241300" progId="Equation.3">
                   <p:embed/>
                 </p:oleObj>
               </mc:Choice>
@@ -26197,14 +26362,19 @@
             <p:ph type="title"/>
           </p:nvPr>
         </p:nvSpPr>
-        <p:spPr/>
+        <p:spPr>
+          <a:xfrm>
+            <a:off x="348048" y="192925"/>
+            <a:ext cx="11090189" cy="1325563"/>
+          </a:xfrm>
+        </p:spPr>
         <p:txBody>
           <a:bodyPr/>
           <a:lstStyle/>
           <a:p>
             <a:r>
               <a:rPr kumimoji="1" lang="en-US" altLang="zh-CN" dirty="0"/>
-              <a:t>Intel 8080 (1974)</a:t>
+              <a:t>A short history of processors: Intel 8080 (1974)</a:t>
             </a:r>
             <a:endParaRPr kumimoji="1" lang="zh-CN" altLang="en-US" dirty="0"/>
           </a:p>
@@ -27760,14 +27930,19 @@
             <p:ph type="title"/>
           </p:nvPr>
         </p:nvSpPr>
-        <p:spPr/>
+        <p:spPr>
+          <a:xfrm>
+            <a:off x="350108" y="365125"/>
+            <a:ext cx="11003692" cy="1325563"/>
+          </a:xfrm>
+        </p:spPr>
         <p:txBody>
           <a:bodyPr/>
           <a:lstStyle/>
           <a:p>
             <a:r>
               <a:rPr kumimoji="1" lang="en-US" altLang="zh-CN" dirty="0"/>
-              <a:t>Intel 386 (1985)</a:t>
+              <a:t>A short history of processors: Intel 386 (1985)</a:t>
             </a:r>
             <a:endParaRPr kumimoji="1" lang="zh-CN" altLang="en-US" dirty="0"/>
           </a:p>
@@ -29907,12 +30082,6 @@
 </file>
 
 <file path=customXml/item1.xml><?xml version="1.0" encoding="utf-8"?>
-<p:properties xmlns:p="http://schemas.microsoft.com/office/2006/metadata/properties" xmlns:xsi="http://www.w3.org/2001/XMLSchema-instance" xmlns:pc="http://schemas.microsoft.com/office/infopath/2007/PartnerControls">
-  <documentManagement/>
-</p:properties>
-</file>
-
-<file path=customXml/item2.xml><?xml version="1.0" encoding="utf-8"?>
 <ct:contentTypeSchema xmlns:ct="http://schemas.microsoft.com/office/2006/metadata/contentType" xmlns:ma="http://schemas.microsoft.com/office/2006/metadata/properties/metaAttributes" ct:_="" ma:_="" ma:contentTypeName="Document" ma:contentTypeID="0x010100F230F55FC4E86843A38ABC983CBD33D2" ma:contentTypeVersion="2" ma:contentTypeDescription="Create a new document." ma:contentTypeScope="" ma:versionID="ea51d48ed41b66d32eb63de817eecbcd">
   <xsd:schema xmlns:xsd="http://www.w3.org/2001/XMLSchema" xmlns:xs="http://www.w3.org/2001/XMLSchema" xmlns:p="http://schemas.microsoft.com/office/2006/metadata/properties" xmlns:ns3="74d6482f-e53c-4fa7-ac87-951f9f66bd4c" targetNamespace="http://schemas.microsoft.com/office/2006/metadata/properties" ma:root="true" ma:fieldsID="128b5480a780b9585a060f8329b1fff7" ns3:_="">
     <xsd:import namespace="74d6482f-e53c-4fa7-ac87-951f9f66bd4c"/>
@@ -30044,6 +30213,12 @@
 </ct:contentTypeSchema>
 </file>
 
+<file path=customXml/item2.xml><?xml version="1.0" encoding="utf-8"?>
+<p:properties xmlns:p="http://schemas.microsoft.com/office/2006/metadata/properties" xmlns:xsi="http://www.w3.org/2001/XMLSchema-instance" xmlns:pc="http://schemas.microsoft.com/office/infopath/2007/PartnerControls">
+  <documentManagement/>
+</p:properties>
+</file>
+
 <file path=customXml/item3.xml><?xml version="1.0" encoding="utf-8"?>
 <?mso-contentType ?>
 <FormTemplates xmlns="http://schemas.microsoft.com/sharepoint/v3/contenttype/forms">
@@ -30054,22 +30229,6 @@
 </file>
 
 <file path=customXml/itemProps1.xml><?xml version="1.0" encoding="utf-8"?>
-<ds:datastoreItem xmlns:ds="http://schemas.openxmlformats.org/officeDocument/2006/customXml" ds:itemID="{2A53384F-3518-4CA2-BF67-BDCB5A53F0E2}">
-  <ds:schemaRefs>
-    <ds:schemaRef ds:uri="http://purl.org/dc/elements/1.1/"/>
-    <ds:schemaRef ds:uri="http://schemas.openxmlformats.org/package/2006/metadata/core-properties"/>
-    <ds:schemaRef ds:uri="http://schemas.microsoft.com/office/2006/metadata/properties"/>
-    <ds:schemaRef ds:uri="http://schemas.microsoft.com/office/2006/documentManagement/types"/>
-    <ds:schemaRef ds:uri="http://purl.org/dc/dcmitype/"/>
-    <ds:schemaRef ds:uri="74d6482f-e53c-4fa7-ac87-951f9f66bd4c"/>
-    <ds:schemaRef ds:uri="http://www.w3.org/XML/1998/namespace"/>
-    <ds:schemaRef ds:uri="http://schemas.microsoft.com/office/infopath/2007/PartnerControls"/>
-    <ds:schemaRef ds:uri="http://purl.org/dc/terms/"/>
-  </ds:schemaRefs>
-</ds:datastoreItem>
-</file>
-
-<file path=customXml/itemProps2.xml><?xml version="1.0" encoding="utf-8"?>
 <ds:datastoreItem xmlns:ds="http://schemas.openxmlformats.org/officeDocument/2006/customXml" ds:itemID="{FC2C9FC6-FF2C-43A9-904C-09BA9E972EBB}">
   <ds:schemaRefs>
     <ds:schemaRef ds:uri="http://schemas.microsoft.com/office/2006/metadata/contentType"/>
@@ -30087,6 +30246,22 @@
 </ds:datastoreItem>
 </file>
 
+<file path=customXml/itemProps2.xml><?xml version="1.0" encoding="utf-8"?>
+<ds:datastoreItem xmlns:ds="http://schemas.openxmlformats.org/officeDocument/2006/customXml" ds:itemID="{2A53384F-3518-4CA2-BF67-BDCB5A53F0E2}">
+  <ds:schemaRefs>
+    <ds:schemaRef ds:uri="http://purl.org/dc/elements/1.1/"/>
+    <ds:schemaRef ds:uri="http://schemas.openxmlformats.org/package/2006/metadata/core-properties"/>
+    <ds:schemaRef ds:uri="http://schemas.microsoft.com/office/2006/metadata/properties"/>
+    <ds:schemaRef ds:uri="http://schemas.microsoft.com/office/2006/documentManagement/types"/>
+    <ds:schemaRef ds:uri="http://purl.org/dc/dcmitype/"/>
+    <ds:schemaRef ds:uri="74d6482f-e53c-4fa7-ac87-951f9f66bd4c"/>
+    <ds:schemaRef ds:uri="http://www.w3.org/XML/1998/namespace"/>
+    <ds:schemaRef ds:uri="http://schemas.microsoft.com/office/infopath/2007/PartnerControls"/>
+    <ds:schemaRef ds:uri="http://purl.org/dc/terms/"/>
+  </ds:schemaRefs>
+</ds:datastoreItem>
+</file>
+
 <file path=customXml/itemProps3.xml><?xml version="1.0" encoding="utf-8"?>
 <ds:datastoreItem xmlns:ds="http://schemas.openxmlformats.org/officeDocument/2006/customXml" ds:itemID="{E2FB0F39-4251-414E-B665-C12C97C1927E}">
   <ds:schemaRefs>

--- a/notes/02-bits_bytes_int_cont.pptx
+++ b/notes/02-bits_bytes_int_cont.pptx
@@ -5,7 +5,7 @@
     <p:sldMasterId id="2147483648" r:id="rId4"/>
   </p:sldMasterIdLst>
   <p:notesMasterIdLst>
-    <p:notesMasterId r:id="rId52"/>
+    <p:notesMasterId r:id="rId51"/>
   </p:notesMasterIdLst>
   <p:sldIdLst>
     <p:sldId id="970" r:id="rId5"/>
@@ -34,27 +34,26 @@
     <p:sldId id="1030" r:id="rId28"/>
     <p:sldId id="905" r:id="rId29"/>
     <p:sldId id="872" r:id="rId30"/>
-    <p:sldId id="908" r:id="rId31"/>
-    <p:sldId id="909" r:id="rId32"/>
-    <p:sldId id="977" r:id="rId33"/>
-    <p:sldId id="913" r:id="rId34"/>
-    <p:sldId id="915" r:id="rId35"/>
-    <p:sldId id="1033" r:id="rId36"/>
-    <p:sldId id="1035" r:id="rId37"/>
-    <p:sldId id="917" r:id="rId38"/>
-    <p:sldId id="983" r:id="rId39"/>
-    <p:sldId id="920" r:id="rId40"/>
-    <p:sldId id="1034" r:id="rId41"/>
-    <p:sldId id="1028" r:id="rId42"/>
-    <p:sldId id="921" r:id="rId43"/>
-    <p:sldId id="1029" r:id="rId44"/>
-    <p:sldId id="925" r:id="rId45"/>
-    <p:sldId id="926" r:id="rId46"/>
-    <p:sldId id="964" r:id="rId47"/>
-    <p:sldId id="965" r:id="rId48"/>
-    <p:sldId id="929" r:id="rId49"/>
-    <p:sldId id="930" r:id="rId50"/>
-    <p:sldId id="1031" r:id="rId51"/>
+    <p:sldId id="909" r:id="rId31"/>
+    <p:sldId id="977" r:id="rId32"/>
+    <p:sldId id="913" r:id="rId33"/>
+    <p:sldId id="915" r:id="rId34"/>
+    <p:sldId id="1033" r:id="rId35"/>
+    <p:sldId id="1035" r:id="rId36"/>
+    <p:sldId id="917" r:id="rId37"/>
+    <p:sldId id="983" r:id="rId38"/>
+    <p:sldId id="920" r:id="rId39"/>
+    <p:sldId id="1034" r:id="rId40"/>
+    <p:sldId id="1028" r:id="rId41"/>
+    <p:sldId id="921" r:id="rId42"/>
+    <p:sldId id="1029" r:id="rId43"/>
+    <p:sldId id="925" r:id="rId44"/>
+    <p:sldId id="926" r:id="rId45"/>
+    <p:sldId id="964" r:id="rId46"/>
+    <p:sldId id="965" r:id="rId47"/>
+    <p:sldId id="929" r:id="rId48"/>
+    <p:sldId id="930" r:id="rId49"/>
+    <p:sldId id="1031" r:id="rId50"/>
   </p:sldIdLst>
   <p:sldSz cx="12192000" cy="6858000"/>
   <p:notesSz cx="6858000" cy="9144000"/>
@@ -161,6 +160,221 @@
 </p:presentation>
 </file>
 
+<file path=ppt/ink/ink1.xml><?xml version="1.0" encoding="utf-8"?>
+<inkml:ink xmlns:inkml="http://www.w3.org/2003/InkML">
+  <inkml:definitions>
+    <inkml:context xml:id="ctx0">
+      <inkml:inkSource xml:id="inkSrc0">
+        <inkml:traceFormat>
+          <inkml:channel name="X" type="integer" max="32767" units="cm"/>
+          <inkml:channel name="Y" type="integer" max="32767" units="cm"/>
+          <inkml:channel name="F" type="integer" max="4095" units="deg"/>
+          <inkml:channel name="T" type="integer" max="2.14748E9" units="dev"/>
+        </inkml:traceFormat>
+        <inkml:channelProperties>
+          <inkml:channelProperty channel="X" name="resolution" value="2155.72363" units="1/cm"/>
+          <inkml:channelProperty channel="Y" name="resolution" value="3449.15796" units="1/cm"/>
+          <inkml:channelProperty channel="F" name="resolution" value="11.375" units="1/deg"/>
+          <inkml:channelProperty channel="T" name="resolution" value="1" units="1/dev"/>
+        </inkml:channelProperties>
+      </inkml:inkSource>
+      <inkml:timestamp xml:id="ts0" timeString="2020-09-14T16:45:09.706"/>
+    </inkml:context>
+    <inkml:brush xml:id="br0">
+      <inkml:brushProperty name="width" value="0.05292" units="cm"/>
+      <inkml:brushProperty name="height" value="0.05292" units="cm"/>
+      <inkml:brushProperty name="color" value="#FF0000"/>
+    </inkml:brush>
+  </inkml:definitions>
+  <inkml:trace contextRef="#ctx0" brushRef="#br0">8117 11412 537 0,'0'0'378'15,"0"0"-235"-15,0 0-88 16,0 0-22-16,0 0-4 16,0 0 2-16,0 0 14 15,0 0 26-15,0 0 4 16,0 0 5-16,0 0-26 16,0 0-9-16,0 0 1 15,0 0-9-15,0 0-10 16,0 0-5-16,-6 0-4 0,0 0-2 15,0 4-7 1,-3 2-9-16,-3 0 1 0,4 2 9 16,-3 2-9-16,-1 2 4 15,-1 4-5-15,-1 2-8 16,1 2 8-16,2 2 0 16,0 2 2-16,2 0-2 15,3 3 0-15,-1-1 0 16,2-1 0-16,0 4 0 15,3-1 0-15,2 2 0 16,0-1-1-16,0 4 0 16,0 1 2-16,0-2-1 15,0 2 1-15,5-4 0 16,6 0 5-16,0-2 1 16,2 0 2-16,3-4-8 0,2-2 15 15,0-2-8-15,2-3-6 16,3-3 7-16,-2-7-8 15,4 0 5-15,0-6-3 16,1-1 12-16,3 0-5 16,1-5-3-16,-1-13 2 15,-4-5 6-15,2-1 1 16,-6-2-6-16,-1-1-4 16,-3 0-5-16,-1 4 0 15,-5-2 0-15,0 0 1 16,-1-2 4-16,-6-3-6 15,0-4 10-15,1-4-10 16,-3 0 0-16,-2 0-1 0,0 1 1 16,0 1 1-16,0 2 0 15,-11 4-1-15,-3 2 6 16,1 2-5-16,0 2 0 16,-1 4-1-16,-1 2 0 15,-1 2 7-15,1 2-5 16,-1 4 6-16,3-1-7 15,-3 5 5-15,3 1 12 16,-1 1-12-16,1 0 7 16,-1-1-1-16,-1 3-11 15,-1-1 10-15,1-1 1 16,-3 0 0-16,2-3-5 16,3 4-1-16,0-1 12 15,4 1 1-15,4 3-4 0,0 0-1 16,3 0-6-16,2 0-8 15,0-2 0-15,0 2 0 16,-2 0-1-16,2 0-14 16,-2-7-34-16,0-2-120 15,-3-3-406-15</inkml:trace>
+  <inkml:trace contextRef="#ctx0" brushRef="#br0" timeOffset="2192.23">7352 11318 738 0,'0'0'315'0,"0"0"-132"0,0 0-40 16,0 0-50-16,0 0-26 15,0 0-16-15,0 0 13 16,0-7-19-16,0 7-1 16,0 0-6-16,0 0 6 15,0 0-3-15,0 0-9 16,0 0-9-16,0 0-4 15,0 0-4-15,0 0-14 16,0 0 0-16,0 0-1 16,0 3-20-16,0 16 20 15,0 9 1-15,-6 10 6 16,-2 9-6-16,2 6 12 16,0 4-12-16,-1 1 1 0,3-4-1 15,1-4 16-15,0-6-17 16,1-3 0-16,2-7 6 15,-2-6-6-15,2-4 0 16,0-4 0-16,-2-3 1 16,2 0-1-16,-4-1 1 15,1 0-1-15,1-4 0 16,0-2 1-16,0-4 4 16,2-2-5-16,-2-4 0 15,2 0 0-15,-2 0-13 16,-8-36-133-16,4 0-207 15,-3-6-927-15</inkml:trace>
+  <inkml:trace contextRef="#ctx0" brushRef="#br0" timeOffset="3059.19">6646 10848 113 0,'0'0'596'0,"0"0"-381"15,0 0-33-15,0 0-21 0,0 0-39 16,0 0 7-16,0 0-29 15,0 0-12-15,0 0-8 16,0 0 2-16,0 0-15 16,0 0-17-16,0 0-14 15,0 0-19-15,0 0-17 16,0 0-2-16,0 0-12 16,6 0-4-16,17 0 17 15,8 0 1-15,7 0 5 16,2 0-4-16,0 0 1 15,0 0 4-15,-6 0-6 16,-5 0 11-16,-7 0-11 16,-7 0 0-16,-6 0 1 0,-4 0 0 15,-3 0 5 1,-2 0 3-16,0 0 4 0,0 0 0 16,0 0-13-16,0 0-33 15,-14 0-75-15,-1 0-79 16,1 0-161-16</inkml:trace>
+  <inkml:trace contextRef="#ctx0" brushRef="#br0" timeOffset="3511.73">6935 10684 532 0,'0'0'352'15,"0"0"-181"-15,0 0-47 16,0 0-33-16,0 0-18 15,0 0-15-15,0 0-12 16,-2 0-15-16,2 0-15 16,0 14-10-16,0 6 10 15,0 6 1-15,2 6 9 0,3 6-5 16,-3 2-4 0,0 5 3-16,1-1-9 0,-3-2 3 15,0-4-5-15,0-4-2 16,0-4-1-16,0-6-4 15,0-9 4-15,0-4-5 16,0-2 7-16,0-8-1 16,0-1-6-16,0 0 13 15,0 0-14-15,-3-16-65 16,1-1-163-16</inkml:trace>
+  <inkml:trace contextRef="#ctx0" brushRef="#br0" timeOffset="8462.92">6626 11311 570 0,'0'0'607'0,"0"0"-423"16,0 0-73-16,0 0-42 16,0 0-35-16,0 0-17 15,0 0-7-15,0 0 5 16,0 0-5-16,0 0 5 16,0 0-7-16,0 0-7 0,0 0 11 15,0 0-3 1,0 0-3-16,0 0 2 0,0 0-7 15,0 4 5-15,0 17 0 16,-5 1 2-16,-1 10-8 16,2 6 0-16,-2 8 0 15,6 8 0-15,-2 2 1 16,2 1 0-16,0-2 5 16,0-4 1-16,0-5-6 15,0-4-1-15,0-2 0 16,0 0 0-16,0-4 0 15,0 0 0-15,0-4 4 16,0-2-3-16,0-1-1 16,0-6 0-16,0-2 5 15,-2-3-4-15,2-7 5 0,-2-2-5 16,2-5 0-16,0-2 0 16,0-2 5-16,0 0 6 15,0 0 1-15,-2 0 0 16,2 0-6-16,-3 0-7 15,-3-17-20-15,2 0-116 16,-1-4-199-16</inkml:trace>
+  <inkml:trace contextRef="#ctx0" brushRef="#br0" timeOffset="9388.57">5786 10918 100 0,'0'0'728'15,"0"0"-505"-15,0 0-74 0,0 0-14 16,0 0-9-16,0 0-8 15,0 0-30-15,0-6-28 16,0 6-36-16,0-2-14 16,9 0 3-16,4-2-6 15,5 3-7-15,4-3 6 16,3 1 9-16,6 1 4 16,3-1 13-16,1-2-12 15,0-1-2-15,-3 0-18 16,-5 0 14-16,-7 2-4 15,-7 2-1-15,-7 0-8 16,-4 2-1-16,-2 0-4 16,0 0 3-16,0 0-22 0,0 0-91 15,0 0-96-15,-4 4-432 16</inkml:trace>
+  <inkml:trace contextRef="#ctx0" brushRef="#br0" timeOffset="9730.21">6093 10672 712 0,'0'0'182'0,"0"0"-87"16,0 0-21-16,0 0-42 16,0 0 0-16,0 0 1 15,0 0 44-15,25 59 17 16,-16-20-10-16,-3 5-30 16,-4 2-14-16,1-2-12 15,-3 1-8-15,0-3-5 16,0-7-14-16,0-3 12 15,0-7-1-15,-3-7-9 16,3-11-2-16,-4-7-1 0,2 0-96 16,-2-3-941-16</inkml:trace>
+  <inkml:trace contextRef="#ctx0" brushRef="#br0" timeOffset="10720.56">5837 11387 491 0,'0'0'317'0,"0"0"-135"16,0 0-46-16,0 0-35 0,0 0-17 16,0 0-24-16,0 0-8 15,0-1-10-15,0 1-13 16,0 18-10-16,0 15 2 15,5 14-7-15,-1 11-1 16,0 10 3-16,-1 8-16 16,-1 5 1-16,-2-1 5 15,0-2 0-15,0-9 0 16,0-12-5-16,0-12 2 16,0-13-3-16,0-11 1 15,0-8-1-15,0-8 0 16,0-5 6-16,0 0 8 15,-7-7-14-15,1-13-178 0,-4-5-506 16</inkml:trace>
+  <inkml:trace contextRef="#ctx0" brushRef="#br0" timeOffset="11606.91">4747 10846 85 0,'0'0'295'0,"0"0"-124"16,0 0-29-16,0 0-5 15,0 0-55-15,0 0-5 16,0 0-2-16,0 0 22 15,0 0-2-15,0 0-25 0,3 0-12 16,-1 0 7-16,2 0-14 16,3 0-3-16,0 0-12 15,4 0-14-15,0 0 0 16,7 0-3-16,0 0-4 16,4 0 4-16,2 0-3 15,1 0-9-15,4 0 2 16,-2 0-9-16,0-2 10 15,-3-4-4-15,-6 0 4 16,-4 2-10-16,-10 2-25 16,-2 2-135-16,-2 0-252 0</inkml:trace>
+  <inkml:trace contextRef="#ctx0" brushRef="#br0" timeOffset="11938.26">5142 10718 506 0,'0'0'202'15,"0"0"-75"-15,0 0-18 16,0 0-23-16,0 0 5 16,0 0-23-16,0 0 7 0,62 132-15 15,-53-96-21-15,-5 3-15 16,2-3-16-16,-4-4-1 16,-2-4 0-16,2-6-7 15,0-8 0-15,-2-10-290 0</inkml:trace>
+  <inkml:trace contextRef="#ctx0" brushRef="#br0" timeOffset="12439.46">5227 11506 872 0,'0'0'284'0,"0"0"-154"16,0 0-56-16,0 0-47 15,0 0-12-15,0 0-1 16,0 120 5-16,-8-57 12 15,-2 7-2-15,-3 6 4 16,-1 0-7-16,3-4 11 16,4-9-15-16,3-12-2 15,4-15-19-15,0-14-1 16,0-8 8-16,0-10-7 16,0-1-1-16,0-3 0 15,0 0-18-15,-5-12-77 16,-4-6-128-16,-4 0-952 0</inkml:trace>
+  <inkml:trace contextRef="#ctx0" brushRef="#br0" timeOffset="13141.38">4155 10885 814 0,'0'0'242'0,"0"0"-128"0,0 0-49 16,0 0-8-16,0 0-17 15,0 0-5-15,0 0-10 16,2 0-14-16,11 0 1 15,7 0 14-15,9 0-1 16,5 0-9-16,6-7 1 16,3-9 1-16,-4-4-11 15,-5 1-7-15,-1-12-103 16,-8 9-113-16,-12 4-339 0</inkml:trace>
+  <inkml:trace contextRef="#ctx0" brushRef="#br0" timeOffset="13374.14">4502 10618 709 0,'0'0'564'0,"0"0"-422"15,0 0-57-15,0 0-43 16,0 0-28-16,-22 120-5 16,20-80-2-16,2 23-7 15,0-12-15-15,-3-8-152 0</inkml:trace>
+  <inkml:trace contextRef="#ctx0" brushRef="#br0" timeOffset="13792.75">4525 11576 1288 0,'0'0'250'15,"0"0"-148"-15,0 0-45 16,0 0-44-16,0 0-13 15,0 0-19-15,0 0 19 16,17 133 8-16,-7-66-7 16,-4 8 7-16,3 0-2 15,-2 2-5-15,0-5-1 16,-3-10 0-16,0-13-6 16,-2-13-9-16,-2-18-170 0,0-14-581 15</inkml:trace>
+  <inkml:trace contextRef="#ctx0" brushRef="#br0" timeOffset="14324.26">3725 11468 935 0,'0'0'301'0,"0"0"-179"16,0 0-55-16,0 0-25 15,0 0-34-15,0 0-7 16,0 0-1-16,27 82 16 16,-14-34 13-16,-4 10 6 15,0 8 2-15,-5 6-23 16,-4 3 8-16,0-5-4 16,0-6-16-16,0-14 6 15,0-12 5-15,0-14-13 16,0-17-12-16,0-7-81 15,-2 0-811-15</inkml:trace>
+  <inkml:trace contextRef="#ctx0" brushRef="#br0" timeOffset="14871.11">3174 10908 636 0,'0'0'214'16,"0"0"-60"-16,0 0-32 16,0 0-33-16,0 0-12 15,0 0-16-15,121 0-26 16,-99-8-15-16,-4 2-18 15,-2 0 5-15,-3 6-7 16,-4 0-1-16,-2 0-31 16,-3 0-253-16,-2 3-809 0</inkml:trace>
+  <inkml:trace contextRef="#ctx0" brushRef="#br0" timeOffset="15105.73">3500 10722 675 0,'0'0'497'0,"0"0"-325"16,0 0-40-16,0 0-55 16,0 0-40-16,0 0-24 15,0 0-13-15,0 0-7 16,0 14 0-16,0 10 6 15,2 8 1-15,0 12 4 16,5 34-4-16,-3-12-55 16,3-3-324-16</inkml:trace>
+  <inkml:trace contextRef="#ctx0" brushRef="#br0" timeOffset="16373.68">2934 11891 973 0,'0'0'314'0,"0"0"-199"16,0 0-69-16,0 0-5 16,0 0-28-16,0 0 7 15,0 0 9-15,0 0 11 16,0 0 2-16,0 0 0 16,0 0 2-16,0 0-2 15,0 0-20-15,0 0 3 16,0 0-10-16,0 0-7 15,0 0-2-15,0 0-6 0,0 0 1 16,0 0 19 0,0 0-2-16,0 0 2 0,0 0 2 15,0 0 3-15,0 0-10 16,0 0-8-16,0 0-5 16,0 0-1-16,0 0 0 15,0 0 1-15,0 0-2 16,0 0 0-16,0-4 0 15,0-10 1-15,0-6 0 16,4-7-1-16,3-2 1 16,0 1-1-16,-3 2 1 15,-2 4-1-15,0 4 3 16,-2 4 3-16,0 1-5 16,0 1 1-16,0 2-1 15,0-2 5-15,0-4-6 0,0-4 0 16,0-4 0-16,-4-2-2 15,0 2 2-15,0 0 0 16,-1 8 0-16,0 4 0 16,3 6 0-16,2 2 1 15,0 2-1-15,0 2 0 16,0 0 1-16,0 0 0 16,0 0-1-16,-2 0-1 15,2-2 1-15,0 2 1 16,-3-2 0-16,3 2-1 15,0-2-1-15,0 2 1 16,0 0 1-16,0 0-1 0,0 0-1 16,0 0-6-16,0 0-11 15,0 0-27-15,0 12 17 16,0 4 12-16,5 8 15 16,4 8 1-16,2 4 7 15,-2 6-6-15,0 6 0 16,-2 1 12-16,-1 1-5 15,1 0-8-15,-3 0 0 16,0-2 7-16,2-2 1 16,-4-1-8-16,0-4 9 15,0 1-9-15,-2-3 0 16,2-4 1-16,-2-3 4 16,0-3-4-16,0-8-1 0,0-4 1 15,3-5 1-15,-3-6-1 16,0-2-1-16,0-4-6 15,0 0-6-15,0 0 12 16,0 0 0-16,0 0-5 16,0 0-99-16,0 0-180 0</inkml:trace>
+</inkml:ink>
+</file>
+
+<file path=ppt/ink/ink2.xml><?xml version="1.0" encoding="utf-8"?>
+<inkml:ink xmlns:inkml="http://www.w3.org/2003/InkML">
+  <inkml:definitions>
+    <inkml:context xml:id="ctx0">
+      <inkml:inkSource xml:id="inkSrc0">
+        <inkml:traceFormat>
+          <inkml:channel name="X" type="integer" max="32767" units="cm"/>
+          <inkml:channel name="Y" type="integer" max="32767" units="cm"/>
+          <inkml:channel name="F" type="integer" max="4095" units="deg"/>
+          <inkml:channel name="T" type="integer" max="2.14748E9" units="dev"/>
+        </inkml:traceFormat>
+        <inkml:channelProperties>
+          <inkml:channelProperty channel="X" name="resolution" value="2155.72363" units="1/cm"/>
+          <inkml:channelProperty channel="Y" name="resolution" value="3449.15796" units="1/cm"/>
+          <inkml:channelProperty channel="F" name="resolution" value="11.375" units="1/deg"/>
+          <inkml:channelProperty channel="T" name="resolution" value="1" units="1/dev"/>
+        </inkml:channelProperties>
+      </inkml:inkSource>
+      <inkml:timestamp xml:id="ts0" timeString="2020-09-14T16:57:03.861"/>
+    </inkml:context>
+    <inkml:brush xml:id="br0">
+      <inkml:brushProperty name="width" value="0.05292" units="cm"/>
+      <inkml:brushProperty name="height" value="0.05292" units="cm"/>
+      <inkml:brushProperty name="color" value="#FF0000"/>
+    </inkml:brush>
+  </inkml:definitions>
+  <inkml:trace contextRef="#ctx0" brushRef="#br0">25992 7838 62 0,'0'0'765'0,"0"0"-603"16,0 0-26-16,0 0 24 15,0 0-61-15,0 0-25 16,0 0-10-16,0 0-18 16,0 0-9-16,0 0 1 15,0 0 5-15,0 0 4 16,0 0 4-16,0 0-8 15,0 0-13-15,0 0-8 16,0 0-10-16,0 0-12 16,0 0 1-16,0 0-1 0,0 2 0 15,0 3-1-15,0 2-18 16,0 5 1-16,0 6 18 16,0 7 8-16,-6 0-7 15,1 4 1-15,-2 0-1 16,0 2 0-16,1 1 0 15,-3 1 1-15,2 2-1 16,-4-2 0-16,3 2 0 16,-1-3 0-16,-3 0 0 15,6-2 0-15,-3-2-1 16,5-3 1-16,-2-3-1 16,4-4 1-16,2-6 0 0,0-4 0 15,0-4-1 1,0 0 1-16,-2-2-1 0,2 0 1 15,0-2-1-15,0 0 1 16,0 0 0-16,0 0-1 16,0 0 2-16,0 0-1 15,0 0-1-15,0 0-34 16,0-16-115-16,12-4-146 16,1-5-811-16</inkml:trace>
+  <inkml:trace contextRef="#ctx0" brushRef="#br0" timeOffset="907.28">25974 7901 1167 0,'0'0'257'0,"0"0"-140"15,0 0-35-15,0 0-43 16,0 0-24-16,0 0 2 16,0 0 4-16,25-9-1 15,-14 7 3-15,5 2-11 16,6 0-5-16,1 0-5 0,2 0-1 15,5 0 5-15,-4 6-5 16,-1 2-1-16,-2 1 0 16,-6-3 1-16,-3 0 0 15,-6-3-1-15,-3 1-1 16,-3 0 1-16,-2 0 0 16,0 1-2-16,0 3-8 15,-13 4 10-15,-7 6 7 16,-5 2 11-16,-4 2-7 15,0 2 3-15,1-4-13 16,1 0 0-16,2-2 10 16,3-6-10-16,7-2 0 15,1-4 4-15,5-5-5 16,3-1 0-16,1 0 10 0,2 0-4 16,3 0 4-16,0 0-1 15,0 0-4-15,0 0-5 16,0 0-12-16,0-1 4 15,12-3 0-15,3 2 8 16,3 2-7-16,5 0 4 16,0 0 2-16,4 0-5 15,0 6 6-15,0 6 0 16,-2 0 0-16,-1 0 1 16,-2 3-1-16,-4 0-1 15,-3 1 1-15,-3 0-2 16,-1 0 2-16,-5 2-6 15,0 0 6-15,-4 0-1 0,-2 3 1 16,0-3 1-16,0-1-1 16,-8 1 0-16,-7 1-6 15,-5 1 6-15,-5 0 15 16,-1 0-7-16,-3 0-6 16,0-2-1-16,0 0 7 15,0-4-1-15,2-2-7 16,-2-4 10-16,-2-4-9 15,0-4 12-15,0 0-4 16,2-2 13-16,0-14-8 16,6-2-2-16,6-2-5 15,5 6-5-15,6 2 9 16,4 3-11-16,2 4-9 0,0 3-19 16,16 0-4-16,11 2-21 15,19 4-61-15,-2 10-138 16,-3 2-640-16</inkml:trace>
+  <inkml:trace contextRef="#ctx0" brushRef="#br0" timeOffset="1616.66">26522 8420 630 0,'0'0'143'0,"0"0"-49"15,0 0 29-15,0 0 29 16,0 0-31-16,0 0-28 16,0 0-26-16,14-52-11 0,-14 45 17 15,0 4 1-15,0 1-20 16,0 2-4-16,0-2-24 15,-12 2-19-15,2 0 9 16,-4 0-15-16,-1 0 1 16,-2 2 4-16,0 10-6 15,3 0 0-15,1 2 0 16,3 4 0-16,0 0 0 16,4 2 0-16,3 2-1 15,3-2 1-15,0 0 0 16,0 0 0-16,9 0 0 15,9-3-1-15,3-4 1 16,0-3 0-16,4-4 1 0,0-6 1 16,-3 0 6-16,0 0 0 15,0-14-1-15,-6-6 0 16,-3-2-5-16,-4 0 8 16,-5 2-3-16,-4 2-6 15,0 2 8-15,0 2 1 16,-4 2-1-16,-11-1 3 15,-3 4-5-15,0 0 9 16,-2 1 6-16,2 1 2 16,0 1-16-16,5 1 1 15,2 4-7-15,6 1-2 16,5 0-7-16,0 1-59 16,0 10-500-16</inkml:trace>
+  <inkml:trace contextRef="#ctx0" brushRef="#br0" timeOffset="4882.95">24849 7971 709 0,'0'0'244'0,"0"0"-113"15,0 0 20-15,0 0-57 16,0 0-54-16,0 0-2 16,0 0 6-16,0 0-9 15,0 0 10-15,0 0 0 16,0 0-9-16,0 0-7 15,0 0-13-15,0 0-6 16,0 0-4-16,0 0-5 16,0 0 0-16,0 0 0 0,0 4-1 15,-2 7-5 1,0 11 4-16,-4 9 1 0,-2 7 7 16,-1 6-6-16,-4 4 0 15,2 0 0-15,-2-2 0 16,-1-2 2-16,5-4 3 15,1-5-6-15,3-8 0 16,0-6 1-16,5-7-2 16,0-4 1-16,0-6 0 15,0-3-1-15,0-1 1 16,0-15-121-16,12-11-66 16,-4-6-672-16</inkml:trace>
+  <inkml:trace contextRef="#ctx0" brushRef="#br0" timeOffset="5543.15">24905 7904 876 0,'0'0'212'15,"0"0"-150"-15,0 0-30 16,0 0 27-16,0 0-9 16,0 0-21-16,0 0-12 15,129 0-4-15,-112 18-4 0,2 0 2 16,-3 0 1-16,-3 3-2 16,-2-3-8-16,-4 0-1 15,-5-2 6-15,-2 2 1 16,0-2-7-16,-9 2 11 15,-15 2 18-15,-11 1-23 16,0-3 5-16,-3-1 8 16,3-1-9-16,6-5-3 15,6-2 1-15,10-3-9 16,7-4 1-16,6-2 1 16,0 0-2-16,0 0 0 15,13 0-1-15,9 0 1 16,7-4 0-16,7 2 0 0,1 2 0 15,3 0 0 1,1 0 1-16,-5 10-1 0,-1 7 0 16,-6-2 1-16,-2 5-1 15,-4-2 0-15,-8 1 0 16,-5-1 0-16,-2-5 1 16,-8 0-1-16,0 1 0 15,0 0 2-15,-14 1 8 16,-9 2 25-16,-2-1-5 15,-7 2-3-15,-2-4-6 16,-1 0-2-16,1 0-3 16,3-6 8-16,4 0-11 15,8-4 0-15,5-2 0 16,5-2 6-16,5 0-1 16,0 0-2-16,1-2-15 0,3-10-1 15,0-2-12-15,0 0-40 16,9-4-29-16,6 2-79 15,5 3-148-15</inkml:trace>
+  <inkml:trace contextRef="#ctx0" brushRef="#br0" timeOffset="5925.78">25473 8300 1003 0,'0'0'258'0,"0"0"-163"15,0 0 3-15,0 0-49 16,0 0-29-16,0 0-11 15,0 0-2-15,-9 46 14 16,1-15 11-16,-2 8-3 16,1-3-10-16,3 0-5 15,2-4-1-15,-2-4 1 16,2-4-6-16,0-8 5 0,2-4-7 16,-1-6 2-16,1-4-7 15,2-2 9-15,-4-12-10 16,0-12-7-16,-1-6-605 0</inkml:trace>
+  <inkml:trace contextRef="#ctx0" brushRef="#br0" timeOffset="6629.62">23964 7901 636 0,'0'0'391'16,"0"0"-256"-16,0 0-38 0,0 0-15 15,0 0-38-15,0 0-25 16,0 0-9-16,-31 38-3 16,21 0 11-16,-2 14 5 15,3 8 6-15,3 4-6 16,-1 0 0-16,3-4-7 15,-1-5-7-15,2-10 3 16,-1-8-11-16,2-13 0 16,2-10 0-16,0-8-1 15,0-6 2-15,0 0-2 16,0-36-41-16,0-6-151 16,9-9-409-16</inkml:trace>
+  <inkml:trace contextRef="#ctx0" brushRef="#br0" timeOffset="7153.06">23938 7904 867 0,'0'0'240'0,"0"0"-172"16,0 0-21-16,0 0 29 15,138-41-29-15,-102 41-31 16,-5 0-6-16,-4 0-9 15,-10 14 1-15,-5 4-1 16,-8 6 8-16,-4 4-2 16,-2 4 2-16,-21 2 8 15,-3 0 28-15,-6-6-16 0,1-2-8 16,2-8-1-16,4-6-4 16,8-7-4-16,6-2-1 15,4-3 5-15,7 0-5 16,0 0-11-16,0 0 0 15,4 0 0-15,17 0-1 16,8 3 1-16,6 2 0 16,5 2 0-16,5 8 0 15,-3-1 0-15,-3 2 0 16,-11 2 0-16,-10 0-1 16,-12 3 0-16,-6 2-5 15,-6 4 6-15,-25 0 5 0,-7 4 10 16,-5 1 7-16,3-6 2 15,3-4 19-15,8-4 3 16,4-10-9-16,10-4-11 16,5-4 2-16,4 0 7 15,4 0-22-15,2-12-13 16,0-2-16-16,0 0-23 16,6 0-39-16,25-2-5 15,-4 2-64-15,-2 4-211 0</inkml:trace>
+  <inkml:trace contextRef="#ctx0" brushRef="#br0" timeOffset="7593.61">24401 8306 887 0,'0'0'330'16,"0"0"-253"-16,0 0-56 15,0 0 5-15,0 0 3 16,0 0-7-16,0 0-4 16,114 50-7-16,-96-34-2 15,-7 0-8-15,-5 0 7 16,-6 4 3-16,0 0 10 15,-22 4 8-15,-11 2-8 0,-3 2-3 16,-4 2-5-16,5-4-4 16,6-4-9-16,8-5 7 15,11-6 7-15,5-4-12 16,5-4 0-16,0 1-2 16,7 0 0-16,15 3 12 15,9-3 17-15,9-1 41 16,7 0-14-16,-2-2-21 15,-3-1-19-15,-9 0-15 16,-8 0 0-16,-9 0-1 0,-16 0-12 16,0-7-102-1,-8-8-156-15</inkml:trace>
+  <inkml:trace contextRef="#ctx0" brushRef="#br0" timeOffset="8348.66">22888 7845 874 0,'0'0'236'15,"0"0"-177"-15,0 0-39 16,0 0-19-16,0 0 5 15,0 0 6-15,0 0 18 0,14 59 18 16,-14-35 3-16,0 5-1 16,0 7-5-16,0 4 3 15,-7 8 3-15,-8 6-1 16,-1 3-14-16,-2-4-7 16,2-2-19-16,3-9 6 15,2-6-7-15,4-9-2 16,1-8-5-16,3-7 3 15,3-6-4-15,0-2-2 16,0-4 1-16,0 0 0 16,0 0-6-16,16-18-56 15,4-12-139-15,0-5-433 0</inkml:trace>
+  <inkml:trace contextRef="#ctx0" brushRef="#br0" timeOffset="9002.54">22971 7917 783 0,'0'0'191'15,"0"0"-139"-15,0 0 7 16,0 0 29-16,0 0-27 15,0 0-19-15,0 0-3 0,127-13-4 16,-109 13-15 0,-1 10-8-16,2-2 5 0,-6 6-11 15,0 1 4-15,-6 3 1 16,-7 3-1-16,0 6 10 16,-7 3 15-16,-15 2 1 15,-9-2 1-15,-3-3-7 16,1-4-12-16,2-5-2 15,2-6-2-15,8-6-4 16,9-4-8-16,4-2-1 16,8 0 18-16,0 0-18 15,0 0-1-15,10 0 0 16,11 0 0-16,8-4 0 16,10-3 1-16,3 7 1 15,2 0-1-15,3 0 0 0,-5 3-1 16,-3 9 1-1,-10 0 0-15,-10 0-1 0,-10 2 0 16,-6 3-1-16,-3-2 1 16,-3 6-5-16,-16 1 5 15,-8 2 2-15,-2-3 27 16,-7 3-12-16,1-3-6 16,-6-5 3-16,-1-4-1 15,0-4 2-15,-1-6-2 16,3-2 2-16,5 0-1 15,6 0 2-15,6 0 8 16,10 0 14-16,6 0 3 0,2 0-15 16,5 0-10-16,0 0-16 15,0 0-1-15,0 0-14 16,0 0-13-16,34-10-65 16,0 2-71-16,-1-2-241 0</inkml:trace>
+  <inkml:trace contextRef="#ctx0" brushRef="#br0" timeOffset="9679.93">23345 8448 838 0,'0'0'153'16,"0"0"-104"-16,0 0 12 0,0 0-28 16,0 0-7-1,0 0-10-15,0 0-3 0,102 18 1 16,-94-8-4-16,-4-2 2 16,-4 0 7-16,0 4 16 15,-14 3 53-15,-7 0-23 16,-8 5-41-16,-3-2 0 15,1 0-11-15,2-4-12 16,7-1 0-16,6-6 5 16,7-5 7-16,9 0-12 15,0-2-1-15,0 0-8 16,18 0 7-16,7 0 0 0,3 0-1 16,6 7 2-1,0 4 0-15,-1 6 0 0,-4 1 0 16,-7 4-1-16,-6-3 1 15,-12 4-1-15,-4-1 1 16,0 0 0-16,-20-1 0 16,-10-2 32-16,-3 1-13 15,-2-4 4-15,1 0 8 16,3-5-8-16,6-4 8 16,6-3-2-16,3-4 3 15,7 0 3-15,3 0-7 16,4 0-15-16,2-10-13 15,0-6-8-15,2 4-103 16,6 4-264-16</inkml:trace>
+  <inkml:trace contextRef="#ctx0" brushRef="#br0" timeOffset="49701.86">8772 13127 704 0,'0'0'176'15,"0"0"-75"-15,0 0 35 16,0 0-51-16,0 0-9 16,0 0-1-16,0-3-17 0,0 3-4 15,0-2-12 1,0 2-4-16,0 0-9 0,0 0-7 15,0 0-5-15,0 0 3 16,0 0 1-16,0 0-8 16,0 0 4-16,0 0-2 15,0 0-6-15,0 0-2 16,0 0-6-16,0 0-1 16,0 0 0-16,0 12 0 15,0 7 1-15,-5 2 8 16,1 8-3-16,-1 0 1 15,2 5-6-15,3 5 7 16,0-1-7-16,0-1 0 16,0 2 1-16,0-5 5 15,0-4-6-15,0-6 0 0,0-4 1 16,0-6-1-16,0-2 0 16,0-1 0-16,0-6 1 15,0 1-1-15,0-2 1 16,0-1 0-16,0-3-2 15,0 0 0-15,0 0-15 16,0 0-88-16,5-3-123 16,0-7-131-16</inkml:trace>
+  <inkml:trace contextRef="#ctx0" brushRef="#br0" timeOffset="50363.78">8711 13136 7 0,'0'0'980'0,"0"0"-806"15,0 0-108-15,0 0 5 16,0 0-13-16,0 0-10 15,0 0 9-15,44-64-11 16,-30 58-19-16,2 4-10 16,2 2-16-16,-3 0-1 0,3 0 1 15,-1 6 0-15,-1 4 0 16,-3 0 0-16,-1 0 0 16,-5 2 0-16,-3 3 0 15,-4 0-1-15,0 7-1 16,-4 4 1-16,-17 5 0 15,0 1 6-15,-4-1 1 16,2 0 0-16,3-7-6 16,5-4-1-16,4-8 1 15,4-6 14-15,7-4-15 16,0-2 0-16,0 0 0 16,0 0-16-16,16-10 15 15,1 0 0-15,8 1-7 16,4 0 8-16,2 2-1 0,0 7 0 15,2 0-1-15,-6 0 1 16,-2 0-5-16,-5 0 5 16,-5 9 0-16,-4 0-8 15,-1 4 8-15,-4 2 0 16,-6 6-5-16,0 1-2 16,0 5 8-16,-18 2 1 15,-3-1 7-15,-6 2-7 16,0-3 13-16,0-6-1 15,0-3 1-15,2-6 6 16,6-5-10-16,3-6-3 16,3-1-7-16,4 0-6 0,6-8-61 15,3-10-61 1,3 3-130-16,10 2-376 0</inkml:trace>
+  <inkml:trace contextRef="#ctx0" brushRef="#br0" timeOffset="50935.37">9226 13330 773 0,'0'0'296'0,"0"0"-205"16,0 0-36-16,0 0 11 16,0 0-32-16,0 0 24 15,0 0 12-15,3-1-13 16,-3 1-12-16,0 0-3 16,0 0-14-16,0 5-10 15,-6 6 1-15,0 3-18 16,-1 4 7-16,3 2-7 15,2 1 0-15,2 2 9 16,0-2-8-16,0 2 2 16,4-5-4-16,7-2-1 15,3-5 1-15,3-2 7 0,1-5-7 16,1-1 0-16,2-3 9 16,0 0-9-16,-1-7 1 15,-5-7 7-15,1-2 0 16,-5-2-7-16,-7-2 6 15,-4-1 2-15,0-4-9 16,0 1 0-16,-18-2-8 16,-1 1 7-16,-6 0-19 15,0 3 1-15,6 3 3 16,0 7 14-16,7 6 2 16,0 2-7-16,3 3 7 15,3 1-6-15,1 0 6 16,0 0 0-16,3 0 1 0,-2 0-1 15,4 10-7-15,0-1-24 16,0-2-226-16</inkml:trace>
+  <inkml:trace contextRef="#ctx0" brushRef="#br0" timeOffset="51619.67">8666 12169 856 0,'0'0'247'0,"0"0"-180"16,0 0-49-16,0 0-16 15,0 0-1-15,0 0 7 16,0 0-7-16,16 107 17 16,-13-65 28-16,-3 8-5 15,0 0-8-15,2 3-7 0,0-5 2 16,2-5-15-16,0-8-3 15,2-7-9-15,-2-9 0 16,0-6 0-16,-1-8 0 16,-3-2 0-16,0-3 0 15,0-21-1-15,0-6-122 16,0-7-212-16</inkml:trace>
+  <inkml:trace contextRef="#ctx0" brushRef="#br0" timeOffset="52124.77">8653 12274 887 0,'0'0'252'0,"0"0"-184"15,0 0 8-15,0 0-35 16,0 0-25-16,0 0-3 16,114-90 4-16,-80 82 1 15,-5 1-1-15,-2 7-2 16,-10 0-14-16,-5 3-1 15,-6 15 7-15,-6 8-6 16,0 4 5-16,-10 2 9 16,-11 4 4-16,-6 0-8 15,0-6 2-15,2-1 5 16,8-10-1-16,3-4-5 16,6-10-1-16,5 0-10 0,3-5-2 15,0 0-5-15,11 0 6 16,12 0 0-16,8-5 1 15,4 0-1-15,7-2 2 16,3 3 5-16,0 4-7 16,-7 0 0-16,-7 0-1 15,-9 7 0-15,-10 4-1 16,-8 5 0-16,-4 4-9 16,-2 5 11-16,-21 3 6 15,-4 2 21-15,-4 1 10 16,0-6-7-16,4-6 2 15,3-4 27-15,6-7-14 16,4-4-4-16,8-2-29 0,4-2 4 16,2 0 3-1,0 0-14-15,0 0-5 0,2 0-25 16,18-4-64-16,-2-3-83 16,0 6-227-16</inkml:trace>
+  <inkml:trace contextRef="#ctx0" brushRef="#br0" timeOffset="54706.78">9244 12384 616 0,'0'0'240'16,"0"0"-122"-16,0 0 8 16,0 0-38-16,0 0-25 15,0 0-1-15,0 0 0 16,0-4-18-16,0 4-15 16,0 0 4-16,0 0-4 15,0 0-1-15,0 0-9 16,0 0 0-16,0 0-3 15,0 0-5-15,0 0-9 16,0 0 8-16,0 4-10 0,0 16-6 16,0 6 6-16,0 8 1 15,0 3 6-15,0-3-5 16,2-4-1-16,0-4-1 16,2-5 1-16,-2-4 0 15,2-5-1-15,-2-6 1 16,0-2 9-16,-2-2-9 15,0-2 0-15,0 0 0 16,0 0-1-16,0-12-5 16,0-8-211-16,0-1-1088 0</inkml:trace>
+  <inkml:trace contextRef="#ctx0" brushRef="#br0" timeOffset="55644.23">8736 11279 421 0,'0'0'499'15,"0"0"-348"-15,0 0-15 16,0 0-32-16,0 0-66 15,0 0-14-15,0 0 8 16,0-38 32-16,0 34 4 16,0 2-25-16,0 0-8 15,0 2-14-15,0 0-5 16,0 0-14-16,0 0-2 16,0 0-5-16,-2 10-9 15,-3 12 14-15,2 10 1 0,1 7 14 16,0 6-14-1,2 4 5-15,0-1-5 0,0 0 7 16,0-6-6-16,0-4-1 16,0-8 0-16,0-6 0 15,0-6 0-15,2-5 0 16,0-10 0-16,-2-3 0 16,0-1-1-16,0-18-55 15,0-5-237-15</inkml:trace>
+  <inkml:trace contextRef="#ctx0" brushRef="#br0" timeOffset="56320.1">8658 11318 735 0,'0'0'116'15,"0"0"-69"-15,0 0 33 16,0 0-18-16,0 0 19 15,71-110 49-15,-55 98-30 16,-3-1-22-16,-4 6-18 16,2 2-18-16,-2 1-17 15,0 2-16-15,4 2-1 16,3 0-6-16,2 0-2 16,2 0 1-16,3 11 1 15,-4 9 5-15,-3 1-7 16,-5 3 0-16,-5 4 0 0,-6 0 0 15,0 0 1-15,0-2-1 16,-4-1 5-16,-9-5-5 16,-3-2 0-16,1-2 4 15,-3-4 6-15,3-2 5 16,1-4-5-16,5-2-3 16,2-2 1-16,5-2 0 15,2 0-6-15,0 0 4 16,0 0-6-16,0 0-1 15,9 0 0-15,10-4 0 16,6-4 0-16,6-4 1 16,3 2 0-16,4 2 0 15,-2 2 0-15,-3 6 0 0,-4 0-1 16,-10 0-8 0,-2 7 8-16,-9 10 0 0,-1-1-5 15,-7 4-3-15,0 2 9 16,0 2 0-16,0 0 1 15,-13 2-1-15,-6 2 3 16,0-4 4-16,-6 0 6 16,3-1-1-16,-3-8-3 15,6-3 14-15,-2-3 0 16,6-5 5-16,-1-3 1 16,5-1-10-16,0 0-3 15,4 0-4-15,5 0 0 16,0 0-11-16,2 0 0 15,0 0-1-15,2-8-120 16,14-2-136-16,1-2-518 0</inkml:trace>
+  <inkml:trace contextRef="#ctx0" brushRef="#br0" timeOffset="56815.3">9304 11416 1045 0,'0'0'302'0,"0"0"-213"15,0 0-63-15,0 0-25 16,0 0 12-16,0 0-4 16,0 0 1-16,66 0-4 15,-59 2-5-15,-4 8 0 16,-3 8 11-16,0 4-11 16,-10 6 12-16,-9 4 0 15,-1 2 0-15,-3-2-12 16,4-2 12-16,3-6 6 15,7-5-5-15,5-8-2 0,4-7-11 16,0-4 1 0,0 0-2-16,15 0 9 0,7 0 16 15,3-8 17-15,4-2-5 16,-3-1-15-16,1-1-11 16,-5 1-3-16,-6 3-1 15,-5 2-1-15,-4 2-6 16,-5 1 0-16,0-2 0 15,-2-1-39-15,0-1-67 16,0 0-211-16</inkml:trace>
+  <inkml:trace contextRef="#ctx0" brushRef="#br0" timeOffset="57531.12">8676 10140 523 0,'0'0'117'0,"0"0"-46"15,0 0 27-15,0 0-11 16,0 0-5-16,0 0 24 16,0 0-24-16,0-17-25 15,0 17-11-15,0 0-29 16,0 17-15-16,0 10 22 15,0 9 11-15,0 5-6 16,0 8 5-16,9 5 5 16,-1-2 4-16,2 0-9 15,1-4-12-15,-3-8-9 0,-1-8-2 16,0-7-10-16,-3-10 0 16,-4-8 0-16,3-7 5 15,-3-14-6-15,0-16-164 16,0-7-1026-16</inkml:trace>
+  <inkml:trace contextRef="#ctx0" brushRef="#br0" timeOffset="58065.25">8647 10150 806 0,'0'0'181'0,"0"0"-118"0,0 0 91 15,0 0-43-15,0 0-47 16,0 0-22-16,120-86-23 16,-100 86-10-16,-2 0-4 15,-3 4-4-15,-3 10-1 16,-4 6 0-16,-3 6 1 16,-5 4 1-16,0 5-2 15,-9 5 9-15,-13 0-2 16,-1-5 9-16,-1-3 1 15,6-5 10-15,5-11-1 16,6-6-13-16,2-4-12 16,5-6 12-16,0 0-7 0,5 0-5 15,17 0 6-15,7-10-6 16,9 0 1-16,5 0-1 16,-1 4-1-16,0 6 0 15,-6 0 0-15,-7 0 0 16,-12 15-1-16,-8 0 1 15,-9 5-10-15,0 4 8 16,-6 0 4-16,-14 4-2 16,-4-2 1-16,-3 2 22 15,0-3 2-15,4-6 0 16,4-5-13-16,3-2 15 16,7-6-6-16,5-3-1 15,2-1 5-15,2-2-3 16,0 0-3-16,0 0-13 15,0 0-6-15,10-6-24 0,9-4-110 16,-2-2-351-16</inkml:trace>
+  <inkml:trace contextRef="#ctx0" brushRef="#br0" timeOffset="58764.67">9250 10283 778 0,'0'0'279'16,"0"0"-146"-16,0 0-19 15,0 0-66-15,0 0-35 16,0 0-1-16,0 0-11 0,68-32 1 15,-53 32-1-15,1 0-1 16,-1 6 3-16,-2 8-3 16,-1 2 1-16,-6 4-1 15,-4 2 0-15,-2 2 1 16,0 1-1-16,-4-2 13 16,-12-1 2-16,-3-5 14 15,0 0-7-15,2-5 4 16,5-3-6-16,4-6 5 15,5-1-6-15,3-2-10 16,0 0 5-16,0 0-12 16,0 0-2-16,13 0 0 15,10 0 1-15,8-4 0 0,5-4 7 16,4 2-7 0,-4 2 0-16,-3 4-1 0,-10 0-1 15,-12 0-5-15,-9 12-4 16,-2 8-6-16,-7 4 10 15,-17 2 6-15,-5 2 22 16,-3 1 3-16,6-5 16 16,1-4-2-16,8-6-2 15,5-9-8-15,5 0 4 16,5-5-2-16,2 0 0 16,0 0-14-16,0 0-17 15,0-8-76-15,2-1-236 0</inkml:trace>
+  <inkml:trace contextRef="#ctx0" brushRef="#br0" timeOffset="64173.62">10295 11829 172 0,'0'0'137'0,"0"0"35"16,0 0 24-16,0 0-16 15,0 0-14-15,0 0 7 16,12-6-42-16,-12 6-48 16,0-2-10-16,0 0-18 15,0-1-14-15,0-1 5 16,0 1-2-16,2 1-2 15,-2 0 5-15,0 0-5 16,0 2 2-16,0 0-13 0,0 0-9 16,0 0-12-16,0 0 0 15,0 0-2-15,0 0-8 16,0 0-23-16,0 2 1 16,-2 14 22-16,-6 10 0 15,0 6 0-15,1 4 6 16,5 2-6-16,2-2 0 15,0 0 0-15,2-4 0 16,17 0 0-16,0-4 0 16,4-4 0-16,1-3 1 15,0-7 0-15,1-6-1 16,-3-8 1-16,1 0 1 16,-2-2 6-16,2-22-8 0,-5-6-12 15,-5-9-8-15,-6-3-13 16,-7-2 0-16,0 2 8 15,-5 2 2-15,-12 6 14 16,-3 6 9-16,-5 8 0 16,2 6 1-16,2 4 6 15,0 4 0-15,4 4 11 16,1-2-8-16,5 2-1 16,4-1-8-16,2 3-1 15,3 0 0-15,2 0-6 16,0 0-35-16,0 0-150 15,0 0-192-15</inkml:trace>
+  <inkml:trace contextRef="#ctx0" brushRef="#br0" timeOffset="64751.68">10814 11726 461 0,'0'0'115'16,"0"0"-43"-16,0 0 48 15,0 0 7-15,0 0-1 0,29 109 11 16,-20-73-35-16,-2 2-24 15,-2 6-14-15,-1-3-21 16,-4 6-8-16,2-5-6 16,-2-2-4-16,0-3-10 15,0-7 3-15,0-6-10 16,2-8-2-16,-2-6-5 16,0-6 7-16,0-4 5 15,0 0 6-15,0-8 10 16,0-18 31-16,0-15-60 15,0-9-44-15,-6-5-9 16,-1-4-30-16,7 3 51 16,0 6 31-16,0 6 1 0,0 8 36 15,7 4 2-15,4 4-12 16,5 5-1-16,-1 1-9 16,5 4 0-16,3 0-7 15,-4 0 1-15,2 6-9 16,-4 2 0-16,-3 7-1 15,-6 0-1-15,-1 3 0 16,-2 0 1-16,-3 0-1 16,1 0-1-16,-1 0 2 15,-2 3 1-15,0 3-1 16,0-1 0-16,0-1 0 16,0 0-67-16,-12-4-583 0</inkml:trace>
+  <inkml:trace contextRef="#ctx0" brushRef="#br0" timeOffset="66033.39">12368 10076 889 0,'0'0'315'0,"0"0"-208"16,0 0 7-16,0 0-46 16,0 0-20-16,0 0 13 15,-14-78 4-15,14 72-5 16,0 4-6-16,0 2-14 15,0 0-21-15,0 0-19 0,0 14-13 16,0 20-1 0,0 18 14-16,0 11 6 0,0 5-5 15,0-2-1-15,0-4 1 16,6-10-1-16,6-7 2 16,-1-12-2-16,0-7 0 15,-2-10 0-15,2-12 0 16,-4-4-169-16,-5 0-165 0</inkml:trace>
+  <inkml:trace contextRef="#ctx0" brushRef="#br0" timeOffset="66514.89">12321 10102 35 0,'0'0'902'0,"0"0"-801"16,0 0-76-16,127-72-11 16,-80 54-13-16,-3 10 18 15,-6 6-10-15,-12 2-8 16,-9 8-1-16,-13 18 8 16,-4 8 5-16,-9 8 14 15,-20 2 22-15,-6 3-11 16,-6-3-5-16,5-8 8 15,3-8-5-15,8-6 3 16,12-9-17-16,7-10-9 0,6-1-4 16,0-2-8-16,19 0 0 15,13 0 6-15,7 0 2 16,6 0 13-16,0 0 8 16,-2 0-15-16,-8 2-9 15,-8 8 1-15,-8 2-6 16,-11 2-1-16,-8 4 2 15,0 4 7-15,-16 4 17 16,-13 2 12-16,-7 0 3 16,1 0-5-16,-1-4-1 15,5-8-7-15,8-3-9 16,5-8-3-16,12-5-14 16,6 0-2-16,6-22-94 0,19-3-202 15,0-1-464-15</inkml:trace>
+  <inkml:trace contextRef="#ctx0" brushRef="#br0" timeOffset="66922">12900 10343 879 0,'0'0'328'0,"0"0"-180"0,0 0-70 16,0 0-52 0,0 0-26-16,0 0 0 15,0 0 0-15,7 78 1 0,-5-44 15 16,2 0 16-16,6-2-10 16,3-6-15-16,5-2 9 15,3-9-5-15,6-5 0 16,2-10 1-16,3 0 5 15,-3-4 1-15,0-20-4 16,-5-5-3-16,-6-3-3 16,-9 0-6-16,-9 0-2 15,-2 2 0-15,-25 4-7 16,-8 6-5-16,-6 8-11 16,-1 6 16-16,4 6 6 15,5 0 1-15,8 0 13 0,9 0-13 16,7 9 0-16,5 2-28 15,4-1-155-15</inkml:trace>
+  <inkml:trace contextRef="#ctx0" brushRef="#br0" timeOffset="67407.42">12568 11149 1026 0,'0'0'283'0,"0"0"-195"16,0 0-62-16,0 0-25 15,0 0 8-15,0 0 4 0,20 152 36 16,-7-93 18-16,3-1-9 16,-3-2-24-16,1-6-17 15,-1-10-9-15,-4-10-7 16,0-10 6-16,-4-10-6 16,-3-10-1-16,-2-22-33 15,0-14-194-15,0-8-988 0</inkml:trace>
+  <inkml:trace contextRef="#ctx0" brushRef="#br0" timeOffset="67845.98">12593 11071 1330 0,'0'0'282'0,"0"0"-207"16,0 0-22-16,0 0-20 15,0 0-22-15,0 0-1 16,137-85-10-16,-108 84 0 15,-8 1 0-15,-8 4-1 16,-8 15-9-16,-5 10 3 16,-3 5 5-16,-19 6 2 15,-9 0 0-15,0-2 2 16,0-4 8-16,2-8-9 16,8-6 6-16,8-8-5 15,9-8-2-15,4-2-9 16,0-2 8-16,9 0 1 0,15 0 0 15,12 0 0 1,6-8 1-16,5 0 0 0,-1 6 0 16,-6 2-1-16,-3 0-1 15,-16 2 1-15,-9 12-6 16,-12 6 0-16,0 3-4 16,-12 4 10-16,-11-1 1 15,-2 1 9-15,-2-7 15 16,2-2-3-16,8-6 9 15,3-6-9-15,5-2-12 16,5-4-4-16,4 0-6 16,0 0-30-16,4 0-149 15,12-8-130-15,2 0-91 0</inkml:trace>
+  <inkml:trace contextRef="#ctx0" brushRef="#br0" timeOffset="68139.69">13205 11292 1239 0,'0'0'266'0,"0"0"-171"16,0 0-54-16,0 0-30 15,0 0-2-15,0 0 9 0,5 142 5 16,-3-96 6-16,2 0-10 16,1-8 0-16,-1-4-6 15,1-8-11-15,-3-8 4 16,3-10-6-16,-1-8 0 16,0-4-194-16,-2-12-359 0</inkml:trace>
+  <inkml:trace contextRef="#ctx0" brushRef="#br0" timeOffset="68660.63">12586 12169 1106 0,'0'0'317'16,"0"0"-177"-16,0 0-28 15,0 0-32-15,0 0-48 16,0 0-19-16,0 0-1 15,0-15-11-15,2 21-1 16,5 16-6-16,-1 12 6 16,1 10 7-16,2 6 7 15,0 4-13-15,0-6 1 16,0-3-1-16,0-9 11 16,-3-8-11-16,-1-10-1 15,-1-9-11-15,-2-6-60 0,-2-7-84 16,0-18-150-1,0-6-861-15</inkml:trace>
+  <inkml:trace contextRef="#ctx0" brushRef="#br0" timeOffset="69085.7">12672 12101 1194 0,'0'0'297'16,"0"0"-185"-16,0 0-38 15,0 0-49-15,0 0-18 16,0 0-2-16,0 0-5 15,74-5-2-15,-61 17 1 16,-5 2-5-16,-8 4-1 0,0 6 1 16,-6-1 0-16,-13 2-4 15,-3-1 10-15,3-6 1 16,6-6 8-16,7-4-3 16,6-6-6-16,0-2-1 15,2 0 0-15,17 0 1 16,10 0-1-16,6-4 1 15,2 2 0-15,1 2 2 16,-5 0-1-16,-4 0-1 16,-10 14-1-16,-11 4 0 15,-8 6-5-15,0 2 6 16,-8 4 14-16,-17 0 7 16,0 1 17-16,-2-3-1 0,1-6 1 15,1-3 3 1,5-6-21-16,4-3-12 0,8-6-1 15,3-4 2-15,5 0-9 16,0-4-89-16,13-15-171 16,6 1-301-16</inkml:trace>
+  <inkml:trace contextRef="#ctx0" brushRef="#br0" timeOffset="69456.16">13154 12400 1129 0,'0'0'214'0,"0"0"-118"15,0 0 1-15,0 0-24 16,0 0-26-16,0 0-12 15,0 0-9-15,127 35-13 16,-111-26-6-16,-5 8-6 16,-9 1 8-16,-2 4-8 15,0 4 7-15,-9 6 6 16,-9-2 6-16,3 0-1 16,3-8 0-16,3-8-1 15,9-7-4-15,0-4 1 0,0-3-14 16,19 0 8-16,10-4 12 15,8-13-4-15,5-2-17 16,6-5-7-16,-15 6-202 16,-13 6-681-16</inkml:trace>
+  <inkml:trace contextRef="#ctx0" brushRef="#br0" timeOffset="69935.67">12624 13208 780 0,'0'0'540'0,"0"0"-444"0,0 0 13 16,0 0-48-16,0 0-41 16,0 0-14-16,0 0 1 15,22 19 1-15,-15 11 18 16,1 10 13-16,1 6-4 16,1 4-10-16,-2-2-12 15,-1-4-1-15,-1-10-11 16,0-6 0-16,-2-11-1 15,-2-16-38-15,-2-1-186 16,0 0-392-16</inkml:trace>
+  <inkml:trace contextRef="#ctx0" brushRef="#br0" timeOffset="70373.86">12726 13062 1013 0,'0'0'676'0,"0"0"-581"15,0 0-65-15,0 0-9 16,0 0-15-16,0 0-5 16,0 0-1-16,123-46-6 15,-112 56-4-15,-6 12 1 16,-5 8-1-16,0 4-1 16,-16 4 11-16,-7 1 0 15,-1-3 1-15,4-8 0 16,2-9 0-16,9-7-1 0,7-7 0 15,2-5 0-15,0 0 0 16,18 0-9-16,9-9 9 16,6 1 0-16,5 2-1 15,0 6 1-15,-1 0 0 16,-3 0-1-16,-8 13 0 16,-5 9-13-16,-13 6 7 15,-8 4 6-15,0 4 1 16,-6 0 0-16,-14-4 24 15,-4-2 0-15,-3-7 10 16,-2-4-6-16,4-6-8 16,5-4-5-16,5-3-6 15,3-6-9-15,8 0 0 0,4-10-83 16,9-12-271 0,9-4-824-16</inkml:trace>
+  <inkml:trace contextRef="#ctx0" brushRef="#br0" timeOffset="70799.2">13259 13337 1243 0,'0'0'314'0,"0"0"-227"15,0 0-7-15,0 0-27 16,0 0-25-16,0 0-8 0,115 14-13 16,-90-3 1-16,-5 4-7 15,-4-3 8-15,-10 2-8 16,-6 1-1-16,0 0 0 16,-4 3 1-16,-18 2 10 15,0 2-10-15,-1-3 12 16,8-2-6-16,3-7-7 15,8-3 0-15,4-6-1 16,0-1 1-16,20 0 0 16,9 0 13-16,9 0-5 15,0 0-7-15,-1 0-1 16,-2 0-1-16,-14 10 1 0,-11 10-1 16,-10 8 1-1,-12 7 0-15,-26 5 48 0,-11 2 21 16,-4-6-5-16,-23-10-30 15,13-14-34-15,12-12-26 0</inkml:trace>
+</inkml:ink>
+</file>
+
+<file path=ppt/ink/ink3.xml><?xml version="1.0" encoding="utf-8"?>
+<inkml:ink xmlns:inkml="http://www.w3.org/2003/InkML">
+  <inkml:definitions>
+    <inkml:context xml:id="ctx0">
+      <inkml:inkSource xml:id="inkSrc0">
+        <inkml:traceFormat>
+          <inkml:channel name="X" type="integer" max="32767" units="cm"/>
+          <inkml:channel name="Y" type="integer" max="32767" units="cm"/>
+          <inkml:channel name="F" type="integer" max="4095" units="deg"/>
+          <inkml:channel name="T" type="integer" max="2.14748E9" units="dev"/>
+        </inkml:traceFormat>
+        <inkml:channelProperties>
+          <inkml:channelProperty channel="X" name="resolution" value="2155.72363" units="1/cm"/>
+          <inkml:channelProperty channel="Y" name="resolution" value="3449.15796" units="1/cm"/>
+          <inkml:channelProperty channel="F" name="resolution" value="11.375" units="1/deg"/>
+          <inkml:channelProperty channel="T" name="resolution" value="1" units="1/dev"/>
+        </inkml:channelProperties>
+      </inkml:inkSource>
+      <inkml:timestamp xml:id="ts0" timeString="2020-09-14T16:59:04.397"/>
+    </inkml:context>
+    <inkml:brush xml:id="br0">
+      <inkml:brushProperty name="width" value="0.05292" units="cm"/>
+      <inkml:brushProperty name="height" value="0.05292" units="cm"/>
+      <inkml:brushProperty name="color" value="#FF0000"/>
+    </inkml:brush>
+  </inkml:definitions>
+  <inkml:trace contextRef="#ctx0" brushRef="#br0">14049 3455 662 0,'0'0'214'16,"0"0"-90"-16,0 0-24 15,0 0 4-15,0 0-7 16,0 0-10-16,0 2-8 15,0-2 1-15,0 0-18 16,0 0-18-16,0 0-12 16,0 0-6-16,0 0-5 15,0 0-1-15,0 0 2 16,0 0-15-16,0 0-1 16,0 0 1-16,0 0 1 15,0 0-8-15,0 0 0 0,0 0 1 16,0 0 0-16,0 0-1 15,5 0-6-15,-1 0-1 16,8 0 5-16,3 0 2 16,8-2 1-16,6-2 0 15,6-4 1-15,8 0 4 16,-1-2-5-16,4-2-1 16,-1 4 1-16,2-1 0 15,-2 4 0-15,-1 3-1 16,1 0 0-16,-1 2 0 15,3 0 1-15,0 0 0 16,6 0-1-16,3 2 1 16,7 2 0-16,5-2-1 15,9-2 1-15,2 0-1 16,8 0 7-16,3 0-7 0,-1-4 0 16,-2-5 1-16,-3 5-1 15,-1 0 0-15,-3 4 0 16,-2 0 0-16,0 0 0 15,-5 0 0-15,4 0-1 16,-4 0 1-16,0 0 0 16,1 0 0-16,-3 0 0 15,4 0 0-15,2 0 0 16,0 0 0-16,4 0 0 16,4-5 1-16,-1-8 0 15,0 3 0-15,3-2 0 16,-2 1-1-16,-2 1 1 15,-1 3-1-15,-2 1 0 0,0 2 0 16,-1 1 0-16,-4-2 0 16,3 1 0-16,-2 2 0 15,-4-2 0-15,-6 2 0 16,-3-1 0-16,-10 0 0 16,-2 2 1-16,-4-2-1 15,-5 3 0-15,1 0 0 16,-3 0 0-16,-2 0 0 15,-1 0 0-15,2 0 0 16,-4 0 0-16,-1 0 0 16,-3 0 1-16,-4 0-1 15,-4 0 0-15,-2 0 1 0,-3 0-1 16,-5 0 0-16,-1 0 0 16,-4 0 1-16,-3 0-1 15,-3 0 0-15,0 0 0 16,-2 0 0-16,0 0 0 15,0 0 0-15,0 0 1 16,0 0 0-16,0 0 6 16,0 0 1-16,0 0-2 15,0 0 4-15,0 0 7 16,0 0 4-16,0 0-11 16,0 0 0-16,0 0-1 15,0 0-3-15,0 0-6 16,0 0 7-16,0 0 1 0,0 0-1 15,0 0 8-15,0 0-4 16,0 0 1-16,0 0 3 16,0 0-2-16,0 0 1 15,0 0-3-15,0 0 0 16,0 0 4-16,0 0 0 16,0 0-9-16,0 0 0 15,-4 0 1-15,-9-4-7 16,-12-4-145-16</inkml:trace>
+  <inkml:trace contextRef="#ctx0" brushRef="#br0" timeOffset="4759.24">23819 7981 631 0,'0'0'228'16,"0"0"-153"-16,0 0-15 15,0 0-11-15,0 0-23 16,0 0-10-16,0 2-3 16,0-2-6-16,0 0-6 0,0 0 11 15,0 0-11-15,0 0 5 16,0 0-5-16,0 3 0 16,0 1 9-16,0 7 3 15,0-1-3-15,0 5 12 16,0 8 6-16,0 3 14 15,0 6 0-15,-4 3-15 16,2-2-1-16,-2 1-7 16,4-4-7-16,0-2-11 15,0-3 9-15,0-8-10 16,0-2 2-16,0-6-1 16,0-4 0-16,0-3 0 15,0-2 0-15,0 0 10 16,0 0-2-16,0-15-9 15,0-9-87-15,0-6-835 0</inkml:trace>
+  <inkml:trace contextRef="#ctx0" brushRef="#br0" timeOffset="5389.16">23813 7885 803 0,'0'0'178'0,"0"0"-87"0,0 0 71 15,0 0-62-15,0 0-52 16,116 10-11-16,-89-1-9 15,-5 0-15-15,-4-1-6 16,-7-1 2-16,-6 0-8 16,-5 1 0-16,0 3 7 15,-12 4 2-15,-17 2 1 16,-7 4-3-16,-1-2 3 16,1 0-10-16,5-7 11 15,9-2-3-15,6-3 4 16,7-6-2-16,7-1-9 0,2 2 12 15,0-2-14-15,6 0 1 16,17 0-1-16,4 4 1 16,4 0 0-16,4 4 0 15,3 3-1-15,-5 2 1 16,2 3-1-16,-12-2 1 16,-2 2-1-16,-5-4-1 15,-10-2 1-15,-4 0 0 16,-2-1-6-16,0 2 5 15,-2-1 0-15,-16 3 1 16,-5 0 1-16,0 1 11 16,-4-4-1-16,2 0 14 15,3-3-3-15,4-3-5 0,2-4 1 16,5 0 5 0,5 0 0-16,-1-3-8 0,4-5-9 15,3-2-6-15,0 2-108 16,12-2-57-16,5 2-92 15,4 2-856-15</inkml:trace>
+  <inkml:trace contextRef="#ctx0" brushRef="#br0" timeOffset="5886.21">24330 8054 584 0,'0'0'181'0,"0"0"-96"16,0 0 6-16,0 0 9 15,0 0 1-15,0 0-27 16,0 0-3-16,-35 70-20 16,26-51-5-16,4 1-7 15,0 2-8-15,5-3-5 16,0 4 3-16,0-5-13 0,5 0 3 16,9-4-2-16,3-3 6 15,3-3-7-15,3-7 2 16,-1-1-6-16,-2 0 8 15,-2-5 8-15,-3-12-9 16,-9-1-9-16,-2-4 6 16,-4-2-4-16,0-1-5 15,-12 0-7-15,-5 0 1 16,-4 2-1-16,5 5 0 16,1 4 1-16,4 7 5 15,2 2-6-15,2 5-1 16,1 0-6-16,-13 0-5 15,7 5-36-15,-7 2-751 0</inkml:trace>
+  <inkml:trace contextRef="#ctx0" brushRef="#br0" timeOffset="7149.06">13031 13095 909 0,'0'0'254'16,"0"0"-187"-16,0 0-25 16,0 0 36-16,0 0-10 15,0 0-8-15,0 0-27 16,0 0-11-16,0 0-3 15,0 0-12-15,0 0 2 16,0 1-9-16,0 19-8 16,0 10 8-16,0 8 9 0,-4 5-9 15,-2-1 6-15,1-2-6 16,3-4 2-16,-1-4-2 16,3-2 7-16,0-4-7 15,0-6 2-15,0-4-2 16,0-5-1-16,0-6 1 15,10-5-38-15,0-17-187 16,-3-6-50-16</inkml:trace>
+  <inkml:trace contextRef="#ctx0" brushRef="#br0" timeOffset="7772.35">13045 13035 929 0,'0'0'206'0,"0"0"-154"15,0 0-44-15,0 0-8 16,0 0 9-16,0 0 18 16,0 0 30-16,55-76-14 15,-39 67 2-15,5 3-24 16,-4 2-8-16,3 4-12 15,-2 0 1-15,-2 0 0 16,-6 1-1-16,-3 12 0 16,-7 3-1-16,0 6 1 15,-7 3 15-15,-15 6 5 16,-6 1-1-16,-3-4 0 0,2-4-1 16,6-6-6-16,5-6 3 15,9-8-3-15,7-4 2 16,2 0 4-16,0 0-13 15,0 0-6-15,11-4 1 16,7-4-1-16,5 0 0 16,0 4-1-16,6 4-7 15,3 0 8-15,-1 0 0 16,-4 4-1-16,-3 10-8 16,-8 0 9-16,-5 5-6 15,-4 2-3-15,-7 5 8 16,0 5 0-16,0 1 1 0,0-1-1 15,-11 4-5 1,-7-4 6-16,-2-2 6 0,-5-3-6 16,-1-4 11-16,-3-4 11 15,0-8-3-15,0-4-3 16,2-6-7-16,4 0 7 16,4 0-9-16,3-6-6 15,7-6-1-15,5-2 0 16,4-3-22-16,0 0-91 15,15-7-67-15,7 3-95 16,1 4-430-16</inkml:trace>
+  <inkml:trace contextRef="#ctx0" brushRef="#br0" timeOffset="8335.9">13428 13240 517 0,'0'0'134'16,"0"0"-27"-16,0 0-23 15,0 0-12-15,0 0-10 16,0 0-5-16,0 0 16 0,-13 65-31 16,11-47-20-16,2 0 1 15,0 3-3-15,0 2-8 16,0-1-2-16,0 0 0 16,11 0-8-16,2 0 4 15,5-2 1-15,2-2-1 16,6-2 1-16,1-2 6 15,4-5-6-15,-2-6 9 16,0-3-6-16,-4 0 8 16,-2-7 3-16,-11-16 27 15,-3-3 2-15,-7-3-21 16,-2-4-13-16,0 1 1 16,-15 4 6-16,-5 3-15 0,-2 2-6 15,-2 5 8-15,-3 0 2 16,0 6-6-16,0-1-5 15,-2 5 1-15,-2 3 8 16,2 3 0-16,0 2-3 16,3 0-7-16,3 0-1 15,3 0 0-15,5 2-10 16,-1 24-7-16,3-4-7 16,1 0-104-16</inkml:trace>
+  <inkml:trace contextRef="#ctx0" brushRef="#br0" timeOffset="20541.66">3197 13622 492 0,'0'0'81'0,"0"0"-70"0,0 0-11 16,0 0-43-16,0 0 24 15,0 0 19-15,-25-26 0 16,21 26 0-16,0 0-7 15,1 0-19-15,3 0 0 16,0 0-21-16,0 0-28 16,0 0-77-16</inkml:trace>
+  <inkml:trace contextRef="#ctx0" brushRef="#br0" timeOffset="21088.1">3203 13682 796 0,'0'0'114'0,"0"0"-85"16,0 0-28-16,0 0-1 0,0 0 0 16,0 0 0-16,0 0 0 15,0 0 0-15,0 0-1 16,0 0-31-16,0 0-168 0</inkml:trace>
+  <inkml:trace contextRef="#ctx0" brushRef="#br0" timeOffset="21288.9">3203 13682 1003 0,'5'-36'158'0,"-7"37"-123"16,-1 2-31-16,1-2-4 15,2 3-17-15,0-4-5 16,0 3-146-16,0-3-749 0</inkml:trace>
+  <inkml:trace contextRef="#ctx0" brushRef="#br0" timeOffset="21446.12">3226 13655 1252 0,'0'0'161'16,"0"0"-133"-16,0 0-28 15,0 0-77-15,0 0-204 0,0 0-59 0</inkml:trace>
+  <inkml:trace contextRef="#ctx0" brushRef="#br0" timeOffset="22163.79">6169 13603 1045 0,'0'0'240'0,"0"0"-155"15,0 0-32-15,0 0-7 16,0 0-20-16,0 0-20 15,0 0-6-15,0 0-42 16,0 0-51-16,0 0-117 0,0-3-189 16</inkml:trace>
+  <inkml:trace contextRef="#ctx0" brushRef="#br0" timeOffset="22336.6">6169 13603 1161 0,'85'-30'139'16,"-94"32"-104"-16,9-2-35 16,0 0-56-16,0 0-571 0</inkml:trace>
+  <inkml:trace contextRef="#ctx0" brushRef="#br0" timeOffset="22495.45">6374 13550 854 0,'0'0'191'0,"0"0"-148"16,0 0-43-16,0 0-220 0</inkml:trace>
+  <inkml:trace contextRef="#ctx0" brushRef="#br0" timeOffset="24458.07">6374 13550 727 0,'20'32'352'0,"-20"-32"-252"16,0 0-72-16,0 0-28 16,0 0 0-16,0 0 1 15,0 0-1-15,0 0 1 16,0 0 10-16,0 0 38 16,0 0 12-16,0 0-29 15,0 0-19-15,0 0 0 16,0 0 8-16,0 0-13 15,0 0 1-15,0 0 0 16,0 0-3-16,0 0 4 0,0 0-9 16,0 0 15-16,0 0-7 15,0 0 1-15,0 0 2 16,0 0-2-16,0 0-4 16,0 0 2-16,0 0-8 15,0 0 1-15,0 0 4 16,0 0-5-16,0 0 0 15,0 0 0-15,0 0 1 16,0 0 6-16,0 0-1 16,0 0 10-16,0 0 4 15,0 0-1-15,0 0-4 16,0 0-8-16,0 0 2 0,0 0-1 16,0 0-7-1,0 0 5-15,0 0-6 0,0 0 9 16,0 0-8-16,0 0 5 15,0 0 1-15,0 0 1 16,0 0-7-16,0 0 9 16,0 0 2-16,0 0-10 15,0 0 6-15,0 0-2 16,0 0-5-16,0 0 0 16,0 0-1-16,0 0 1 15,0 0 1-15,0 0-1 16,0 0 0-16,0 0 0 15,0 0 1-15,0 0 5 16,0 0 0-16,0 0-6 16,0 0 1-16,0 0-1 0,0 0 6 15,0 0 0-15,0 0-6 16,0 0 1-16,0 0-2 16,0 0 2-16,0 0-2 15,0 0 1-15,0 0 0 16,0 0 1-16,0 0-1 15,0 0 0-15,-5 0-1 16,1 0 1-16,2 0-1 16,-1 0-2-16,1 0 1 15,0 0 0-15,0 0-11 16,0 0 11-16,0 0 1 16,0 1-2-16,-3-1 1 15,3 0 0-15,-5 2 0 0,2-2-5 16,-1 2-4-16,-1 0 8 15,-2 0-5-15,2 3 6 16,-1-4-2-16,1 3 2 16,-2-2-5-16,2 2 6 15,1 0 0-15,1-1-1 16,1-2 1-16,-2 2 1 16,0-2-1-16,2 2 0 15,0-2-1-15,1 2 1 16,1-3 0-16,2 1 0 15,0-1 0-15,0 0-1 16,0 0 1-16,0 0 1 0,0 0-1 16,0 0 1-16,0 0 0 15,0 0 1-15,0 0-1 16,0 0 0-16,0 0-1 16,0 0 0-16,0 0-1 15,0 0-5-15,0 0 0 16,0 0-2-16,0 0-7 15,5 0 8-15,11 0 7 16,1 0-1-16,1 0 1 16,-1 0 0-16,0-1 1 15,-5-2-1-15,-5 2-1 16,0 1 1-16,-4-3 0 16,-3 3 1-16,0 0 8 0,0 0 3 15,0 0-2-15,0 0 2 16,0 0-11-16,-5 0 0 15,-7 0 1-15,-3 0-2 16,-1 0 0-16,3 0 1 16,-1 0-1-16,6 0 0 15,1 0 1-15,3 0-1 16,2-1 1-16,2 1-1 16,0-3 0-16,0 3-1 15,0 0-11-15,0 0-1 16,0 0 1-16,13-1 12 15,1-2-3-15,3 1 2 16,-1 0 1-16,-1 0 0 0,-4 0 0 16,-4 0 0-1,-2 2 0-15,-5 0 1 0,0 0 9 16,0 0-1-16,0 0 5 16,0 0 2-16,-7 0-15 15,-7 0 0-15,-1 0 0 16,-1 0-1-16,3 0-2 15,7 0 2-15,-2 0 0 16,8 0 0-16,-2 0-1 16,2 0-5-16,0 0-5 15,0 0-5-15,0 0 0 16,7-1 10-16,4-2 4 16,-2 2-5-16,0 1 0 15,-2 0-1-15,-3-3 7 16,-4 3-6-16,0 0 7 0,0 0 0 15,0 0 1-15,-2 0-1 16,-12 0 2-16,-1 0 5 16,-3 0-7-16,1 0 2 15,3 0-1-15,5 0 0 16,5 0 9-16,2 0-4 16,2 0-6-16,0 0-17 15,0 0 2-15,13 0 9 16,7 0 6-16,-1 0 0 15,4 3 1-15,-5-3-1 16,-5 0 0-16,-2 0 0 16,-4 0 2-16,-4 0-1 0,-3 0 5 15,0 0 7-15,-7 0 1 16,-11-3-12-16,-5-3-1 16,2 1 0-16,0 0 0 15,1 3 0-15,5 2 1 16,3 0-2-16,6 0 0 15,3 0-1-15,1 0 0 16,2 0-10-16,0 0 0 16,0 0-30-16,2 0-40 15,7 0-12-15,3 2-77 16,-1 6-62-16,-5 0-315 0</inkml:trace>
+  <inkml:trace contextRef="#ctx0" brushRef="#br0" timeOffset="24717.03">6229 13641 408 0,'0'0'349'0,"0"0"-203"16,0 0-97-16,0 0 0 16,0 0 8-16,0 0-5 15,0 0-22-15,0 0-14 16,0 0-7-16,0 0 2 15,0 0 2-15,0 0 18 16,0 0 27-16,0 0 14 16,0 0-20-16,0 0-14 15,0 0-16-15,0 0-15 16,0 0-5-16,0 0-2 16,-4 0-32-16,-3 0-124 0,-7 0-435 15</inkml:trace>
+  <inkml:trace contextRef="#ctx0" brushRef="#br0" timeOffset="25992.04">3190 13680 383 0,'0'0'242'15,"0"0"-71"-15,0 0-69 16,0 0-48-16,0 0-7 16,0 0-18-16,0 0-19 15,0-3-9-15,0 3-1 16,5 0-1-16,-1-1-19 15,3-2 19-15,1-1 0 16,0 3 1-16,-2 1-1 16,-2-4 0-16,-4 4 0 15,0 0-9-15,0 0-3 16,0 0-14-16,0 4 14 16,0 4 13-16,-6 1 0 15,4-3 22-15,-2 1-16 0,4-5 11 16,0-2 3-16,0 0 8 15,0 0-8-15,0-2-10 16,0-9-10-16,0 0 0 16,0-1-1-16,0 3 1 15,0 4 0-15,0 5-12 16,0 0-19-16,0 0 7 16,2 0 6-16,4 5 10 15,5 2 8-15,-2-5-15 16,0-2-297-16</inkml:trace>
+  <inkml:trace contextRef="#ctx0" brushRef="#br0" timeOffset="27289.43">6102 13543 104 0,'0'0'518'0,"0"0"-419"0,0 0-59 16,0 0-11-16,0 0-3 16,0 0 0-16,0 0-2 15,-2 3-24-15,2-2-4 16,0 2-2-16,6 2 6 15,8 4-1-15,1 0 1 16,1 3 1-16,0-1-1 16,0-4 5-16,-6 1-5 15,1-1 0-15,-3-2 0 16,-2-2-1-16,-4-3 0 16,0 0 1-16,-2 0 1 15,0 0 62-15,0 0 14 16,0 0-27-16,0 0-28 0,0 0-22 15,0 0 0-15,0 0-33 16,0 0-9-16,0 3 10 16,0 5 13-16,0 2 8 15,0 2 4-15,-6-2 7 16,2-2 13-16,-1-3 16 16,0-5 6-16,5 0-5 15,0 0-7-15,0-13-23 16,0-6-26-16,0-2-17 15,12 1 43-15,1 7 0 16,1 4 0-16,3 7 0 16,1 2 0-16,-3 8 0 0,1 13 0 15,-9 6 1-15,-3 0 1 16,-4-1 19-16,0-4 1 16,-6-4 26-16,-7-8 11 15,-6-8-16-15,3-2-18 16,-3-2-12-16,1-16-13 15,5-10-72-15,3 2 38 16,8 1 24-16,2 7 0 16,0 7-4-16,5 4-1 15,8 7 4-15,2 0 1 16,1 7 9-16,1 7 0 16,-7 1 1-16,-1-3 0 15,-5-3 0-15,-2-4 9 16,-2-2 20-16,0-3 47 15,0 0 13-15,0 0-7 0,0-17-54 16,-6-2-28-16,-3-3-51 16,3 0 9-16,2 5 25 15,4 7-4-15,0 5-25 16,0 2 14-16,0 3 12 16,0 0 11-16,0 0 8 15,2 0-7-15,2 0 7 16,-2 0 1-16,-2 8 0 15,0-6 0-15,0 2 17 16,0 0 22-16,-12 0-8 16,-1-4-13-16,-3 0-3 15,1 0-9-15,5 0 5 16,0-6-10-16,6-2-1 0,4-4-30 16,0 1-12-16,4 2 20 15,8 2 12-15,1 7-2 16,-3 0 1-16,-2 0-2 15,-6 16-2-15,-2 2-8 16,0 3-7-16,-12-5-63 16,-1-8-667-16</inkml:trace>
+  <inkml:trace contextRef="#ctx0" brushRef="#br0" timeOffset="42401.03">6354 13680 221 0,'0'0'754'0,"0"0"-670"16,0 0-61-16,0 0-2 15,0 0 55-15,-18 0-31 16,18 0-14-16,0 0-15 0,0 0-3 16,0 0 15-16,0 0-8 15,0 0-4-15,0 0-16 16,0 0 1-16,0 0 1 15,0 0-1-15,0 0-1 16,0 0 1-16,0 0-1 16,0 0 2-16,0 0-1 15,0 0-1-15,0 0 1 16,0 0-1-16,0 0 0 16,0 0-1-16,0 0 1 15,0 0 0-15,0 0-1 0,0 0 1 16,0 0-2-1,0 0 2-15,0 0-1 0,0 0 1 16,0 0-6-16,0 0 6 16,0 0 1-16,0 0 1 15,0 0 5-15,0 0-6 16,0 0 9-16,0 0 2 16,0 0 5-16,0 0 2 15,0 0-5-15,0 0 2 16,0 0-5-16,0 0 3 15,0 0 1-15,0 0-4 16,0 0 1-16,0 0-3 16,0 0 2-16,0 0-1 15,0 0-8-15,0 0 9 16,0 0-10-16,0 0-1 0,0 0 1 16,0 0 0-16,0 0 0 15,0 0 5-15,0 0-5 16,0 0 9-16,0 0-2 15,0 0 13-15,0 0-3 16,0 0 1-16,0 0-6 16,0 0-3-16,0 0 0 15,0 0-9-15,0 0 0 16,0 0 0-16,0 0 5 16,0 0-5-16,0 0-1 15,0 0 1-15,0 0 1 16,0 0 7-16,0 0 0 0,0 0-3 15,0 0-5-15,0 0 7 16,0 0-6-16,0 0-1 16,0 0 7-16,0 0-7 15,0 0 5-15,0 0-4 16,0 0 0-16,0 0-1 16,0 0 5-16,0 0-4 15,0 0 8-15,0 0-3 16,0 0-5-16,0 0 8 15,0 0-9-15,0 0-1 16,0 0 1-16,0 0 1 16,0 0-1-16,0 0 5 15,0 0-5-15,0 0-1 16,0 0 1-16,0 0 0 16,0 0 1-16,0 0-1 0,0 0-1 15,0 0 0-15,0 0 0 16,0 0 0-16,0 0 0 15,0 0 1-15,0 0 0 16,0 0-1-16,0 0 2 16,0 0-2-16,0 0 1 15,0 0-1-15,0 0 1 16,0 0 0-16,0 0-2 16,0 0 1-16,0 0 0 15,0 0 0-15,0 0 0 16,0 0 0-16,0 0 0 15,0 0 0-15,0 0 0 16,0 0 0-16,0 0 0 0,0 0 0 16,0 0 1-16,0 0-1 15,0 0 0-15,0 0 0 16,0 0 0-16,0 0 0 16,0 0 0-16,0 0 0 15,0 0 1-15,0 0 0 16,0 0-1-16,0 0 1 15,0 0 0-15,0 0-1 16,0 0 1-16,0 0 0 16,0 0 0-16,0 0-1 15,0 0 1-15,0 0-1 16,0 0 3-16,0 0-3 0,0 0 0 16,0 0 1-16,0 0 0 15,0 0 1 1,0 0-2-16,0 0 1 0,0 0 0 15,0 0-1-15,0 0 0 16,0 0 0-16,0 0 1 16,0 0-2-16,0 0 2 15,0 0-1-15,0 0 2 16,0 0 4-16,0 0 1 16,0 0-7-16,0 0 1 15,0 0 1-15,0 0-2 16,0 0-10-16,0 0-14 15,0 0-84-15,0 0-144 0,0 0-398 16</inkml:trace>
+  <inkml:trace contextRef="#ctx0" brushRef="#br0" timeOffset="44152.1">7045 12633 360 0,'0'0'294'16,"0"0"-84"-16,0 0-102 16,0 0-56-16,0 0 6 15,0 0-6-15,0 0-30 16,-10 0-14-16,10 0-7 16,0 0-1-16,0 0-1 15,0 0 0-15,0 0-12 16,0 0 3-16,0 0-15 15,0 0-13-15,0 0-31 0,0 0-140 16,-2 0-426-16</inkml:trace>
+  <inkml:trace contextRef="#ctx0" brushRef="#br0" timeOffset="44761.78">7296 11841 1033 0,'0'0'187'0,"0"0"-128"15,0 0-5-15,0 0-2 16,0 0-20-16,0 0-18 16,0 0-8-16,-10 0-5 15,10 0 0-15,0 0 12 16,0 0-6-16,0 0-6 16,0 0-1-16,0 0 0 15,0 0 0-15,0 0 0 16,0 0-9-16,0-2-111 0,0-8-31 15,0-4-187-15</inkml:trace>
+  <inkml:trace contextRef="#ctx0" brushRef="#br0" timeOffset="45291.28">7656 10571 856 0,'0'0'358'16,"0"0"-246"-16,0 0-77 15,0 0-8-15,0 0 10 16,0 0 6-16,0 0 7 15,-8 0-29-15,8 0-13 16,-2 0-8-16,0 0 0 16,0 4-64-16,-3 0-430 0</inkml:trace>
+</inkml:ink>
+</file>
+
+<file path=ppt/ink/ink4.xml><?xml version="1.0" encoding="utf-8"?>
+<inkml:ink xmlns:inkml="http://www.w3.org/2003/InkML">
+  <inkml:definitions>
+    <inkml:context xml:id="ctx0">
+      <inkml:inkSource xml:id="inkSrc0">
+        <inkml:traceFormat>
+          <inkml:channel name="X" type="integer" max="32767" units="cm"/>
+          <inkml:channel name="Y" type="integer" max="32767" units="cm"/>
+          <inkml:channel name="F" type="integer" max="4095" units="deg"/>
+          <inkml:channel name="T" type="integer" max="2.14748E9" units="dev"/>
+        </inkml:traceFormat>
+        <inkml:channelProperties>
+          <inkml:channelProperty channel="X" name="resolution" value="2155.72363" units="1/cm"/>
+          <inkml:channelProperty channel="Y" name="resolution" value="3449.15796" units="1/cm"/>
+          <inkml:channelProperty channel="F" name="resolution" value="11.375" units="1/deg"/>
+          <inkml:channelProperty channel="T" name="resolution" value="1" units="1/dev"/>
+        </inkml:channelProperties>
+      </inkml:inkSource>
+      <inkml:timestamp xml:id="ts0" timeString="2020-09-14T17:01:01.594"/>
+    </inkml:context>
+    <inkml:brush xml:id="br0">
+      <inkml:brushProperty name="width" value="0.05292" units="cm"/>
+      <inkml:brushProperty name="height" value="0.05292" units="cm"/>
+      <inkml:brushProperty name="color" value="#FF0000"/>
+    </inkml:brush>
+  </inkml:definitions>
+  <inkml:trace contextRef="#ctx0" brushRef="#br0">12838 4343 431 0,'0'0'199'15,"0"0"-98"-15,0 0 54 16,0 0-17-16,0 0-23 15,2-2-20-15,-2 2-24 16,0 0-35-16,0 0-20 0,0 0-1 16,0 0 10-16,0 0 8 15,0 0 0-15,0 0 4 16,0 0 2-16,0 0-6 16,0 0 5-16,0 0 3 15,0 0 13-15,0 0 4 16,0 0-2-16,0 0 4 15,0 0-5-15,0-2-16 16,-2-2-14-16,-7 0-17 16,-5-2-7-16,-3 0 1 15,-3 0-1-15,-5 0 1 16,0 1 5-16,-2-1-6 16,1 3-1-16,-3 1 0 0,3 2 0 15,-4 0 0 1,-1 0 0-16,2 0 1 0,-2 0-1 15,2 4 1-15,-2 0 0 16,0 2-1-16,0-2-1 16,-3 0 1-16,-1 0 0 15,1 0 1-15,-4 0 1 16,2 0 0-16,3-2-1 16,0 2-1-16,6 0 1 15,4 0 0-15,8-1 0 16,1 0 1-16,5 0-1 15,3-2 0-15,2-1 0 0,2 2-1 16,2-2 0 0,0 0 0-16,0 0 0 0,0 0 1 15,0 0-1-15,0 0 0 16,0 0 0-16,0 0 2 16,0 0-1-16,0 0-1 15,0 0 1-15,-3 0 0 16,-1 0-1-16,1 0 0 15,-1 4-11-15,-1-2 10 16,3 1-7-16,0 0 8 16,0-1 0-16,2-2 0 15,0 2-1-15,-2 0-1 16,0 2 1-16,-1 3-1 16,1-2 1-16,0 4-5 15,2 2 5-15,0 7 0 0,0 8-1 16,0 8-4-16,0 11 6 15,0 5 0-15,0 8 1 16,4 4-1-16,-1-2 0 16,-3 1 0-16,2-3 6 15,-2 0-5-15,2-2-1 16,2-2 0-16,0 0-1 16,3 2 1-16,0-2 0 15,2-1 0-15,0-8 0 16,0-8 0-16,0-5 0 15,-5-8-1-15,1-2 1 16,-1-2-1-16,-2-4 1 16,0-2 0-16,0-4 2 15,-2-2-1-15,3-2 0 16,-3 0 0-16,3 0 6 0,-3 4-7 16,0 0 0-16,0 2 0 15,0 3 1-15,0-4-1 16,2 0 1-16,-2-4 0 15,0 2-1-15,0-4 1 16,0-3-1-16,2 0 1 16,-2-2-1-16,0 0-1 15,0 0 1-15,0 0 1 16,2 0-1-16,0 0-2 16,3 0-7-16,5 0 3 15,9-2 6-15,7-7 0 16,12-4 0-16,7 1 0 0,6 1 0 15,5-4 0-15,6-1 0 16,-2 0 1-16,-2-2-1 16,-6 2 1-16,-12 0-1 15,-11 6 2-15,-10 0-2 16,-7 4 1-16,-6 2 7 16,-1 2-8-16,-1 2 6 15,0-2 2-15,6 2-7 16,1-2 5-16,3-2-5 15,3 0 7-15,3 0-8 16,0-5 3-16,0 2 4 16,-4-1-5-16,-3-2 5 15,-2 0 8-15,-2 0 17 0,-4-2 5 16,-1-4 3-16,0-9-12 16,-1-3-13-16,-3-3-6 15,0-1-8-15,0-5 0 16,0 1 1-16,0-5-2 15,0-4-9-15,-7-3 8 16,-9-2 1-16,-6 0-10 16,-2 0-3-16,-1 3 11 15,2 7-5-15,4 8 7 16,1 6 0-16,7 8 1 16,1 2 0-16,2 4 1 15,4 0-2-15,-1-4 0 16,1-2-1-16,0-4-5 0,1 0 0 15,0 1-1-15,1 1 7 16,0 0 0-16,0 1 0 16,0 1 0-16,2 4 1 15,0 5 0-15,0 5-1 16,0 3 1-16,0-2 8 16,0 3-8-16,-3 0 0 15,3 0 0-15,0 0 1 16,0 0-1-16,0 0 0 15,0 0 0-15,0 0-1 16,0 0 0-16,0 0 0 16,0 0-1-16,0 0-35 15,-2 0-43-15,0 10-91 16,-2 8-127-16</inkml:trace>
+  <inkml:trace contextRef="#ctx0" brushRef="#br0" timeOffset="2408.33">12780 5831 230 0,'0'0'132'16,"0"0"-65"-16,0 0 25 15,0 0-40-15,0 0-13 16,0 0 63-16,0 0 27 15,0-10 2-15,0 10 31 0,0 0-18 16,0 0-37 0,0 0-19-16,0 0-11 0,0 0-15 15,0 0-1-15,0 0 4 16,0-1-2-16,0 1-6 16,0 0-10-16,0 0 4 15,-2-3-7-15,-15 1-27 16,-6 0-9-16,-4 0-8 15,-9 0 0-15,-4 2 0 16,-5 0 1-16,-2 0 0 16,1 0 1-16,3 0-2 15,5 0 9-15,5 0-8 0,6 0 5 16,2 0-4 0,6 4-1-16,-4-2 0 0,3 0 0 15,-6 1-1-15,-3 2 1 16,-4 2-1-16,-6 4 1 15,2-1-1-15,1 0 1 16,3 0-1-16,4-1 6 16,4 0-5-16,5-3-1 15,4-3 6-15,3 2-5 16,6-5 0-16,1 2 0 16,1-2 0-16,3 2 0 15,0 0 0-15,2-2-1 16,-2 0 3-16,2 0-2 15,-2 0 0-15,0 0 0 16,-2 2-1-16,4-2 0 0,0 0 0 16,-2 3 1-16,2-3-1 15,0 0 0-15,-2 0 0 16,2 0-1-16,0 0-3 16,0 0 4-16,0 0 0 15,0 0 0-15,0 0 0 16,0 0-2-16,0 0 2 15,0 1 0-15,0-1-1 16,0 0-6-16,0 3 7 16,0 0-6-16,0 5 5 15,0 8-1-15,0 4 1 16,-2 6 1-16,2 4 0 16,0 4 0-16,0 2 0 15,0-1 0-15,0-1 0 16,0-6 0-16,0-2-1 0,0-2 1 15,0-2 0-15,0 4 0 16,0 1 0-16,0 4 1 16,0 1-1-16,2 5 0 15,-2 1 1-15,2-2 0 16,0 0-1-16,2 0 0 16,0 0 0-16,0-2-2 15,0-2 2-15,3-2-1 16,-1-2 0-16,4 0 0 15,-4-2 1-15,1 1 0 16,-1 0 0-16,-1 4 0 16,2-1 0-16,-2 0 0 0,1 0 0 15,0-4 4-15,-1 0-4 16,0-4 0-16,-3-4 0 16,3 0 0-16,-3-4 0 15,0-2 0-15,0-2 0 16,-2-2 0-16,2-2 0 15,0 1 0-15,0-2 0 16,1 4 1-16,-1-1 0 16,0 2-1-16,1 0 0 15,-1-1-1-15,0 0 2 16,1-3-3-16,-3-4 3 16,2-2-2-16,-2 0-4 15,2 0 5-15,-2 0-1 0,2 0-14 16,2 0 15-16,3 0 0 15,5 0 1-15,-2 0 0 16,3 0-1-16,6-7 1 16,-1 4-1-16,3-4 1 15,6 2-1-15,7-1 0 16,1 0 0-16,8 0 0 16,3 1 0-16,8 0 0 15,0 3 0-15,4-3 0 16,-2 4 0-16,1-4 0 15,-4 1 0-15,-1 3 1 16,-4-6-1-16,-2 1 0 16,-7 1 1-16,-3-4-1 15,-5 2 0-15,-8-2 1 16,-3 1-1-16,-9 2 2 0,-3 0-1 16,0 3 9-16,-6 0 4 15,-2 1 2-15,2 2-4 16,-2 0-5-16,0 0-7 15,0-2 6-15,2 2-5 16,-2 0 0-16,0-2 1 16,0 2 4-16,0 0 7 15,0-2 2-15,0 2 10 16,0 0 6-16,0-2-3 16,0 2-9-16,0-4-12 15,0-4 4-15,0-10-4 16,0-8-6-16,-2-10 5 15,-5-6-4-15,0-4-2 0,1-5-11 16,2 0 2-16,-3-3-13 16,0-1 5-16,0-1 16 15,1 3-11-15,-1-2 4 16,1 5 8-16,-4 2-9 16,-1 1 9-16,1 7 7 15,-2 2-6-15,1 6 0 16,-1 6-1-16,4 2 1 15,-1 4 8-15,0 2-1 16,2-2-8-16,-2 0-1 16,3-2 1-16,-1-2-11 15,3 2 2-15,-1 0 7 0,0 4-11 16,3 1 11-16,0 5 0 16,2 4 1-16,-2 0 1 15,2 4 1-15,-2 0 0 16,2 3-1-16,0 1 1 15,0-3-1-15,0-1 0 16,0 0 0-16,-2-2-1 16,2-2 0-16,-3 2 1 15,1 2 1-15,2 0 0 16,0 2-1-16,0 2 10 16,0-2-8-16,0 2-2 15,0 0 6-15,0 0-6 16,0 0 1-16,0 0 4 0,0 0-3 15,0 0-2-15,0 0 7 16,-2 0-7-16,2 0 1 16,0 0 0-16,0 0-1 15,0 0-9-15,0 0 8 16,0 0-20-16,-2-2-70 16,0 0-142-16,-1-4-479 0</inkml:trace>
+  <inkml:trace contextRef="#ctx0" brushRef="#br0" timeOffset="10343.69">10993 5532 631 0,'0'0'293'0,"0"0"-192"0,0 0-75 15,0 0 26-15,0 0 32 16,0 0 15-16,-2 0-8 16,2 0 2-16,0 0 12 15,0 0-30-15,-2 0-34 16,2 0-13-16,0 0-3 16,0 0 7-16,0 0-13 15,0 0-12-15,0 0-1 16,0 0-6-16,0 0-7 15,15-2-5-15,9-2 12 16,10-2 0-16,11-4 1 16,5-2 0-16,8-6 6 15,0 0-6-15,-2 0 7 0,-9 2-7 16,-9 4 6-16,-14 4-6 16,-8 4-1-16,-7 4 0 15,-7 0 0-15,-2 0 2 16,0 0 7-16,0 0-3 15,-2 4-5-15,-11 8 13 16,-8 2-4-16,-8-2-4 16,-4 0 1-16,-7-2 3 15,-5-2 3-15,1-2-5 16,2 0-2-16,3-2-6 16,8-2 0-16,4 2 1 15,6-2-1-15,5 0 1 16,5-2 0-16,4 2 1 0,2 0-1 15,1 0-1 1,4-2 0-16,0 0-1 0,0 0-2 16,0 2-10-16,0 0-12 15,7 4-4-15,13 2 23 16,9 0 6-16,6 0 0 16,8-3 0-16,1-5 1 15,1 0 5-15,-5 0 1 16,-9-5 0-16,-8-1-6 15,-12 2 0-15,-5 2 6 16,-6 0 15-16,0 2 31 16,-2-2 17-16,-25 2-28 0,-8 0-39 15,-12 0-3 1,-6 0 0-16,-3 0-1 0,2 6 1 16,6 3 0-16,5-2 1 15,9-3 7-15,13 0-8 16,5-4 7-16,7 3-6 15,5-3-1-15,4 0 0 16,0 0-9-16,0 0-5 16,0 0-3-16,4 0-5 15,18 0 5-15,12 0 16 16,12-9-1-16,10-3 2 16,4-2 1-16,-2-2 0 15,-7 0 6-15,-12 4-5 16,-10 4-1-16,-14 4 1 15,-9 2-1-15,-6 2 10 0,0 0 9 16,0 0 2-16,-8 0-16 16,-17 0-5-16,-9 6-1 15,-7 4 12-15,-5 0-11 16,0-2 4-16,1 0-5 16,5-4 0-16,9 0 0 15,6-2 1-15,10 0 0 16,6-2 0-16,6 2-1 15,3-2-15-15,0 0-7 16,0 0-3-16,12 0 6 16,17 0 4-16,11 0 15 15,6-2 0-15,10-6 1 16,-2 0-1-16,-5 1 0 0,-11-2 6 16,-9 5-6-16,-14 2 2 15,-8 0 0-15,-7 2 14 16,0 0 22-16,-15 0 0 15,-17 0-20-15,-13 0-17 16,-8 0-1-16,-5 0 0 16,3 0 5-16,3 0-5 15,8 0 1-15,13 0 0 16,10 0 0-16,13 0-1 16,5 0-9-16,3 0-11 15,0 0-4-15,7 0 8 16,16 0 7-16,10 0 9 0,7 0 0 15,7 0 0 1,1 0 0-16,-3 0 0 0,-7 0 1 16,-7 0-1-16,-10-2 0 15,-11 0 1-15,-7 0 9 16,-3 0 1-16,0 0 17 16,-15-2-8-16,-10 0-18 15,-9 2-2-15,-1 2 0 16,2 0-6-16,0 0-9 15,10 0 6-15,5 0 9 16,7 4-1-16,9-2-4 16,-1-2-4-16,3 0-4 15,0 0-6-15,3 4-3 0,16-2 16 16,8 2 6 0,6 0 0-16,6-2 0 0,1-2 0 15,-5 0 2-15,-6 0-1 16,-6 0 0-16,-10 0 0 15,-9-2 0-15,-4 0 19 16,0 2 6-16,-15 0 1 16,-14 0-27-16,-7 0 0 15,-7 0 1-15,1 0-1 16,-3 0 0-16,8 0 0 16,3 0 1-16,12 0-1 15,7 0 0-15,8 0 0 16,5 0-6-16,2 0-18 15,0 0-1-15,11 0 2 16,16 0 16-16,8 0 6 0,9 2 1 16,4 4-6-16,1-2 6 15,-5-2 7-15,-8-2-6 16,-7 0 0-16,-9 0 7 16,-11 0-7-16,-9 0 6 15,0-6 7-15,-2-4-14 16,-19 0-21-16,0 0 0 15,-2 4 12-15,3 6-19 16,-5 2-48-16,10 16-108 16,-1 4-190-16</inkml:trace>
+  <inkml:trace contextRef="#ctx0" brushRef="#br0" timeOffset="11874.81">11039 7051 538 0,'0'0'318'16,"0"0"-201"-16,0 0-59 15,0 0 23-15,0 0-19 16,0 0-35-16,0 0-14 16,-9 0 12-16,12 0 62 0,17 0-3 15,9 0 29 1,11-5-34-16,9-1-3 0,7-1 20 16,9-4-24-16,-1-3-26 15,1 2-21-15,-12 0-16 16,-8 4-7-16,-12 4-2 15,-13 2 1-15,-9 2 0 16,-7 0 8-16,-4 0 3 16,0 0 18-16,-10 0-3 15,-19 0-21-15,-9 0-6 16,-14 0-15-16,-4 0 6 16,-4 0-8-16,0 2-10 0,2 4 5 15,7 2 22 1,12 0 1-16,6 0-1 0,12 0 1 15,9-6 0-15,6 0-1 16,6 0-11-16,0-2-7 16,2 0-8-16,23 0 19 15,8 0 2-15,14 0 5 16,11 0 6-16,7 0-6 16,1 0 12-16,-5 0-2 15,-11 0 0-15,-13-2-9 16,-14 2-1-16,-11 0 6 15,-12 0 6-15,0 0 16 16,-9 0 11-16,-23 0-18 16,-10 0-21-16,-9 0-1 15,-2 0-6-15,-1 4 6 0,9 2 0 16,5 0 1-16,11 0-1 16,8 0-6-16,7-2 6 15,7-2 1-15,3 1 0 16,4-3-14-16,0 0-7 15,0 1 8-15,4 1-2 16,17 3 14-16,5-2 0 16,7-1 0-16,8 0 1 15,-4-2 0-15,1 0 1 16,-9 0 0-16,-6 0 0 16,-8 0 5-16,-8 0-6 15,-7 0 13-15,0-4 20 16,-9-2-1-16,-20-2-32 0,-11-2-13 15,-6 0-1 1,-6 2-5-16,3 2-6 0,2 4 8 16,10 2 11-16,5 0 4 15,10 0-3-15,10 0 4 16,6 0 1-16,6 0-10 16,0 0-11-16,2 4-1 15,20 0 21-15,14-2-2 16,7 0 2-16,10-2 1 15,0 0 0-15,1 0 10 16,-8 0-4-16,-10-6-5 16,-12 0 10-16,-10 4-9 15,-9 0 7-15,-5 2 16 16,0 0 33-16,-16 0 14 0,-11-2-47 16,-7 0-24-16,-1 2 1 15,2 0-1-15,8 0 1 16,6 0-1-16,7 0 0 15,7 0 6-15,3 0-7 16,2 0-18-16,0 0 5 16,0 0-12-16,9 0 14 15,22 0-5-15,-4 0-102 16,-2-3-156-16</inkml:trace>
+  <inkml:trace contextRef="#ctx0" brushRef="#br0" timeOffset="22160.41">13094 5252 622 0,'0'0'255'0,"0"0"-141"16,0 0-81-16,0 0-26 15,0 0-7-15,0 0 0 16,0 0 6-16,0 0 39 16,0 0 54-16,0 0-11 15,0-3-40-15,0 3-8 16,0 0-12-16,0 0-18 0,0 0-8 16,0-4-2-16,0 2-125 15,0 1-240-15</inkml:trace>
+  <inkml:trace contextRef="#ctx0" brushRef="#br0" timeOffset="22343.22">13094 5252 857 0,'6'76'302'15,"-6"-76"-218"-15,0 0-68 0,0 0-16 16,0 0-107 0,0-8-71-16,0-2-211 0</inkml:trace>
+  <inkml:trace contextRef="#ctx0" brushRef="#br0" timeOffset="22514.05">13112 5378 892 0,'0'0'212'0,"0"0"-151"16,0 0-61-16,0 0-170 0,0 0-611 16</inkml:trace>
+  <inkml:trace contextRef="#ctx0" brushRef="#br0" timeOffset="22662.9">13112 5378 390 0,'6'-34'845'16,"-8"34"-710"-16,2 0-135 15,0-7-15-15,0-5-332 0</inkml:trace>
+  <inkml:trace contextRef="#ctx0" brushRef="#br0" timeOffset="22826.88">13112 5300 1122 0,'0'0'270'0,"0"0"-186"16,0 0-62-16,0 0-22 15,0 0-105-15,0 0-399 0</inkml:trace>
+  <inkml:trace contextRef="#ctx0" brushRef="#br0" timeOffset="23176.52">13208 6515 1147 0,'0'0'299'16,"0"0"-177"-16,0 0-77 16,0 0-9-16,0 0-25 15,0 0-11-15,0 0-43 16,0-36-95-16,0 16-189 0</inkml:trace>
+  <inkml:trace contextRef="#ctx0" brushRef="#br0" timeOffset="23436.88">13004 5337 1162 0,'0'0'271'0,"0"0"-162"16,0 0-30-16,0 0-24 15,0 0-40-15,0 0-15 16,0 0-23-16,0 0-137 15,0 7-461-15</inkml:trace>
+  <inkml:trace contextRef="#ctx0" brushRef="#br0" timeOffset="23667.64">13221 6409 704 0,'0'0'560'16,"0"0"-492"-16,0 0-60 15,0 0 3-15,0 0 2 16,0 0-2-16,0 0-11 16,2-97-17-16,-2 43-201 15,-5 4-632-15</inkml:trace>
+  <inkml:trace contextRef="#ctx0" brushRef="#br0" timeOffset="24612.44">11508 5544 446 0,'0'0'241'0,"0"0"-117"16,0 0-66-16,0 0-13 16,0 0 18-16,0 0 8 15,0 0 0-15,0 0-3 16,0 0 35-16,0 0-35 15,0 0-39-15,0 0-20 16,0 0-8-16,0 0-1 16,0 0 0-16,0-2-19 15,0 1-247-15,0-4-824 0</inkml:trace>
+  <inkml:trace contextRef="#ctx0" brushRef="#br0" timeOffset="25108.85">11788 7227 958 0,'0'0'362'16,"0"0"-250"-16,0 0-79 15,0 0-31-15,0 0-2 16,0 0-12-16,0 0-121 16,3-12-125-16,-3 0-131 0</inkml:trace>
+  <inkml:trace contextRef="#ctx0" brushRef="#br0" timeOffset="25516.43">11619 5721 370 0,'0'0'567'15,"0"0"-427"-15,0 0-102 16,0 0-27-16,0 0-11 16,0 0-39-16,0 0-2 15,0 0 32-15,0 0 9 16,0 0 0-16,0 0-102 16,0 0-472-16</inkml:trace>
+  <inkml:trace contextRef="#ctx0" brushRef="#br0" timeOffset="25907.89">11784 7261 704 0,'0'0'189'15,"0"0"-123"-15,0 0 18 16,0 0 23-16,0 0-37 0,0 0 27 16,0 0 4-16,2 2-24 15,-2-2-13-15,0 0-27 16,0 0-21-16,0 0-16 16,0 0-5-16,5-24-158 15,-3-8-244-15,2-7-630 0</inkml:trace>
+  <inkml:trace contextRef="#ctx0" brushRef="#br0" timeOffset="26286.5">11545 5599 844 0,'0'0'291'0,"0"0"-190"0,0 0-66 15,0 0-25-15,0 0-8 16,0 0-2-16,0 0 0 16,0 0-2-16,0 0-4 15,0 0-9-15,0 5-72 0</inkml:trace>
+  <inkml:trace contextRef="#ctx0" brushRef="#br0" timeOffset="26763.56">11862 7413 1215 0,'0'0'247'15,"0"0"-186"-15,0 0-45 16,0 0-16-16,0 0-157 16,0 0-503-16</inkml:trace>
+  <inkml:trace contextRef="#ctx0" brushRef="#br0" timeOffset="27969.6">11643 5695 1000 0,'0'0'275'16,"0"0"-172"-16,0 0-34 16,0 0 27-16,0 0-42 0,0 0-20 15,0 0-14 1,-6 0 9-16,6 0 0 0,0 0-14 15,0 0-15-15,0 0-33 16,0 0-106-16,6 0-213 0</inkml:trace>
+  <inkml:trace contextRef="#ctx0" brushRef="#br0" timeOffset="28363.3">11782 7520 1071 0,'0'0'280'0,"0"0"-201"15,0 0-29-15,0 0 24 16,0 0-55-16,0 0-5 16,0 0-14-16,0-3-17 15,0-1-56-15,0-6-447 0</inkml:trace>
+  <inkml:trace contextRef="#ctx0" brushRef="#br0" timeOffset="28717.25">11394 5566 666 0,'0'0'359'16,"0"0"-359"-16,0 0-277 16</inkml:trace>
+</inkml:ink>
+</file>
+
 <file path=ppt/notesMasters/notesMaster1.xml><?xml version="1.0" encoding="utf-8"?>
 <p:notesMaster xmlns:a="http://schemas.openxmlformats.org/drawingml/2006/main" xmlns:r="http://schemas.openxmlformats.org/officeDocument/2006/relationships" xmlns:p="http://schemas.openxmlformats.org/presentationml/2006/main">
   <p:cSld>
@@ -243,7 +457,7 @@
           <a:p>
             <a:fld id="{11512325-A740-47FD-AAAB-59631168F38B}" type="datetimeFigureOut">
               <a:rPr lang="en-US" smtClean="0"/>
-              <a:t>9/11/2020</a:t>
+              <a:t>9/15/2020</a:t>
             </a:fld>
             <a:endParaRPr lang="en-US"/>
           </a:p>
@@ -657,7 +871,7 @@
           <a:p>
             <a:fld id="{B3AC8906-6335-452D-AFDA-FDE107BE1FA4}" type="datetimeFigureOut">
               <a:rPr lang="en-US" smtClean="0"/>
-              <a:t>9/11/2020</a:t>
+              <a:t>9/15/2020</a:t>
             </a:fld>
             <a:endParaRPr lang="en-US"/>
           </a:p>
@@ -855,7 +1069,7 @@
           <a:p>
             <a:fld id="{B3AC8906-6335-452D-AFDA-FDE107BE1FA4}" type="datetimeFigureOut">
               <a:rPr lang="en-US" smtClean="0"/>
-              <a:t>9/11/2020</a:t>
+              <a:t>9/15/2020</a:t>
             </a:fld>
             <a:endParaRPr lang="en-US"/>
           </a:p>
@@ -1063,7 +1277,7 @@
           <a:p>
             <a:fld id="{B3AC8906-6335-452D-AFDA-FDE107BE1FA4}" type="datetimeFigureOut">
               <a:rPr lang="en-US" smtClean="0"/>
-              <a:t>9/11/2020</a:t>
+              <a:t>9/15/2020</a:t>
             </a:fld>
             <a:endParaRPr lang="en-US"/>
           </a:p>
@@ -1305,7 +1519,7 @@
           <a:p>
             <a:fld id="{B3AC8906-6335-452D-AFDA-FDE107BE1FA4}" type="datetimeFigureOut">
               <a:rPr lang="en-US" smtClean="0"/>
-              <a:t>9/11/2020</a:t>
+              <a:t>9/15/2020</a:t>
             </a:fld>
             <a:endParaRPr lang="en-US"/>
           </a:p>
@@ -1582,7 +1796,7 @@
           <a:p>
             <a:fld id="{B3AC8906-6335-452D-AFDA-FDE107BE1FA4}" type="datetimeFigureOut">
               <a:rPr lang="en-US" smtClean="0"/>
-              <a:t>9/11/2020</a:t>
+              <a:t>9/15/2020</a:t>
             </a:fld>
             <a:endParaRPr lang="en-US"/>
           </a:p>
@@ -1856,7 +2070,7 @@
           <a:p>
             <a:fld id="{B3AC8906-6335-452D-AFDA-FDE107BE1FA4}" type="datetimeFigureOut">
               <a:rPr lang="en-US" smtClean="0"/>
-              <a:t>9/11/2020</a:t>
+              <a:t>9/15/2020</a:t>
             </a:fld>
             <a:endParaRPr lang="en-US"/>
           </a:p>
@@ -2268,7 +2482,7 @@
           <a:p>
             <a:fld id="{B3AC8906-6335-452D-AFDA-FDE107BE1FA4}" type="datetimeFigureOut">
               <a:rPr lang="en-US" smtClean="0"/>
-              <a:t>9/11/2020</a:t>
+              <a:t>9/15/2020</a:t>
             </a:fld>
             <a:endParaRPr lang="en-US"/>
           </a:p>
@@ -2409,7 +2623,7 @@
           <a:p>
             <a:fld id="{B3AC8906-6335-452D-AFDA-FDE107BE1FA4}" type="datetimeFigureOut">
               <a:rPr lang="en-US" smtClean="0"/>
-              <a:t>9/11/2020</a:t>
+              <a:t>9/15/2020</a:t>
             </a:fld>
             <a:endParaRPr lang="en-US"/>
           </a:p>
@@ -2522,7 +2736,7 @@
           <a:p>
             <a:fld id="{B3AC8906-6335-452D-AFDA-FDE107BE1FA4}" type="datetimeFigureOut">
               <a:rPr lang="en-US" smtClean="0"/>
-              <a:t>9/11/2020</a:t>
+              <a:t>9/15/2020</a:t>
             </a:fld>
             <a:endParaRPr lang="en-US"/>
           </a:p>
@@ -2833,7 +3047,7 @@
           <a:p>
             <a:fld id="{B3AC8906-6335-452D-AFDA-FDE107BE1FA4}" type="datetimeFigureOut">
               <a:rPr lang="en-US" smtClean="0"/>
-              <a:t>9/11/2020</a:t>
+              <a:t>9/15/2020</a:t>
             </a:fld>
             <a:endParaRPr lang="en-US"/>
           </a:p>
@@ -3121,7 +3335,7 @@
           <a:p>
             <a:fld id="{B3AC8906-6335-452D-AFDA-FDE107BE1FA4}" type="datetimeFigureOut">
               <a:rPr lang="en-US" smtClean="0"/>
-              <a:t>9/11/2020</a:t>
+              <a:t>9/15/2020</a:t>
             </a:fld>
             <a:endParaRPr lang="en-US"/>
           </a:p>
@@ -3362,7 +3576,7 @@
           <a:p>
             <a:fld id="{B3AC8906-6335-452D-AFDA-FDE107BE1FA4}" type="datetimeFigureOut">
               <a:rPr lang="en-US" smtClean="0"/>
-              <a:t>9/11/2020</a:t>
+              <a:t>9/15/2020</a:t>
             </a:fld>
             <a:endParaRPr lang="en-US"/>
           </a:p>
@@ -12970,6 +13184,57 @@
           </a:graphicData>
         </a:graphic>
       </p:graphicFrame>
+      <mc:AlternateContent xmlns:mc="http://schemas.openxmlformats.org/markup-compatibility/2006" xmlns:p14="http://schemas.microsoft.com/office/powerpoint/2010/main">
+        <mc:Choice Requires="p14">
+          <p:contentPart p14:bwMode="auto" r:id="rId2">
+            <p14:nvContentPartPr>
+              <p14:cNvPr id="3" name="Ink 2">
+                <a:extLst>
+                  <a:ext uri="{FF2B5EF4-FFF2-40B4-BE49-F238E27FC236}">
+                    <a16:creationId xmlns:a16="http://schemas.microsoft.com/office/drawing/2014/main" id="{1D857745-386A-4F54-81FD-20EF2A2C01BA}"/>
+                  </a:ext>
+                </a:extLst>
+              </p14:cNvPr>
+              <p14:cNvContentPartPr/>
+              <p14:nvPr/>
+            </p14:nvContentPartPr>
+            <p14:xfrm>
+              <a:off x="3112920" y="2821680"/>
+              <a:ext cx="6471360" cy="2145240"/>
+            </p14:xfrm>
+          </p:contentPart>
+        </mc:Choice>
+        <mc:Fallback xmlns="">
+          <p:pic>
+            <p:nvPicPr>
+              <p:cNvPr id="3" name="Ink 2">
+                <a:extLst>
+                  <a:ext uri="{FF2B5EF4-FFF2-40B4-BE49-F238E27FC236}">
+                    <a16:creationId xmlns:a16="http://schemas.microsoft.com/office/drawing/2014/main" id="{1D857745-386A-4F54-81FD-20EF2A2C01BA}"/>
+                  </a:ext>
+                </a:extLst>
+              </p:cNvPr>
+              <p:cNvPicPr/>
+              <p:nvPr/>
+            </p:nvPicPr>
+            <p:blipFill>
+              <a:blip r:embed="rId3"/>
+              <a:stretch>
+                <a:fillRect/>
+              </a:stretch>
+            </p:blipFill>
+            <p:spPr>
+              <a:xfrm>
+                <a:off x="3103560" y="2812320"/>
+                <a:ext cx="6490080" cy="2163960"/>
+              </a:xfrm>
+              <a:prstGeom prst="rect">
+                <a:avLst/>
+              </a:prstGeom>
+            </p:spPr>
+          </p:pic>
+        </mc:Fallback>
+      </mc:AlternateContent>
     </p:spTree>
     <p:extLst>
       <p:ext uri="{BB962C8B-B14F-4D97-AF65-F5344CB8AC3E}">
@@ -14631,6 +14896,57 @@
           </a:p>
         </p:txBody>
       </p:sp>
+      <mc:AlternateContent xmlns:mc="http://schemas.openxmlformats.org/markup-compatibility/2006" xmlns:p14="http://schemas.microsoft.com/office/powerpoint/2010/main">
+        <mc:Choice Requires="p14">
+          <p:contentPart p14:bwMode="auto" r:id="rId2">
+            <p14:nvContentPartPr>
+              <p14:cNvPr id="4" name="Ink 3">
+                <a:extLst>
+                  <a:ext uri="{FF2B5EF4-FFF2-40B4-BE49-F238E27FC236}">
+                    <a16:creationId xmlns:a16="http://schemas.microsoft.com/office/drawing/2014/main" id="{9C612A7E-4CD6-4ACB-97FE-A75166E9E696}"/>
+                  </a:ext>
+                </a:extLst>
+              </p14:cNvPr>
+              <p14:cNvContentPartPr/>
+              <p14:nvPr/>
+            </p14:nvContentPartPr>
+            <p14:xfrm>
+              <a:off x="1137960" y="1171440"/>
+              <a:ext cx="7660800" cy="3777480"/>
+            </p14:xfrm>
+          </p:contentPart>
+        </mc:Choice>
+        <mc:Fallback xmlns="">
+          <p:pic>
+            <p:nvPicPr>
+              <p:cNvPr id="4" name="Ink 3">
+                <a:extLst>
+                  <a:ext uri="{FF2B5EF4-FFF2-40B4-BE49-F238E27FC236}">
+                    <a16:creationId xmlns:a16="http://schemas.microsoft.com/office/drawing/2014/main" id="{9C612A7E-4CD6-4ACB-97FE-A75166E9E696}"/>
+                  </a:ext>
+                </a:extLst>
+              </p:cNvPr>
+              <p:cNvPicPr/>
+              <p:nvPr/>
+            </p:nvPicPr>
+            <p:blipFill>
+              <a:blip r:embed="rId3"/>
+              <a:stretch>
+                <a:fillRect/>
+              </a:stretch>
+            </p:blipFill>
+            <p:spPr>
+              <a:xfrm>
+                <a:off x="1128600" y="1162080"/>
+                <a:ext cx="7679520" cy="3796200"/>
+              </a:xfrm>
+              <a:prstGeom prst="rect">
+                <a:avLst/>
+              </a:prstGeom>
+            </p:spPr>
+          </p:pic>
+        </mc:Fallback>
+      </mc:AlternateContent>
     </p:spTree>
     <p:extLst>
       <p:ext uri="{BB962C8B-B14F-4D97-AF65-F5344CB8AC3E}">
@@ -15062,6 +15378,57 @@
           </a:p>
         </p:txBody>
       </p:sp>
+      <mc:AlternateContent xmlns:mc="http://schemas.openxmlformats.org/markup-compatibility/2006" xmlns:p14="http://schemas.microsoft.com/office/powerpoint/2010/main">
+        <mc:Choice Requires="p14">
+          <p:contentPart p14:bwMode="auto" r:id="rId2">
+            <p14:nvContentPartPr>
+              <p14:cNvPr id="4" name="Ink 3">
+                <a:extLst>
+                  <a:ext uri="{FF2B5EF4-FFF2-40B4-BE49-F238E27FC236}">
+                    <a16:creationId xmlns:a16="http://schemas.microsoft.com/office/drawing/2014/main" id="{BD4B14E3-3FAE-419E-804B-8CB6197AF627}"/>
+                  </a:ext>
+                </a:extLst>
+              </p14:cNvPr>
+              <p14:cNvContentPartPr/>
+              <p14:nvPr/>
+            </p14:nvContentPartPr>
+            <p14:xfrm>
+              <a:off x="3931200" y="1544760"/>
+              <a:ext cx="829440" cy="1162800"/>
+            </p14:xfrm>
+          </p:contentPart>
+        </mc:Choice>
+        <mc:Fallback xmlns="">
+          <p:pic>
+            <p:nvPicPr>
+              <p:cNvPr id="4" name="Ink 3">
+                <a:extLst>
+                  <a:ext uri="{FF2B5EF4-FFF2-40B4-BE49-F238E27FC236}">
+                    <a16:creationId xmlns:a16="http://schemas.microsoft.com/office/drawing/2014/main" id="{BD4B14E3-3FAE-419E-804B-8CB6197AF627}"/>
+                  </a:ext>
+                </a:extLst>
+              </p:cNvPr>
+              <p:cNvPicPr/>
+              <p:nvPr/>
+            </p:nvPicPr>
+            <p:blipFill>
+              <a:blip r:embed="rId3"/>
+              <a:stretch>
+                <a:fillRect/>
+              </a:stretch>
+            </p:blipFill>
+            <p:spPr>
+              <a:xfrm>
+                <a:off x="3921840" y="1535400"/>
+                <a:ext cx="848160" cy="1181520"/>
+              </a:xfrm>
+              <a:prstGeom prst="rect">
+                <a:avLst/>
+              </a:prstGeom>
+            </p:spPr>
+          </p:pic>
+        </mc:Fallback>
+      </mc:AlternateContent>
     </p:spTree>
     <p:extLst>
       <p:ext uri="{BB962C8B-B14F-4D97-AF65-F5344CB8AC3E}">
@@ -18694,7 +19061,7 @@
 </file>
 
 <file path=ppt/slides/slide23.xml><?xml version="1.0" encoding="utf-8"?>
-<p:sld xmlns:a="http://schemas.openxmlformats.org/drawingml/2006/main" xmlns:r="http://schemas.openxmlformats.org/officeDocument/2006/relationships" xmlns:p="http://schemas.openxmlformats.org/presentationml/2006/main" show="0">
+<p:sld xmlns:a="http://schemas.openxmlformats.org/drawingml/2006/main" xmlns:r="http://schemas.openxmlformats.org/officeDocument/2006/relationships" xmlns:p="http://schemas.openxmlformats.org/presentationml/2006/main">
   <p:cSld>
     <p:spTree>
       <p:nvGrpSpPr>
@@ -19375,7 +19742,7 @@
             <a:graphicData uri="http://schemas.openxmlformats.org/presentationml/2006/ole">
               <mc:AlternateContent xmlns:mc="http://schemas.openxmlformats.org/markup-compatibility/2006">
                 <mc:Choice xmlns:v="urn:schemas-microsoft-com:vml" Requires="v">
-                  <p:oleObj spid="_x0000_s10714" name="公式" r:id="rId3" imgW="152400" imgH="127000" progId="Equation.3">
+                  <p:oleObj spid="_x0000_s10766" name="公式" r:id="rId3" imgW="152400" imgH="127000" progId="Equation.3">
                     <p:embed/>
                   </p:oleObj>
                 </mc:Choice>
@@ -19470,7 +19837,7 @@
             <a:graphicData uri="http://schemas.openxmlformats.org/presentationml/2006/ole">
               <mc:AlternateContent xmlns:mc="http://schemas.openxmlformats.org/markup-compatibility/2006">
                 <mc:Choice xmlns:v="urn:schemas-microsoft-com:vml" Requires="v">
-                  <p:oleObj spid="_x0000_s10715" name="公式" r:id="rId5" imgW="152400" imgH="127000" progId="Equation.3">
+                  <p:oleObj spid="_x0000_s10767" name="公式" r:id="rId5" imgW="152400" imgH="127000" progId="Equation.3">
                     <p:embed/>
                   </p:oleObj>
                 </mc:Choice>
@@ -20167,7 +20534,7 @@
                             </p:stCondLst>
                             <p:childTnLst>
                               <p:par>
-                                <p:cTn id="5" presetID="1" presetClass="entr" presetSubtype="0" fill="hold" nodeType="clickEffect">
+                                <p:cTn id="5" presetID="1" presetClass="entr" presetSubtype="0" fill="hold" grpId="0" nodeType="clickEffect">
                                   <p:stCondLst>
                                     <p:cond delay="0"/>
                                   </p:stCondLst>
@@ -20180,52 +20547,7 @@
                                           </p:stCondLst>
                                         </p:cTn>
                                         <p:tgtEl>
-                                          <p:spTgt spid="3"/>
-                                        </p:tgtEl>
-                                        <p:attrNameLst>
-                                          <p:attrName>style.visibility</p:attrName>
-                                        </p:attrNameLst>
-                                      </p:cBhvr>
-                                      <p:to>
-                                        <p:strVal val="visible"/>
-                                      </p:to>
-                                    </p:set>
-                                  </p:childTnLst>
-                                </p:cTn>
-                              </p:par>
-                            </p:childTnLst>
-                          </p:cTn>
-                        </p:par>
-                      </p:childTnLst>
-                    </p:cTn>
-                  </p:par>
-                  <p:par>
-                    <p:cTn id="7" fill="hold">
-                      <p:stCondLst>
-                        <p:cond delay="indefinite"/>
-                      </p:stCondLst>
-                      <p:childTnLst>
-                        <p:par>
-                          <p:cTn id="8" fill="hold">
-                            <p:stCondLst>
-                              <p:cond delay="0"/>
-                            </p:stCondLst>
-                            <p:childTnLst>
-                              <p:par>
-                                <p:cTn id="9" presetID="1" presetClass="entr" presetSubtype="0" fill="hold" nodeType="clickEffect">
-                                  <p:stCondLst>
-                                    <p:cond delay="0"/>
-                                  </p:stCondLst>
-                                  <p:childTnLst>
-                                    <p:set>
-                                      <p:cBhvr>
-                                        <p:cTn id="10" dur="1" fill="hold">
-                                          <p:stCondLst>
-                                            <p:cond delay="0"/>
-                                          </p:stCondLst>
-                                        </p:cTn>
-                                        <p:tgtEl>
-                                          <p:spTgt spid="4"/>
+                                          <p:spTgt spid="7"/>
                                         </p:tgtEl>
                                         <p:attrNameLst>
                                           <p:attrName>style.visibility</p:attrName>
@@ -20265,6 +20587,9 @@
         </p:cTn>
       </p:par>
     </p:tnLst>
+    <p:bldLst>
+      <p:bldP spid="7" grpId="0" animBg="1"/>
+    </p:bldLst>
   </p:timing>
 </p:sld>
 </file>
@@ -20986,781 +21311,171 @@
           </a:graphicData>
         </a:graphic>
       </p:graphicFrame>
-      <p:sp>
-        <p:nvSpPr>
-          <p:cNvPr id="3" name="矩形 2"/>
-          <p:cNvSpPr/>
-          <p:nvPr/>
-        </p:nvSpPr>
-        <p:spPr>
-          <a:xfrm>
-            <a:off x="2039488" y="3976617"/>
-            <a:ext cx="3813588" cy="400110"/>
-          </a:xfrm>
-          <a:prstGeom prst="rect">
-            <a:avLst/>
-          </a:prstGeom>
-        </p:spPr>
-        <p:txBody>
-          <a:bodyPr wrap="none">
-            <a:spAutoFit/>
-          </a:bodyPr>
-          <a:lstStyle/>
-          <a:p>
-            <a:r>
-              <a:rPr lang="en-US" altLang="zh-CN" sz="2000" dirty="0">
-                <a:latin typeface="Verdana"/>
-                <a:cs typeface="Verdana"/>
-              </a:rPr>
-              <a:t>(5.5)</a:t>
-            </a:r>
-            <a:r>
-              <a:rPr lang="en-US" altLang="zh-CN" sz="2000" baseline="-25000" dirty="0">
-                <a:latin typeface="Verdana"/>
-                <a:cs typeface="Verdana"/>
-              </a:rPr>
-              <a:t>10</a:t>
-            </a:r>
-            <a:r>
-              <a:rPr lang="en-US" altLang="zh-CN" sz="2000" dirty="0">
-                <a:latin typeface="Verdana"/>
-                <a:cs typeface="Verdana"/>
-              </a:rPr>
-              <a:t> = 5 * 10</a:t>
-            </a:r>
-            <a:r>
-              <a:rPr lang="en-US" altLang="zh-CN" sz="2000" baseline="30000" dirty="0">
-                <a:latin typeface="Verdana"/>
-                <a:cs typeface="Verdana"/>
-              </a:rPr>
-              <a:t>0</a:t>
-            </a:r>
-            <a:r>
-              <a:rPr lang="en-US" altLang="zh-CN" sz="2000" dirty="0">
-                <a:latin typeface="Verdana"/>
-                <a:cs typeface="Verdana"/>
-              </a:rPr>
-              <a:t>+ 5 * 10</a:t>
-            </a:r>
-            <a:r>
-              <a:rPr lang="en-US" altLang="zh-CN" sz="2000" baseline="30000" dirty="0">
-                <a:latin typeface="Verdana"/>
-                <a:cs typeface="Verdana"/>
-              </a:rPr>
-              <a:t>-1</a:t>
-            </a:r>
-            <a:endParaRPr lang="zh-CN" altLang="en-US" sz="2000" baseline="30000" dirty="0">
-              <a:latin typeface="Verdana"/>
-              <a:cs typeface="Verdana"/>
-            </a:endParaRPr>
-          </a:p>
-        </p:txBody>
-      </p:sp>
-      <p:sp>
-        <p:nvSpPr>
-          <p:cNvPr id="5" name="矩形 4"/>
-          <p:cNvSpPr/>
-          <p:nvPr/>
-        </p:nvSpPr>
-        <p:spPr>
-          <a:xfrm>
-            <a:off x="2031714" y="4538696"/>
-            <a:ext cx="7155848" cy="400110"/>
-          </a:xfrm>
-          <a:prstGeom prst="rect">
-            <a:avLst/>
-          </a:prstGeom>
-        </p:spPr>
-        <p:txBody>
-          <a:bodyPr wrap="none">
-            <a:spAutoFit/>
-          </a:bodyPr>
-          <a:lstStyle/>
-          <a:p>
-            <a:r>
-              <a:rPr lang="en-US" altLang="zh-CN" sz="2000" dirty="0">
-                <a:latin typeface="Verdana"/>
-                <a:cs typeface="Verdana"/>
-              </a:rPr>
-              <a:t>(0.333333...)</a:t>
-            </a:r>
-            <a:r>
-              <a:rPr lang="en-US" altLang="zh-CN" sz="2000" baseline="-25000" dirty="0">
-                <a:latin typeface="Verdana"/>
-                <a:cs typeface="Verdana"/>
-              </a:rPr>
-              <a:t>10</a:t>
-            </a:r>
-            <a:r>
-              <a:rPr lang="en-US" altLang="zh-CN" sz="2000" dirty="0">
-                <a:latin typeface="Verdana"/>
-                <a:cs typeface="Verdana"/>
-              </a:rPr>
-              <a:t> = 3 * 10</a:t>
-            </a:r>
-            <a:r>
-              <a:rPr lang="en-US" altLang="zh-CN" sz="2000" baseline="30000" dirty="0">
-                <a:latin typeface="Verdana"/>
-                <a:cs typeface="Verdana"/>
-              </a:rPr>
-              <a:t>-1</a:t>
-            </a:r>
-            <a:r>
-              <a:rPr lang="en-US" altLang="zh-CN" sz="2000" dirty="0">
-                <a:latin typeface="Verdana"/>
-                <a:cs typeface="Verdana"/>
-              </a:rPr>
-              <a:t> + 3 * 10</a:t>
-            </a:r>
-            <a:r>
-              <a:rPr lang="en-US" altLang="zh-CN" sz="2000" baseline="30000" dirty="0">
-                <a:latin typeface="Verdana"/>
-                <a:cs typeface="Verdana"/>
-              </a:rPr>
-              <a:t>-2</a:t>
-            </a:r>
-            <a:r>
-              <a:rPr lang="en-US" altLang="zh-CN" sz="2000" dirty="0">
-                <a:latin typeface="Verdana"/>
-                <a:cs typeface="Verdana"/>
-              </a:rPr>
-              <a:t> + 3 * 10</a:t>
-            </a:r>
-            <a:r>
-              <a:rPr lang="en-US" altLang="zh-CN" sz="2000" baseline="30000" dirty="0">
-                <a:latin typeface="Verdana"/>
-                <a:cs typeface="Verdana"/>
-              </a:rPr>
-              <a:t>-3</a:t>
-            </a:r>
-            <a:r>
-              <a:rPr lang="en-US" altLang="zh-CN" sz="2000" dirty="0">
-                <a:latin typeface="Verdana"/>
-                <a:cs typeface="Verdana"/>
-              </a:rPr>
-              <a:t> + ...</a:t>
-            </a:r>
-            <a:endParaRPr lang="zh-CN" altLang="en-US" sz="2000" baseline="30000" dirty="0">
-              <a:latin typeface="Verdana"/>
-              <a:cs typeface="Verdana"/>
-            </a:endParaRPr>
-          </a:p>
-        </p:txBody>
-      </p:sp>
-      <p:sp>
-        <p:nvSpPr>
-          <p:cNvPr id="6" name="矩形 5"/>
-          <p:cNvSpPr/>
-          <p:nvPr/>
-        </p:nvSpPr>
-        <p:spPr>
-          <a:xfrm>
-            <a:off x="2050929" y="5091562"/>
-            <a:ext cx="8022472" cy="400110"/>
-          </a:xfrm>
-          <a:prstGeom prst="rect">
-            <a:avLst/>
-          </a:prstGeom>
-        </p:spPr>
-        <p:txBody>
-          <a:bodyPr wrap="none">
-            <a:spAutoFit/>
-          </a:bodyPr>
-          <a:lstStyle/>
-          <a:p>
-            <a:r>
-              <a:rPr lang="en-US" altLang="zh-CN" sz="2000" dirty="0">
-                <a:latin typeface="Verdana"/>
-                <a:cs typeface="Verdana"/>
-              </a:rPr>
-              <a:t>(1.4128...)</a:t>
-            </a:r>
-            <a:r>
-              <a:rPr lang="en-US" altLang="zh-CN" sz="2000" baseline="-25000" dirty="0">
-                <a:latin typeface="Verdana"/>
-                <a:cs typeface="Verdana"/>
-              </a:rPr>
-              <a:t>10</a:t>
-            </a:r>
-            <a:r>
-              <a:rPr lang="en-US" altLang="zh-CN" sz="2000" dirty="0">
-                <a:latin typeface="Verdana"/>
-                <a:cs typeface="Verdana"/>
-              </a:rPr>
-              <a:t> = 1 * 10</a:t>
-            </a:r>
-            <a:r>
-              <a:rPr lang="en-US" altLang="zh-CN" sz="2000" baseline="30000" dirty="0">
-                <a:latin typeface="Verdana"/>
-                <a:cs typeface="Verdana"/>
-              </a:rPr>
-              <a:t>0</a:t>
-            </a:r>
-            <a:r>
-              <a:rPr lang="en-US" altLang="zh-CN" sz="2000" dirty="0">
-                <a:latin typeface="Verdana"/>
-                <a:cs typeface="Verdana"/>
-              </a:rPr>
-              <a:t> + 4 * 10</a:t>
-            </a:r>
-            <a:r>
-              <a:rPr lang="en-US" altLang="zh-CN" sz="2000" baseline="30000" dirty="0">
-                <a:latin typeface="Verdana"/>
-                <a:cs typeface="Verdana"/>
-              </a:rPr>
-              <a:t>-1</a:t>
-            </a:r>
-            <a:r>
-              <a:rPr lang="en-US" altLang="zh-CN" sz="2000" dirty="0">
-                <a:latin typeface="Verdana"/>
-                <a:cs typeface="Verdana"/>
-              </a:rPr>
-              <a:t> + 1 * 10</a:t>
-            </a:r>
-            <a:r>
-              <a:rPr lang="en-US" altLang="zh-CN" sz="2000" baseline="30000" dirty="0">
-                <a:latin typeface="Verdana"/>
-                <a:cs typeface="Verdana"/>
-              </a:rPr>
-              <a:t>-2</a:t>
-            </a:r>
-            <a:r>
-              <a:rPr lang="en-US" altLang="zh-CN" sz="2000" dirty="0">
-                <a:latin typeface="Verdana"/>
-                <a:cs typeface="Verdana"/>
-              </a:rPr>
-              <a:t> + 2 * 10</a:t>
-            </a:r>
-            <a:r>
-              <a:rPr lang="en-US" altLang="zh-CN" sz="2000" baseline="30000" dirty="0">
-                <a:latin typeface="Verdana"/>
-                <a:cs typeface="Verdana"/>
-              </a:rPr>
-              <a:t>-3 </a:t>
-            </a:r>
-            <a:r>
-              <a:rPr lang="en-US" altLang="zh-CN" sz="2000" dirty="0">
-                <a:latin typeface="Verdana"/>
-                <a:cs typeface="Verdana"/>
-              </a:rPr>
-              <a:t>+ ...</a:t>
-            </a:r>
-            <a:endParaRPr lang="zh-CN" altLang="en-US" sz="2000" baseline="30000" dirty="0">
-              <a:latin typeface="Verdana"/>
-              <a:cs typeface="Verdana"/>
-            </a:endParaRPr>
-          </a:p>
-        </p:txBody>
-      </p:sp>
-    </p:spTree>
-    <p:extLst>
-      <p:ext uri="{BB962C8B-B14F-4D97-AF65-F5344CB8AC3E}">
-        <p14:creationId xmlns:p14="http://schemas.microsoft.com/office/powerpoint/2010/main" val="3636700724"/>
-      </p:ext>
-    </p:extLst>
-  </p:cSld>
-  <p:clrMapOvr>
-    <a:masterClrMapping/>
-  </p:clrMapOvr>
-</p:sld>
-</file>
-
-<file path=ppt/slides/slide28.xml><?xml version="1.0" encoding="utf-8"?>
-<p:sld xmlns:a="http://schemas.openxmlformats.org/drawingml/2006/main" xmlns:r="http://schemas.openxmlformats.org/officeDocument/2006/relationships" xmlns:p="http://schemas.openxmlformats.org/presentationml/2006/main">
-  <p:cSld>
-    <p:spTree>
-      <p:nvGrpSpPr>
-        <p:cNvPr id="1" name=""/>
-        <p:cNvGrpSpPr/>
-        <p:nvPr/>
-      </p:nvGrpSpPr>
-      <p:grpSpPr>
-        <a:xfrm>
-          <a:off x="0" y="0"/>
-          <a:ext cx="0" cy="0"/>
-          <a:chOff x="0" y="0"/>
-          <a:chExt cx="0" cy="0"/>
-        </a:xfrm>
-      </p:grpSpPr>
-      <p:sp>
-        <p:nvSpPr>
-          <p:cNvPr id="2" name="标题 1"/>
-          <p:cNvSpPr>
-            <a:spLocks noGrp="1"/>
-          </p:cNvSpPr>
-          <p:nvPr>
-            <p:ph type="title"/>
-          </p:nvPr>
-        </p:nvSpPr>
-        <p:spPr/>
-        <p:txBody>
-          <a:bodyPr>
-            <a:normAutofit/>
-          </a:bodyPr>
-          <a:lstStyle/>
-          <a:p>
-            <a:r>
-              <a:rPr kumimoji="1" lang="en-US" altLang="zh-CN" dirty="0"/>
-              <a:t>Decimal Representation</a:t>
-            </a:r>
-            <a:endParaRPr kumimoji="1" lang="zh-CN" altLang="en-US" dirty="0"/>
-          </a:p>
-        </p:txBody>
-      </p:sp>
-      <p:graphicFrame>
-        <p:nvGraphicFramePr>
-          <p:cNvPr id="4" name="表格 3"/>
-          <p:cNvGraphicFramePr>
-            <a:graphicFrameLocks noGrp="1"/>
-          </p:cNvGraphicFramePr>
-          <p:nvPr/>
-        </p:nvGraphicFramePr>
-        <p:xfrm>
-          <a:off x="1981201" y="1600200"/>
-          <a:ext cx="8060499" cy="1836848"/>
-        </p:xfrm>
-        <a:graphic>
-          <a:graphicData uri="http://schemas.openxmlformats.org/drawingml/2006/table">
-            <a:tbl>
-              <a:tblPr firstRow="1" bandRow="1">
-                <a:tableStyleId>{2D5ABB26-0587-4C30-8999-92F81FD0307C}</a:tableStyleId>
-              </a:tblPr>
-              <a:tblGrid>
-                <a:gridCol w="2321410">
-                  <a:extLst>
-                    <a:ext uri="{9D8B030D-6E8A-4147-A177-3AD203B41FA5}">
-                      <a16:colId xmlns:a16="http://schemas.microsoft.com/office/drawing/2014/main" val="20000"/>
-                    </a:ext>
-                  </a:extLst>
-                </a:gridCol>
-                <a:gridCol w="5739089">
-                  <a:extLst>
-                    <a:ext uri="{9D8B030D-6E8A-4147-A177-3AD203B41FA5}">
-                      <a16:colId xmlns:a16="http://schemas.microsoft.com/office/drawing/2014/main" val="20001"/>
-                    </a:ext>
-                  </a:extLst>
-                </a:gridCol>
-              </a:tblGrid>
-              <a:tr h="501537">
-                <a:tc>
-                  <a:txBody>
-                    <a:bodyPr/>
-                    <a:lstStyle/>
-                    <a:p>
-                      <a:r>
-                        <a:rPr lang="en-US" altLang="zh-CN" sz="2000" dirty="0">
-                          <a:latin typeface="Verdana"/>
-                          <a:cs typeface="Verdana"/>
-                        </a:rPr>
-                        <a:t>Real Numbers</a:t>
-                      </a:r>
-                      <a:endParaRPr lang="zh-CN" altLang="en-US" sz="2000" dirty="0">
-                        <a:latin typeface="Verdana"/>
-                        <a:cs typeface="Verdana"/>
-                      </a:endParaRPr>
-                    </a:p>
-                  </a:txBody>
-                  <a:tcPr/>
-                </a:tc>
-                <a:tc>
-                  <a:txBody>
-                    <a:bodyPr/>
-                    <a:lstStyle/>
-                    <a:p>
-                      <a:r>
-                        <a:rPr lang="en-US" altLang="zh-CN" sz="2000" dirty="0">
-                          <a:latin typeface="Verdana"/>
-                          <a:cs typeface="Verdana"/>
-                        </a:rPr>
-                        <a:t>Decimal Representation (Expansion)</a:t>
-                      </a:r>
-                      <a:endParaRPr lang="zh-CN" altLang="en-US" sz="2000" dirty="0">
-                        <a:latin typeface="Verdana"/>
-                        <a:cs typeface="Verdana"/>
-                      </a:endParaRPr>
-                    </a:p>
-                  </a:txBody>
-                  <a:tcPr/>
-                </a:tc>
-                <a:extLst>
-                  <a:ext uri="{0D108BD9-81ED-4DB2-BD59-A6C34878D82A}">
-                    <a16:rowId xmlns:a16="http://schemas.microsoft.com/office/drawing/2014/main" val="10000"/>
-                  </a:ext>
-                </a:extLst>
-              </a:tr>
-              <a:tr h="501537">
-                <a:tc>
-                  <a:txBody>
-                    <a:bodyPr/>
-                    <a:lstStyle/>
-                    <a:p>
-                      <a:pPr marL="0" marR="0" indent="0" algn="ctr" defTabSz="914400" rtl="0" eaLnBrk="1" fontAlgn="auto" latinLnBrk="0" hangingPunct="1">
-                        <a:lnSpc>
-                          <a:spcPct val="100000"/>
-                        </a:lnSpc>
-                        <a:spcBef>
-                          <a:spcPts val="0"/>
-                        </a:spcBef>
-                        <a:spcAft>
-                          <a:spcPts val="0"/>
-                        </a:spcAft>
-                        <a:buClrTx/>
-                        <a:buSzTx/>
-                        <a:buFontTx/>
-                        <a:buNone/>
-                        <a:tabLst/>
-                        <a:defRPr/>
-                      </a:pPr>
-                      <a:r>
-                        <a:rPr lang="en-US" altLang="zh-CN" sz="2000" b="0" dirty="0">
-                          <a:latin typeface="Verdana"/>
-                          <a:cs typeface="Verdana"/>
-                        </a:rPr>
-                        <a:t>11</a:t>
-                      </a:r>
-                      <a:r>
-                        <a:rPr lang="en-US" altLang="zh-CN" sz="2000" b="0" baseline="0" dirty="0">
-                          <a:latin typeface="Verdana"/>
-                          <a:cs typeface="Verdana"/>
-                        </a:rPr>
-                        <a:t> / 2</a:t>
-                      </a:r>
-                      <a:endParaRPr lang="en-US" altLang="zh-CN" sz="2000" b="0" dirty="0">
-                        <a:latin typeface="Verdana"/>
-                        <a:cs typeface="Verdana"/>
-                      </a:endParaRPr>
-                    </a:p>
-                  </a:txBody>
-                  <a:tcPr/>
-                </a:tc>
-                <a:tc>
-                  <a:txBody>
-                    <a:bodyPr/>
-                    <a:lstStyle/>
-                    <a:p>
-                      <a:r>
-                        <a:rPr lang="en-US" altLang="zh-CN" sz="2000" dirty="0">
-                          <a:latin typeface="Verdana"/>
-                          <a:cs typeface="Verdana"/>
-                        </a:rPr>
-                        <a:t>(5.5)</a:t>
-                      </a:r>
-                      <a:r>
-                        <a:rPr lang="en-US" altLang="zh-CN" sz="2000" baseline="-25000" dirty="0">
-                          <a:latin typeface="Verdana"/>
-                          <a:cs typeface="Verdana"/>
-                        </a:rPr>
-                        <a:t>10</a:t>
-                      </a:r>
-                      <a:endParaRPr lang="zh-CN" altLang="en-US" sz="2000" baseline="-25000" dirty="0">
-                        <a:latin typeface="Verdana"/>
-                        <a:cs typeface="Verdana"/>
-                      </a:endParaRPr>
-                    </a:p>
-                  </a:txBody>
-                  <a:tcPr/>
-                </a:tc>
-                <a:extLst>
-                  <a:ext uri="{0D108BD9-81ED-4DB2-BD59-A6C34878D82A}">
-                    <a16:rowId xmlns:a16="http://schemas.microsoft.com/office/drawing/2014/main" val="10001"/>
-                  </a:ext>
-                </a:extLst>
-              </a:tr>
-              <a:tr h="348741">
-                <a:tc>
-                  <a:txBody>
-                    <a:bodyPr/>
-                    <a:lstStyle/>
-                    <a:p>
-                      <a:pPr marL="0" marR="0" indent="0" algn="ctr" defTabSz="914400" rtl="0" eaLnBrk="1" fontAlgn="auto" latinLnBrk="0" hangingPunct="1">
-                        <a:lnSpc>
-                          <a:spcPct val="100000"/>
-                        </a:lnSpc>
-                        <a:spcBef>
-                          <a:spcPts val="0"/>
-                        </a:spcBef>
-                        <a:spcAft>
-                          <a:spcPts val="0"/>
-                        </a:spcAft>
-                        <a:buClrTx/>
-                        <a:buSzTx/>
-                        <a:buFontTx/>
-                        <a:buNone/>
-                        <a:tabLst/>
-                        <a:defRPr/>
-                      </a:pPr>
-                      <a:r>
-                        <a:rPr lang="en-US" altLang="zh-CN" sz="2000" b="0" dirty="0">
-                          <a:latin typeface="Verdana"/>
-                          <a:cs typeface="Verdana"/>
-                        </a:rPr>
-                        <a:t>1 / 3</a:t>
-                      </a:r>
-                    </a:p>
-                  </a:txBody>
-                  <a:tcPr/>
-                </a:tc>
-                <a:tc>
-                  <a:txBody>
-                    <a:bodyPr/>
-                    <a:lstStyle/>
-                    <a:p>
-                      <a:r>
-                        <a:rPr lang="en-US" altLang="zh-CN" sz="2000" baseline="0" dirty="0">
-                          <a:latin typeface="Verdana"/>
-                          <a:cs typeface="Verdana"/>
-                        </a:rPr>
-                        <a:t>(0.3333333...)</a:t>
-                      </a:r>
-                      <a:r>
-                        <a:rPr lang="en-US" altLang="zh-CN" sz="2000" baseline="-25000" dirty="0">
-                          <a:latin typeface="Verdana"/>
-                          <a:cs typeface="Verdana"/>
-                        </a:rPr>
-                        <a:t>10</a:t>
-                      </a:r>
-                    </a:p>
-                  </a:txBody>
-                  <a:tcPr/>
-                </a:tc>
-                <a:extLst>
-                  <a:ext uri="{0D108BD9-81ED-4DB2-BD59-A6C34878D82A}">
-                    <a16:rowId xmlns:a16="http://schemas.microsoft.com/office/drawing/2014/main" val="10002"/>
-                  </a:ext>
-                </a:extLst>
-              </a:tr>
-              <a:tr h="437534">
-                <a:tc>
-                  <a:txBody>
-                    <a:bodyPr/>
-                    <a:lstStyle/>
-                    <a:p>
-                      <a:pPr marL="0" marR="0" indent="0" algn="ctr" defTabSz="914400" rtl="0" eaLnBrk="1" fontAlgn="auto" latinLnBrk="0" hangingPunct="1">
-                        <a:lnSpc>
-                          <a:spcPct val="100000"/>
-                        </a:lnSpc>
-                        <a:spcBef>
-                          <a:spcPts val="0"/>
-                        </a:spcBef>
-                        <a:spcAft>
-                          <a:spcPts val="0"/>
-                        </a:spcAft>
-                        <a:buClrTx/>
-                        <a:buSzTx/>
-                        <a:buFontTx/>
-                        <a:buNone/>
-                        <a:tabLst/>
-                        <a:defRPr/>
-                      </a:pPr>
-                      <a:r>
-                        <a:rPr lang="en-US" altLang="zh-CN" sz="2000" b="0" dirty="0">
-                          <a:latin typeface="Verdana"/>
-                          <a:cs typeface="Verdana"/>
-                        </a:rPr>
-                        <a:t>√2</a:t>
-                      </a:r>
-                    </a:p>
-                  </a:txBody>
-                  <a:tcPr/>
-                </a:tc>
-                <a:tc>
-                  <a:txBody>
-                    <a:bodyPr/>
-                    <a:lstStyle/>
-                    <a:p>
-                      <a:r>
-                        <a:rPr lang="zh-CN" altLang="en-US" sz="2000" baseline="0" dirty="0">
-                          <a:latin typeface="Verdana"/>
-                          <a:cs typeface="Verdana"/>
-                        </a:rPr>
-                        <a:t> </a:t>
-                      </a:r>
-                      <a:r>
-                        <a:rPr lang="en-US" altLang="zh-CN" sz="2000" baseline="0" dirty="0">
-                          <a:latin typeface="Verdana"/>
-                          <a:cs typeface="Verdana"/>
-                        </a:rPr>
-                        <a:t>(1.4128</a:t>
-                      </a:r>
-                      <a:r>
-                        <a:rPr lang="mr-IN" altLang="zh-CN" sz="2000" baseline="0" dirty="0">
-                          <a:latin typeface="Verdana"/>
-                          <a:cs typeface="Verdana"/>
-                        </a:rPr>
-                        <a:t>…</a:t>
-                      </a:r>
-                      <a:r>
-                        <a:rPr lang="en-US" altLang="zh-CN" sz="2000" baseline="0" dirty="0">
-                          <a:latin typeface="Verdana"/>
-                          <a:cs typeface="Verdana"/>
-                        </a:rPr>
-                        <a:t>)</a:t>
-                      </a:r>
-                      <a:r>
-                        <a:rPr lang="en-US" altLang="zh-CN" sz="2000" baseline="-25000" dirty="0">
-                          <a:latin typeface="Verdana"/>
-                          <a:cs typeface="Verdana"/>
-                        </a:rPr>
-                        <a:t>10</a:t>
-                      </a:r>
-                    </a:p>
-                  </a:txBody>
-                  <a:tcPr/>
-                </a:tc>
-                <a:extLst>
-                  <a:ext uri="{0D108BD9-81ED-4DB2-BD59-A6C34878D82A}">
-                    <a16:rowId xmlns:a16="http://schemas.microsoft.com/office/drawing/2014/main" val="10003"/>
-                  </a:ext>
-                </a:extLst>
-              </a:tr>
-            </a:tbl>
-          </a:graphicData>
-        </a:graphic>
-      </p:graphicFrame>
-      <p:sp>
-        <p:nvSpPr>
-          <p:cNvPr id="6" name="矩形 5"/>
-          <p:cNvSpPr/>
-          <p:nvPr/>
-        </p:nvSpPr>
-        <p:spPr>
-          <a:xfrm>
-            <a:off x="2050929" y="4736861"/>
-            <a:ext cx="7676250" cy="461665"/>
-          </a:xfrm>
-          <a:prstGeom prst="rect">
-            <a:avLst/>
-          </a:prstGeom>
-        </p:spPr>
-        <p:txBody>
-          <a:bodyPr wrap="none">
-            <a:spAutoFit/>
-          </a:bodyPr>
-          <a:lstStyle/>
-          <a:p>
-            <a:r>
-              <a:rPr lang="en-US" altLang="zh-CN" sz="2400" dirty="0">
-                <a:latin typeface="Arial"/>
-                <a:cs typeface="Arial"/>
-              </a:rPr>
-              <a:t>(1.4128...)</a:t>
-            </a:r>
-            <a:r>
-              <a:rPr lang="en-US" altLang="zh-CN" sz="2400" baseline="-25000" dirty="0">
-                <a:latin typeface="Arial"/>
-                <a:cs typeface="Arial"/>
-              </a:rPr>
-              <a:t>10</a:t>
-            </a:r>
-            <a:r>
-              <a:rPr lang="en-US" altLang="zh-CN" sz="2400" dirty="0">
-                <a:latin typeface="Arial"/>
-                <a:cs typeface="Arial"/>
-              </a:rPr>
-              <a:t> = 1 * 10</a:t>
-            </a:r>
-            <a:r>
-              <a:rPr lang="en-US" altLang="zh-CN" sz="2400" baseline="30000" dirty="0">
-                <a:latin typeface="Arial"/>
-                <a:cs typeface="Arial"/>
-              </a:rPr>
-              <a:t>0</a:t>
-            </a:r>
-            <a:r>
-              <a:rPr lang="en-US" altLang="zh-CN" sz="2400" dirty="0">
-                <a:latin typeface="Arial"/>
-                <a:cs typeface="Arial"/>
-              </a:rPr>
-              <a:t> + 4 * 10</a:t>
-            </a:r>
-            <a:r>
-              <a:rPr lang="en-US" altLang="zh-CN" sz="2400" baseline="30000" dirty="0">
-                <a:latin typeface="Arial"/>
-                <a:cs typeface="Arial"/>
-              </a:rPr>
-              <a:t>-1</a:t>
-            </a:r>
-            <a:r>
-              <a:rPr lang="en-US" altLang="zh-CN" sz="2400" dirty="0">
-                <a:latin typeface="Arial"/>
-                <a:cs typeface="Arial"/>
-              </a:rPr>
-              <a:t> + 1 * 10</a:t>
-            </a:r>
-            <a:r>
-              <a:rPr lang="en-US" altLang="zh-CN" sz="2400" baseline="30000" dirty="0">
-                <a:latin typeface="Arial"/>
-                <a:cs typeface="Arial"/>
-              </a:rPr>
-              <a:t>-2</a:t>
-            </a:r>
-            <a:r>
-              <a:rPr lang="en-US" altLang="zh-CN" sz="2400" dirty="0">
-                <a:latin typeface="Arial"/>
-                <a:cs typeface="Arial"/>
-              </a:rPr>
-              <a:t> + 2 * 10</a:t>
-            </a:r>
-            <a:r>
-              <a:rPr lang="en-US" altLang="zh-CN" sz="2400" baseline="30000" dirty="0">
-                <a:latin typeface="Arial"/>
-                <a:cs typeface="Arial"/>
-              </a:rPr>
-              <a:t>-3 </a:t>
-            </a:r>
-            <a:r>
-              <a:rPr lang="en-US" altLang="zh-CN" sz="2400" dirty="0">
-                <a:latin typeface="Arial"/>
-                <a:cs typeface="Arial"/>
-              </a:rPr>
-              <a:t>+ ...</a:t>
-            </a:r>
-            <a:endParaRPr lang="zh-CN" altLang="en-US" sz="2400" baseline="30000" dirty="0">
-              <a:latin typeface="Arial"/>
-              <a:cs typeface="Arial"/>
-            </a:endParaRPr>
-          </a:p>
-        </p:txBody>
-      </p:sp>
-      <p:cxnSp>
-        <p:nvCxnSpPr>
-          <p:cNvPr id="10" name="Straight Arrow Connector 9">
+      <p:grpSp>
+        <p:nvGrpSpPr>
+          <p:cNvPr id="3" name="Group 2">
             <a:extLst>
               <a:ext uri="{FF2B5EF4-FFF2-40B4-BE49-F238E27FC236}">
-                <a16:creationId xmlns:a16="http://schemas.microsoft.com/office/drawing/2014/main" id="{B957762F-74FE-4857-99E9-96CBD55A3EBF}"/>
+                <a16:creationId xmlns:a16="http://schemas.microsoft.com/office/drawing/2014/main" id="{96374CCE-C4F5-49D5-A58F-2F1C544B0048}"/>
               </a:ext>
             </a:extLst>
           </p:cNvPr>
-          <p:cNvCxnSpPr/>
+          <p:cNvGrpSpPr/>
           <p:nvPr/>
-        </p:nvCxnSpPr>
-        <p:spPr>
-          <a:xfrm flipV="1">
-            <a:off x="4859781" y="3522993"/>
-            <a:ext cx="417746" cy="1076857"/>
-          </a:xfrm>
-          <a:prstGeom prst="straightConnector1">
-            <a:avLst/>
-          </a:prstGeom>
-          <a:ln>
-            <a:tailEnd type="triangle"/>
-          </a:ln>
-        </p:spPr>
-        <p:style>
-          <a:lnRef idx="1">
-            <a:schemeClr val="accent1"/>
-          </a:lnRef>
-          <a:fillRef idx="0">
-            <a:schemeClr val="accent1"/>
-          </a:fillRef>
-          <a:effectRef idx="0">
-            <a:schemeClr val="accent1"/>
-          </a:effectRef>
-          <a:fontRef idx="minor">
-            <a:schemeClr val="tx1"/>
-          </a:fontRef>
-        </p:style>
-      </p:cxnSp>
+        </p:nvGrpSpPr>
+        <p:grpSpPr>
+          <a:xfrm>
+            <a:off x="2050929" y="3522993"/>
+            <a:ext cx="7676250" cy="1675533"/>
+            <a:chOff x="2050929" y="3522993"/>
+            <a:chExt cx="7676250" cy="1675533"/>
+          </a:xfrm>
+        </p:grpSpPr>
+        <p:sp>
+          <p:nvSpPr>
+            <p:cNvPr id="6" name="矩形 5"/>
+            <p:cNvSpPr/>
+            <p:nvPr/>
+          </p:nvSpPr>
+          <p:spPr>
+            <a:xfrm>
+              <a:off x="2050929" y="4736861"/>
+              <a:ext cx="7676250" cy="461665"/>
+            </a:xfrm>
+            <a:prstGeom prst="rect">
+              <a:avLst/>
+            </a:prstGeom>
+          </p:spPr>
+          <p:txBody>
+            <a:bodyPr wrap="none">
+              <a:spAutoFit/>
+            </a:bodyPr>
+            <a:lstStyle/>
+            <a:p>
+              <a:r>
+                <a:rPr lang="en-US" altLang="zh-CN" sz="2400" dirty="0">
+                  <a:latin typeface="Arial"/>
+                  <a:cs typeface="Arial"/>
+                </a:rPr>
+                <a:t>(1.4128...)</a:t>
+              </a:r>
+              <a:r>
+                <a:rPr lang="en-US" altLang="zh-CN" sz="2400" baseline="-25000" dirty="0">
+                  <a:latin typeface="Arial"/>
+                  <a:cs typeface="Arial"/>
+                </a:rPr>
+                <a:t>10</a:t>
+              </a:r>
+              <a:r>
+                <a:rPr lang="en-US" altLang="zh-CN" sz="2400" dirty="0">
+                  <a:latin typeface="Arial"/>
+                  <a:cs typeface="Arial"/>
+                </a:rPr>
+                <a:t> = 1 * 10</a:t>
+              </a:r>
+              <a:r>
+                <a:rPr lang="en-US" altLang="zh-CN" sz="2400" baseline="30000" dirty="0">
+                  <a:latin typeface="Arial"/>
+                  <a:cs typeface="Arial"/>
+                </a:rPr>
+                <a:t>0</a:t>
+              </a:r>
+              <a:r>
+                <a:rPr lang="en-US" altLang="zh-CN" sz="2400" dirty="0">
+                  <a:latin typeface="Arial"/>
+                  <a:cs typeface="Arial"/>
+                </a:rPr>
+                <a:t> + 4 * 10</a:t>
+              </a:r>
+              <a:r>
+                <a:rPr lang="en-US" altLang="zh-CN" sz="2400" baseline="30000" dirty="0">
+                  <a:latin typeface="Arial"/>
+                  <a:cs typeface="Arial"/>
+                </a:rPr>
+                <a:t>-1</a:t>
+              </a:r>
+              <a:r>
+                <a:rPr lang="en-US" altLang="zh-CN" sz="2400" dirty="0">
+                  <a:latin typeface="Arial"/>
+                  <a:cs typeface="Arial"/>
+                </a:rPr>
+                <a:t> + 1 * 10</a:t>
+              </a:r>
+              <a:r>
+                <a:rPr lang="en-US" altLang="zh-CN" sz="2400" baseline="30000" dirty="0">
+                  <a:latin typeface="Arial"/>
+                  <a:cs typeface="Arial"/>
+                </a:rPr>
+                <a:t>-2</a:t>
+              </a:r>
+              <a:r>
+                <a:rPr lang="en-US" altLang="zh-CN" sz="2400" dirty="0">
+                  <a:latin typeface="Arial"/>
+                  <a:cs typeface="Arial"/>
+                </a:rPr>
+                <a:t> + 2 * 10</a:t>
+              </a:r>
+              <a:r>
+                <a:rPr lang="en-US" altLang="zh-CN" sz="2400" baseline="30000" dirty="0">
+                  <a:latin typeface="Arial"/>
+                  <a:cs typeface="Arial"/>
+                </a:rPr>
+                <a:t>-3 </a:t>
+              </a:r>
+              <a:r>
+                <a:rPr lang="en-US" altLang="zh-CN" sz="2400" dirty="0">
+                  <a:latin typeface="Arial"/>
+                  <a:cs typeface="Arial"/>
+                </a:rPr>
+                <a:t>+ ...</a:t>
+              </a:r>
+              <a:endParaRPr lang="zh-CN" altLang="en-US" sz="2400" baseline="30000" dirty="0">
+                <a:latin typeface="Arial"/>
+                <a:cs typeface="Arial"/>
+              </a:endParaRPr>
+            </a:p>
+          </p:txBody>
+        </p:sp>
+        <p:cxnSp>
+          <p:nvCxnSpPr>
+            <p:cNvPr id="10" name="Straight Arrow Connector 9">
+              <a:extLst>
+                <a:ext uri="{FF2B5EF4-FFF2-40B4-BE49-F238E27FC236}">
+                  <a16:creationId xmlns:a16="http://schemas.microsoft.com/office/drawing/2014/main" id="{B957762F-74FE-4857-99E9-96CBD55A3EBF}"/>
+                </a:ext>
+              </a:extLst>
+            </p:cNvPr>
+            <p:cNvCxnSpPr/>
+            <p:nvPr/>
+          </p:nvCxnSpPr>
+          <p:spPr>
+            <a:xfrm flipV="1">
+              <a:off x="4859781" y="3522993"/>
+              <a:ext cx="417746" cy="1076857"/>
+            </a:xfrm>
+            <a:prstGeom prst="straightConnector1">
+              <a:avLst/>
+            </a:prstGeom>
+            <a:ln>
+              <a:tailEnd type="triangle"/>
+            </a:ln>
+          </p:spPr>
+          <p:style>
+            <a:lnRef idx="1">
+              <a:schemeClr val="accent1"/>
+            </a:lnRef>
+            <a:fillRef idx="0">
+              <a:schemeClr val="accent1"/>
+            </a:fillRef>
+            <a:effectRef idx="0">
+              <a:schemeClr val="accent1"/>
+            </a:effectRef>
+            <a:fontRef idx="minor">
+              <a:schemeClr val="tx1"/>
+            </a:fontRef>
+          </p:style>
+        </p:cxnSp>
+      </p:grpSp>
     </p:spTree>
     <p:extLst>
       <p:ext uri="{BB962C8B-B14F-4D97-AF65-F5344CB8AC3E}">
@@ -21771,10 +21486,85 @@
   <p:clrMapOvr>
     <a:masterClrMapping/>
   </p:clrMapOvr>
+  <p:timing>
+    <p:tnLst>
+      <p:par>
+        <p:cTn id="1" dur="indefinite" restart="never" nodeType="tmRoot">
+          <p:childTnLst>
+            <p:seq concurrent="1" nextAc="seek">
+              <p:cTn id="2" dur="indefinite" nodeType="mainSeq">
+                <p:childTnLst>
+                  <p:par>
+                    <p:cTn id="3" fill="hold">
+                      <p:stCondLst>
+                        <p:cond delay="indefinite"/>
+                      </p:stCondLst>
+                      <p:childTnLst>
+                        <p:par>
+                          <p:cTn id="4" fill="hold">
+                            <p:stCondLst>
+                              <p:cond delay="0"/>
+                            </p:stCondLst>
+                            <p:childTnLst>
+                              <p:par>
+                                <p:cTn id="5" presetID="1" presetClass="entr" presetSubtype="0" fill="hold" nodeType="clickEffect">
+                                  <p:stCondLst>
+                                    <p:cond delay="0"/>
+                                  </p:stCondLst>
+                                  <p:childTnLst>
+                                    <p:set>
+                                      <p:cBhvr>
+                                        <p:cTn id="6" dur="1" fill="hold">
+                                          <p:stCondLst>
+                                            <p:cond delay="0"/>
+                                          </p:stCondLst>
+                                        </p:cTn>
+                                        <p:tgtEl>
+                                          <p:spTgt spid="3"/>
+                                        </p:tgtEl>
+                                        <p:attrNameLst>
+                                          <p:attrName>style.visibility</p:attrName>
+                                        </p:attrNameLst>
+                                      </p:cBhvr>
+                                      <p:to>
+                                        <p:strVal val="visible"/>
+                                      </p:to>
+                                    </p:set>
+                                  </p:childTnLst>
+                                </p:cTn>
+                              </p:par>
+                            </p:childTnLst>
+                          </p:cTn>
+                        </p:par>
+                      </p:childTnLst>
+                    </p:cTn>
+                  </p:par>
+                </p:childTnLst>
+              </p:cTn>
+              <p:prevCondLst>
+                <p:cond evt="onPrev" delay="0">
+                  <p:tgtEl>
+                    <p:sldTgt/>
+                  </p:tgtEl>
+                </p:cond>
+              </p:prevCondLst>
+              <p:nextCondLst>
+                <p:cond evt="onNext" delay="0">
+                  <p:tgtEl>
+                    <p:sldTgt/>
+                  </p:tgtEl>
+                </p:cond>
+              </p:nextCondLst>
+            </p:seq>
+          </p:childTnLst>
+        </p:cTn>
+      </p:par>
+    </p:tnLst>
+  </p:timing>
 </p:sld>
 </file>
 
-<file path=ppt/slides/slide29.xml><?xml version="1.0" encoding="utf-8"?>
+<file path=ppt/slides/slide28.xml><?xml version="1.0" encoding="utf-8"?>
 <p:sld xmlns:a="http://schemas.openxmlformats.org/drawingml/2006/main" xmlns:r="http://schemas.openxmlformats.org/officeDocument/2006/relationships" xmlns:p="http://schemas.openxmlformats.org/presentationml/2006/main">
   <p:cSld>
     <p:spTree>
@@ -21998,6 +21788,161 @@
 </p:sld>
 </file>
 
+<file path=ppt/slides/slide29.xml><?xml version="1.0" encoding="utf-8"?>
+<p:sld xmlns:a="http://schemas.openxmlformats.org/drawingml/2006/main" xmlns:r="http://schemas.openxmlformats.org/officeDocument/2006/relationships" xmlns:p="http://schemas.openxmlformats.org/presentationml/2006/main">
+  <p:cSld>
+    <p:spTree>
+      <p:nvGrpSpPr>
+        <p:cNvPr id="1" name=""/>
+        <p:cNvGrpSpPr/>
+        <p:nvPr/>
+      </p:nvGrpSpPr>
+      <p:grpSpPr>
+        <a:xfrm>
+          <a:off x="0" y="0"/>
+          <a:ext cx="0" cy="0"/>
+          <a:chOff x="0" y="0"/>
+          <a:chExt cx="0" cy="0"/>
+        </a:xfrm>
+      </p:grpSpPr>
+      <p:sp>
+        <p:nvSpPr>
+          <p:cNvPr id="2" name="标题 1"/>
+          <p:cNvSpPr>
+            <a:spLocks noGrp="1"/>
+          </p:cNvSpPr>
+          <p:nvPr>
+            <p:ph type="title"/>
+          </p:nvPr>
+        </p:nvSpPr>
+        <p:spPr/>
+        <p:txBody>
+          <a:bodyPr>
+            <a:normAutofit/>
+          </a:bodyPr>
+          <a:lstStyle/>
+          <a:p>
+            <a:r>
+              <a:rPr kumimoji="1" lang="en-US" altLang="zh-CN" dirty="0"/>
+              <a:t>Binary Representation</a:t>
+            </a:r>
+            <a:endParaRPr kumimoji="1" lang="zh-CN" altLang="en-US" dirty="0"/>
+          </a:p>
+        </p:txBody>
+      </p:sp>
+      <p:sp>
+        <p:nvSpPr>
+          <p:cNvPr id="4" name="矩形 3"/>
+          <p:cNvSpPr/>
+          <p:nvPr/>
+        </p:nvSpPr>
+        <p:spPr>
+          <a:xfrm>
+            <a:off x="1902292" y="1858095"/>
+            <a:ext cx="6817892" cy="984885"/>
+          </a:xfrm>
+          <a:prstGeom prst="rect">
+            <a:avLst/>
+          </a:prstGeom>
+        </p:spPr>
+        <p:txBody>
+          <a:bodyPr wrap="none">
+            <a:spAutoFit/>
+          </a:bodyPr>
+          <a:lstStyle/>
+          <a:p>
+            <a:r>
+              <a:rPr lang="en-US" altLang="zh-CN" sz="2400" dirty="0">
+                <a:solidFill>
+                  <a:prstClr val="black"/>
+                </a:solidFill>
+                <a:latin typeface="Arial"/>
+                <a:cs typeface="Arial"/>
+              </a:rPr>
+              <a:t>(0.333333...)</a:t>
+            </a:r>
+            <a:r>
+              <a:rPr lang="en-US" altLang="zh-CN" sz="2400" baseline="-25000" dirty="0">
+                <a:solidFill>
+                  <a:prstClr val="black"/>
+                </a:solidFill>
+                <a:latin typeface="Arial"/>
+                <a:cs typeface="Arial"/>
+              </a:rPr>
+              <a:t>10 </a:t>
+            </a:r>
+            <a:r>
+              <a:rPr lang="en-US" altLang="zh-CN" sz="2400" dirty="0">
+                <a:solidFill>
+                  <a:prstClr val="black"/>
+                </a:solidFill>
+                <a:latin typeface="Arial"/>
+                <a:cs typeface="Arial"/>
+              </a:rPr>
+              <a:t>= 1 / 4 + 1 / 16 + 1 / 64 + ...</a:t>
+            </a:r>
+          </a:p>
+          <a:p>
+            <a:endParaRPr lang="en-US" altLang="zh-CN" sz="1000" dirty="0">
+              <a:solidFill>
+                <a:prstClr val="black"/>
+              </a:solidFill>
+              <a:latin typeface="Arial"/>
+              <a:cs typeface="Arial"/>
+            </a:endParaRPr>
+          </a:p>
+          <a:p>
+            <a:r>
+              <a:rPr lang="en-US" altLang="zh-CN" sz="2400" dirty="0">
+                <a:solidFill>
+                  <a:prstClr val="black"/>
+                </a:solidFill>
+                <a:latin typeface="Arial"/>
+                <a:cs typeface="Arial"/>
+              </a:rPr>
+              <a:t>				  = </a:t>
+            </a:r>
+            <a:r>
+              <a:rPr lang="en-US" altLang="zh-CN" sz="2400" dirty="0">
+                <a:latin typeface="Arial"/>
+                <a:cs typeface="Arial"/>
+              </a:rPr>
+              <a:t>(0.01010101...)</a:t>
+            </a:r>
+            <a:r>
+              <a:rPr lang="en-US" altLang="zh-CN" sz="2400" baseline="-25000" dirty="0">
+                <a:latin typeface="Arial"/>
+                <a:cs typeface="Arial"/>
+              </a:rPr>
+              <a:t>2</a:t>
+            </a:r>
+            <a:r>
+              <a:rPr lang="en-US" altLang="zh-CN" sz="2400" dirty="0">
+                <a:solidFill>
+                  <a:prstClr val="black"/>
+                </a:solidFill>
+                <a:latin typeface="Arial"/>
+                <a:cs typeface="Arial"/>
+              </a:rPr>
+              <a:t> 	  </a:t>
+            </a:r>
+            <a:endParaRPr lang="zh-CN" altLang="en-US" dirty="0"/>
+          </a:p>
+        </p:txBody>
+      </p:sp>
+    </p:spTree>
+    <p:extLst>
+      <p:ext uri="{BB962C8B-B14F-4D97-AF65-F5344CB8AC3E}">
+        <p14:creationId xmlns:p14="http://schemas.microsoft.com/office/powerpoint/2010/main" val="962772281"/>
+      </p:ext>
+    </p:extLst>
+  </p:cSld>
+  <p:clrMapOvr>
+    <a:masterClrMapping/>
+  </p:clrMapOvr>
+</p:sld>
+</file>
+
 <file path=ppt/slides/slide3.xml><?xml version="1.0" encoding="utf-8"?>
 <p:sld xmlns:a="http://schemas.openxmlformats.org/drawingml/2006/main" xmlns:r="http://schemas.openxmlformats.org/officeDocument/2006/relationships" xmlns:p="http://schemas.openxmlformats.org/presentationml/2006/main">
   <p:cSld>
@@ -22947,14 +22892,14 @@
                 <a:latin typeface="Arial"/>
                 <a:cs typeface="Arial"/>
               </a:rPr>
-              <a:t>7-1</a:t>
+              <a:t>7</a:t>
             </a:r>
             <a:r>
               <a:rPr lang="en-US" altLang="zh-CN" sz="2400" dirty="0">
                 <a:latin typeface="Arial"/>
                 <a:cs typeface="Arial"/>
               </a:rPr>
-              <a:t>= -127</a:t>
+              <a:t>-1= 127</a:t>
             </a:r>
           </a:p>
           <a:p>
@@ -22986,161 +22931,6 @@
 </file>
 
 <file path=ppt/slides/slide30.xml><?xml version="1.0" encoding="utf-8"?>
-<p:sld xmlns:a="http://schemas.openxmlformats.org/drawingml/2006/main" xmlns:r="http://schemas.openxmlformats.org/officeDocument/2006/relationships" xmlns:p="http://schemas.openxmlformats.org/presentationml/2006/main">
-  <p:cSld>
-    <p:spTree>
-      <p:nvGrpSpPr>
-        <p:cNvPr id="1" name=""/>
-        <p:cNvGrpSpPr/>
-        <p:nvPr/>
-      </p:nvGrpSpPr>
-      <p:grpSpPr>
-        <a:xfrm>
-          <a:off x="0" y="0"/>
-          <a:ext cx="0" cy="0"/>
-          <a:chOff x="0" y="0"/>
-          <a:chExt cx="0" cy="0"/>
-        </a:xfrm>
-      </p:grpSpPr>
-      <p:sp>
-        <p:nvSpPr>
-          <p:cNvPr id="2" name="标题 1"/>
-          <p:cNvSpPr>
-            <a:spLocks noGrp="1"/>
-          </p:cNvSpPr>
-          <p:nvPr>
-            <p:ph type="title"/>
-          </p:nvPr>
-        </p:nvSpPr>
-        <p:spPr/>
-        <p:txBody>
-          <a:bodyPr>
-            <a:normAutofit/>
-          </a:bodyPr>
-          <a:lstStyle/>
-          <a:p>
-            <a:r>
-              <a:rPr kumimoji="1" lang="en-US" altLang="zh-CN" dirty="0"/>
-              <a:t>Binary Representation</a:t>
-            </a:r>
-            <a:endParaRPr kumimoji="1" lang="zh-CN" altLang="en-US" dirty="0"/>
-          </a:p>
-        </p:txBody>
-      </p:sp>
-      <p:sp>
-        <p:nvSpPr>
-          <p:cNvPr id="4" name="矩形 3"/>
-          <p:cNvSpPr/>
-          <p:nvPr/>
-        </p:nvSpPr>
-        <p:spPr>
-          <a:xfrm>
-            <a:off x="1902292" y="1858095"/>
-            <a:ext cx="6817892" cy="984885"/>
-          </a:xfrm>
-          <a:prstGeom prst="rect">
-            <a:avLst/>
-          </a:prstGeom>
-        </p:spPr>
-        <p:txBody>
-          <a:bodyPr wrap="none">
-            <a:spAutoFit/>
-          </a:bodyPr>
-          <a:lstStyle/>
-          <a:p>
-            <a:r>
-              <a:rPr lang="en-US" altLang="zh-CN" sz="2400" dirty="0">
-                <a:solidFill>
-                  <a:prstClr val="black"/>
-                </a:solidFill>
-                <a:latin typeface="Arial"/>
-                <a:cs typeface="Arial"/>
-              </a:rPr>
-              <a:t>(0.333333...)</a:t>
-            </a:r>
-            <a:r>
-              <a:rPr lang="en-US" altLang="zh-CN" sz="2400" baseline="-25000" dirty="0">
-                <a:solidFill>
-                  <a:prstClr val="black"/>
-                </a:solidFill>
-                <a:latin typeface="Arial"/>
-                <a:cs typeface="Arial"/>
-              </a:rPr>
-              <a:t>10 </a:t>
-            </a:r>
-            <a:r>
-              <a:rPr lang="en-US" altLang="zh-CN" sz="2400" dirty="0">
-                <a:solidFill>
-                  <a:prstClr val="black"/>
-                </a:solidFill>
-                <a:latin typeface="Arial"/>
-                <a:cs typeface="Arial"/>
-              </a:rPr>
-              <a:t>= 1 / 4 + 1 / 16 + 1 / 64 + ...</a:t>
-            </a:r>
-          </a:p>
-          <a:p>
-            <a:endParaRPr lang="en-US" altLang="zh-CN" sz="1000" dirty="0">
-              <a:solidFill>
-                <a:prstClr val="black"/>
-              </a:solidFill>
-              <a:latin typeface="Arial"/>
-              <a:cs typeface="Arial"/>
-            </a:endParaRPr>
-          </a:p>
-          <a:p>
-            <a:r>
-              <a:rPr lang="en-US" altLang="zh-CN" sz="2400" dirty="0">
-                <a:solidFill>
-                  <a:prstClr val="black"/>
-                </a:solidFill>
-                <a:latin typeface="Arial"/>
-                <a:cs typeface="Arial"/>
-              </a:rPr>
-              <a:t>				  = </a:t>
-            </a:r>
-            <a:r>
-              <a:rPr lang="en-US" altLang="zh-CN" sz="2400" dirty="0">
-                <a:latin typeface="Arial"/>
-                <a:cs typeface="Arial"/>
-              </a:rPr>
-              <a:t>(0.01010101...)</a:t>
-            </a:r>
-            <a:r>
-              <a:rPr lang="en-US" altLang="zh-CN" sz="2400" baseline="-25000" dirty="0">
-                <a:latin typeface="Arial"/>
-                <a:cs typeface="Arial"/>
-              </a:rPr>
-              <a:t>2</a:t>
-            </a:r>
-            <a:r>
-              <a:rPr lang="en-US" altLang="zh-CN" sz="2400" dirty="0">
-                <a:solidFill>
-                  <a:prstClr val="black"/>
-                </a:solidFill>
-                <a:latin typeface="Arial"/>
-                <a:cs typeface="Arial"/>
-              </a:rPr>
-              <a:t> 	  </a:t>
-            </a:r>
-            <a:endParaRPr lang="zh-CN" altLang="en-US" dirty="0"/>
-          </a:p>
-        </p:txBody>
-      </p:sp>
-    </p:spTree>
-    <p:extLst>
-      <p:ext uri="{BB962C8B-B14F-4D97-AF65-F5344CB8AC3E}">
-        <p14:creationId xmlns:p14="http://schemas.microsoft.com/office/powerpoint/2010/main" val="962772281"/>
-      </p:ext>
-    </p:extLst>
-  </p:cSld>
-  <p:clrMapOvr>
-    <a:masterClrMapping/>
-  </p:clrMapOvr>
-</p:sld>
-</file>
-
-<file path=ppt/slides/slide31.xml><?xml version="1.0" encoding="utf-8"?>
 <p:sld xmlns:a="http://schemas.openxmlformats.org/drawingml/2006/main" xmlns:r="http://schemas.openxmlformats.org/officeDocument/2006/relationships" xmlns:p="http://schemas.openxmlformats.org/presentationml/2006/main">
   <p:cSld>
     <p:spTree>
@@ -23226,7 +23016,7 @@
               <a:graphicData uri="http://schemas.openxmlformats.org/presentationml/2006/ole">
                 <mc:AlternateContent xmlns:mc="http://schemas.openxmlformats.org/markup-compatibility/2006">
                   <mc:Choice xmlns:v="urn:schemas-microsoft-com:vml" Requires="v">
-                    <p:oleObj spid="_x0000_s14022" name="公式" r:id="rId3" imgW="774700" imgH="228600" progId="Equation.3">
+                    <p:oleObj spid="_x0000_s14100" name="公式" r:id="rId3" imgW="774700" imgH="228600" progId="Equation.3">
                       <p:embed/>
                     </p:oleObj>
                   </mc:Choice>
@@ -23277,7 +23067,7 @@
               <a:graphicData uri="http://schemas.openxmlformats.org/presentationml/2006/ole">
                 <mc:AlternateContent xmlns:mc="http://schemas.openxmlformats.org/markup-compatibility/2006">
                   <mc:Choice xmlns:v="urn:schemas-microsoft-com:vml" Requires="v">
-                    <p:oleObj spid="_x0000_s14023" name="公式" r:id="rId5" imgW="711200" imgH="228600" progId="Equation.3">
+                    <p:oleObj spid="_x0000_s14101" name="公式" r:id="rId5" imgW="711200" imgH="228600" progId="Equation.3">
                       <p:embed/>
                     </p:oleObj>
                   </mc:Choice>
@@ -24071,7 +23861,7 @@
           <a:graphicData uri="http://schemas.openxmlformats.org/presentationml/2006/ole">
             <mc:AlternateContent xmlns:mc="http://schemas.openxmlformats.org/markup-compatibility/2006">
               <mc:Choice xmlns:v="urn:schemas-microsoft-com:vml" Requires="v">
-                <p:oleObj spid="_x0000_s14024" name="公式" r:id="rId7" imgW="711200" imgH="482600" progId="Equation.3">
+                <p:oleObj spid="_x0000_s14102" name="公式" r:id="rId7" imgW="711200" imgH="482600" progId="Equation.3">
                   <p:embed/>
                 </p:oleObj>
               </mc:Choice>
@@ -24119,7 +23909,7 @@
 </p:sld>
 </file>
 
-<file path=ppt/slides/slide32.xml><?xml version="1.0" encoding="utf-8"?>
+<file path=ppt/slides/slide31.xml><?xml version="1.0" encoding="utf-8"?>
 <p:sld xmlns:a="http://schemas.openxmlformats.org/drawingml/2006/main" xmlns:r="http://schemas.openxmlformats.org/officeDocument/2006/relationships" xmlns:p="http://schemas.openxmlformats.org/presentationml/2006/main">
   <p:cSld>
     <p:spTree>
@@ -24263,8 +24053,8 @@
 </p:sld>
 </file>
 
-<file path=ppt/slides/slide33.xml><?xml version="1.0" encoding="utf-8"?>
-<p:sld xmlns:a="http://schemas.openxmlformats.org/drawingml/2006/main" xmlns:r="http://schemas.openxmlformats.org/officeDocument/2006/relationships" xmlns:p="http://schemas.openxmlformats.org/presentationml/2006/main" show="0">
+<file path=ppt/slides/slide32.xml><?xml version="1.0" encoding="utf-8"?>
+<p:sld xmlns:a="http://schemas.openxmlformats.org/drawingml/2006/main" xmlns:r="http://schemas.openxmlformats.org/officeDocument/2006/relationships" xmlns:p="http://schemas.openxmlformats.org/presentationml/2006/main">
   <p:cSld>
     <p:spTree>
       <p:nvGrpSpPr>
@@ -24443,7 +24233,7 @@
 </p:sld>
 </file>
 
-<file path=ppt/slides/slide34.xml><?xml version="1.0" encoding="utf-8"?>
+<file path=ppt/slides/slide33.xml><?xml version="1.0" encoding="utf-8"?>
 <p:sld xmlns:a="http://schemas.openxmlformats.org/drawingml/2006/main" xmlns:r="http://schemas.openxmlformats.org/officeDocument/2006/relationships" xmlns:p="http://schemas.openxmlformats.org/presentationml/2006/main">
   <p:cSld>
     <p:spTree>
@@ -25712,7 +25502,7 @@
 </p:sld>
 </file>
 
-<file path=ppt/slides/slide35.xml><?xml version="1.0" encoding="utf-8"?>
+<file path=ppt/slides/slide34.xml><?xml version="1.0" encoding="utf-8"?>
 <p:sld xmlns:a="http://schemas.openxmlformats.org/drawingml/2006/main" xmlns:r="http://schemas.openxmlformats.org/officeDocument/2006/relationships" xmlns:p="http://schemas.openxmlformats.org/presentationml/2006/main">
   <p:cSld>
     <p:spTree>
@@ -27021,7 +26811,7 @@
 </p:sld>
 </file>
 
-<file path=ppt/slides/slide36.xml><?xml version="1.0" encoding="utf-8"?>
+<file path=ppt/slides/slide35.xml><?xml version="1.0" encoding="utf-8"?>
 <p:sld xmlns:a="http://schemas.openxmlformats.org/drawingml/2006/main" xmlns:r="http://schemas.openxmlformats.org/officeDocument/2006/relationships" xmlns:p="http://schemas.openxmlformats.org/presentationml/2006/main">
   <p:cSld>
     <p:spTree>
@@ -28250,7 +28040,7 @@
               <a:graphicData uri="http://schemas.openxmlformats.org/presentationml/2006/ole">
                 <mc:AlternateContent xmlns:mc="http://schemas.openxmlformats.org/markup-compatibility/2006">
                   <mc:Choice xmlns:v="urn:schemas-microsoft-com:vml" Requires="v">
-                    <p:oleObj spid="_x0000_s17540" name="公式" r:id="rId3" imgW="152400" imgH="127000" progId="Equation.3">
+                    <p:oleObj spid="_x0000_s17592" name="公式" r:id="rId3" imgW="152400" imgH="127000" progId="Equation.3">
                       <p:embed/>
                     </p:oleObj>
                   </mc:Choice>
@@ -28363,7 +28153,7 @@
               <a:graphicData uri="http://schemas.openxmlformats.org/presentationml/2006/ole">
                 <mc:AlternateContent xmlns:mc="http://schemas.openxmlformats.org/markup-compatibility/2006">
                   <mc:Choice xmlns:v="urn:schemas-microsoft-com:vml" Requires="v">
-                    <p:oleObj spid="_x0000_s17541" name="公式" r:id="rId5" imgW="152400" imgH="127000" progId="Equation.3">
+                    <p:oleObj spid="_x0000_s17593" name="公式" r:id="rId5" imgW="152400" imgH="127000" progId="Equation.3">
                       <p:embed/>
                     </p:oleObj>
                   </mc:Choice>
@@ -28647,7 +28437,7 @@
 </p:sld>
 </file>
 
-<file path=ppt/slides/slide37.xml><?xml version="1.0" encoding="utf-8"?>
+<file path=ppt/slides/slide36.xml><?xml version="1.0" encoding="utf-8"?>
 <p:sld xmlns:a="http://schemas.openxmlformats.org/drawingml/2006/main" xmlns:r="http://schemas.openxmlformats.org/officeDocument/2006/relationships" xmlns:p="http://schemas.openxmlformats.org/presentationml/2006/main">
   <p:cSld>
     <p:spTree>
@@ -29852,7 +29642,7 @@
 </p:sld>
 </file>
 
-<file path=ppt/slides/slide38.xml><?xml version="1.0" encoding="utf-8"?>
+<file path=ppt/slides/slide37.xml><?xml version="1.0" encoding="utf-8"?>
 <p:sld xmlns:a="http://schemas.openxmlformats.org/drawingml/2006/main" xmlns:r="http://schemas.openxmlformats.org/officeDocument/2006/relationships" xmlns:p="http://schemas.openxmlformats.org/presentationml/2006/main">
   <p:cSld>
     <p:spTree>
@@ -30031,7 +29821,7 @@
               <a:graphicData uri="http://schemas.openxmlformats.org/presentationml/2006/ole">
                 <mc:AlternateContent xmlns:mc="http://schemas.openxmlformats.org/markup-compatibility/2006">
                   <mc:Choice xmlns:v="urn:schemas-microsoft-com:vml" Requires="v">
-                    <p:oleObj spid="_x0000_s14810" name="公式" r:id="rId3" imgW="152400" imgH="127000" progId="Equation.3">
+                    <p:oleObj spid="_x0000_s14862" name="公式" r:id="rId3" imgW="152400" imgH="127000" progId="Equation.3">
                       <p:embed/>
                     </p:oleObj>
                   </mc:Choice>
@@ -30126,7 +29916,7 @@
               <a:graphicData uri="http://schemas.openxmlformats.org/presentationml/2006/ole">
                 <mc:AlternateContent xmlns:mc="http://schemas.openxmlformats.org/markup-compatibility/2006">
                   <mc:Choice xmlns:v="urn:schemas-microsoft-com:vml" Requires="v">
-                    <p:oleObj spid="_x0000_s14811" name="公式" r:id="rId5" imgW="152400" imgH="127000" progId="Equation.3">
+                    <p:oleObj spid="_x0000_s14863" name="公式" r:id="rId5" imgW="152400" imgH="127000" progId="Equation.3">
                       <p:embed/>
                     </p:oleObj>
                   </mc:Choice>
@@ -31008,6 +30798,179 @@
 </p:sld>
 </file>
 
+<file path=ppt/slides/slide38.xml><?xml version="1.0" encoding="utf-8"?>
+<p:sld xmlns:a="http://schemas.openxmlformats.org/drawingml/2006/main" xmlns:r="http://schemas.openxmlformats.org/officeDocument/2006/relationships" xmlns:p="http://schemas.openxmlformats.org/presentationml/2006/main">
+  <p:cSld>
+    <p:spTree>
+      <p:nvGrpSpPr>
+        <p:cNvPr id="1" name=""/>
+        <p:cNvGrpSpPr/>
+        <p:nvPr/>
+      </p:nvGrpSpPr>
+      <p:grpSpPr>
+        <a:xfrm>
+          <a:off x="0" y="0"/>
+          <a:ext cx="0" cy="0"/>
+          <a:chOff x="0" y="0"/>
+          <a:chExt cx="0" cy="0"/>
+        </a:xfrm>
+      </p:grpSpPr>
+      <p:sp>
+        <p:nvSpPr>
+          <p:cNvPr id="2" name="标题 1"/>
+          <p:cNvSpPr>
+            <a:spLocks noGrp="1"/>
+          </p:cNvSpPr>
+          <p:nvPr>
+            <p:ph type="title"/>
+          </p:nvPr>
+        </p:nvSpPr>
+        <p:spPr/>
+        <p:txBody>
+          <a:bodyPr/>
+          <a:lstStyle/>
+          <a:p>
+            <a:r>
+              <a:rPr kumimoji="1" lang="en-US" altLang="zh-CN" dirty="0"/>
+              <a:t>Floating Point: decimal</a:t>
+            </a:r>
+            <a:endParaRPr kumimoji="1" lang="zh-CN" altLang="en-US" dirty="0"/>
+          </a:p>
+        </p:txBody>
+      </p:sp>
+      <p:sp>
+        <p:nvSpPr>
+          <p:cNvPr id="3" name="内容占位符 2"/>
+          <p:cNvSpPr>
+            <a:spLocks noGrp="1"/>
+          </p:cNvSpPr>
+          <p:nvPr>
+            <p:ph idx="1"/>
+          </p:nvPr>
+        </p:nvSpPr>
+        <p:spPr/>
+        <p:txBody>
+          <a:bodyPr/>
+          <a:lstStyle/>
+          <a:p>
+            <a:pPr marL="0" indent="0">
+              <a:buNone/>
+            </a:pPr>
+            <a:r>
+              <a:rPr kumimoji="1" lang="en-US" altLang="zh-CN" dirty="0"/>
+              <a:t>Based on exponential notation (aka normalized scientific notation)</a:t>
+            </a:r>
+            <a:endParaRPr kumimoji="1" lang="zh-CN" altLang="en-US" dirty="0"/>
+          </a:p>
+        </p:txBody>
+      </p:sp>
+      <p:sp>
+        <p:nvSpPr>
+          <p:cNvPr id="5" name="矩形 4"/>
+          <p:cNvSpPr/>
+          <p:nvPr/>
+        </p:nvSpPr>
+        <p:spPr>
+          <a:xfrm>
+            <a:off x="2039488" y="3012409"/>
+            <a:ext cx="8009984" cy="1302921"/>
+          </a:xfrm>
+          <a:prstGeom prst="rect">
+            <a:avLst/>
+          </a:prstGeom>
+        </p:spPr>
+        <p:txBody>
+          <a:bodyPr wrap="square">
+            <a:spAutoFit/>
+          </a:bodyPr>
+          <a:lstStyle/>
+          <a:p>
+            <a:r>
+              <a:rPr lang="en-US" altLang="zh-CN" sz="2800" dirty="0">
+                <a:latin typeface="Consolas"/>
+                <a:cs typeface="Consolas"/>
+              </a:rPr>
+              <a:t>r</a:t>
+            </a:r>
+            <a:r>
+              <a:rPr lang="en-US" altLang="zh-CN" sz="2800" baseline="-25000" dirty="0">
+                <a:latin typeface="Consolas"/>
+                <a:cs typeface="Consolas"/>
+              </a:rPr>
+              <a:t>10</a:t>
+            </a:r>
+            <a:r>
+              <a:rPr lang="en-US" altLang="zh-CN" sz="2800" dirty="0">
+                <a:latin typeface="Consolas"/>
+                <a:cs typeface="Consolas"/>
+              </a:rPr>
+              <a:t> = </a:t>
+            </a:r>
+            <a:r>
+              <a:rPr lang="en-US" altLang="zh-CN" sz="2800" u="sng" dirty="0">
+                <a:latin typeface="Consolas"/>
+                <a:cs typeface="Consolas"/>
+              </a:rPr>
+              <a:t>+</a:t>
+            </a:r>
+            <a:r>
+              <a:rPr lang="en-US" altLang="zh-CN" sz="2800" dirty="0">
+                <a:latin typeface="Consolas"/>
+                <a:cs typeface="Consolas"/>
+              </a:rPr>
+              <a:t>M * 10</a:t>
+            </a:r>
+            <a:r>
+              <a:rPr lang="en-US" altLang="zh-CN" sz="2800" baseline="30000" dirty="0">
+                <a:latin typeface="Consolas"/>
+                <a:cs typeface="Consolas"/>
+              </a:rPr>
+              <a:t>E</a:t>
+            </a:r>
+            <a:r>
+              <a:rPr lang="en-US" altLang="zh-CN" sz="2800" dirty="0">
+                <a:latin typeface="Consolas"/>
+                <a:cs typeface="Consolas"/>
+              </a:rPr>
+              <a:t>, where 1 &lt;= M &lt; 10</a:t>
+            </a:r>
+          </a:p>
+          <a:p>
+            <a:endParaRPr lang="en-US" altLang="zh-CN" sz="2800" u="sng" baseline="30000" dirty="0">
+              <a:latin typeface="Consolas"/>
+              <a:cs typeface="Consolas"/>
+            </a:endParaRPr>
+          </a:p>
+          <a:p>
+            <a:r>
+              <a:rPr lang="en-US" altLang="zh-CN" sz="2400" dirty="0">
+                <a:latin typeface="Arial"/>
+                <a:cs typeface="Arial"/>
+              </a:rPr>
+              <a:t>M: significant (mantissa), E: exponent</a:t>
+            </a:r>
+          </a:p>
+          <a:p>
+            <a:endParaRPr lang="en-US" altLang="zh-CN" sz="1200" baseline="-25000" dirty="0">
+              <a:latin typeface="Consolas"/>
+              <a:cs typeface="Consolas"/>
+            </a:endParaRPr>
+          </a:p>
+        </p:txBody>
+      </p:sp>
+    </p:spTree>
+    <p:extLst>
+      <p:ext uri="{BB962C8B-B14F-4D97-AF65-F5344CB8AC3E}">
+        <p14:creationId xmlns:p14="http://schemas.microsoft.com/office/powerpoint/2010/main" val="2063857310"/>
+      </p:ext>
+    </p:extLst>
+  </p:cSld>
+  <p:clrMapOvr>
+    <a:masterClrMapping/>
+  </p:clrMapOvr>
+</p:sld>
+</file>
+
 <file path=ppt/slides/slide39.xml><?xml version="1.0" encoding="utf-8"?>
 <p:sld xmlns:a="http://schemas.openxmlformats.org/drawingml/2006/main" xmlns:r="http://schemas.openxmlformats.org/officeDocument/2006/relationships" xmlns:p="http://schemas.openxmlformats.org/presentationml/2006/main">
   <p:cSld>
@@ -31058,9 +31021,16 @@
             <p:ph idx="1"/>
           </p:nvPr>
         </p:nvSpPr>
-        <p:spPr/>
-        <p:txBody>
-          <a:bodyPr/>
+        <p:spPr>
+          <a:xfrm>
+            <a:off x="1981200" y="1600201"/>
+            <a:ext cx="8229600" cy="487493"/>
+          </a:xfrm>
+        </p:spPr>
+        <p:txBody>
+          <a:bodyPr>
+            <a:normAutofit fontScale="92500" lnSpcReduction="10000"/>
+          </a:bodyPr>
           <a:lstStyle/>
           <a:p>
             <a:pPr marL="0" indent="0">
@@ -31068,7 +31038,7 @@
             </a:pPr>
             <a:r>
               <a:rPr kumimoji="1" lang="en-US" altLang="zh-CN" dirty="0"/>
-              <a:t>Based on exponential notation (aka normalized scientific notation)</a:t>
+              <a:t>Example:</a:t>
             </a:r>
             <a:endParaRPr kumimoji="1" lang="zh-CN" altLang="en-US" dirty="0"/>
           </a:p>
@@ -31082,8 +31052,8 @@
         </p:nvSpPr>
         <p:spPr>
           <a:xfrm>
-            <a:off x="2039488" y="3012409"/>
-            <a:ext cx="8009984" cy="1302921"/>
+            <a:off x="2050929" y="2216848"/>
+            <a:ext cx="8009984" cy="943848"/>
           </a:xfrm>
           <a:prstGeom prst="rect">
             <a:avLst/>
@@ -31096,57 +31066,22 @@
           <a:lstStyle/>
           <a:p>
             <a:r>
-              <a:rPr lang="en-US" altLang="zh-CN" sz="2800" dirty="0">
+              <a:rPr lang="en-US" altLang="zh-CN" sz="2400" dirty="0">
                 <a:latin typeface="Consolas"/>
                 <a:cs typeface="Consolas"/>
               </a:rPr>
-              <a:t>r</a:t>
-            </a:r>
-            <a:r>
-              <a:rPr lang="en-US" altLang="zh-CN" sz="2800" baseline="-25000" dirty="0">
+              <a:t>365.25 = 3.6525 * 10</a:t>
+            </a:r>
+            <a:r>
+              <a:rPr lang="en-US" altLang="zh-CN" sz="2400" baseline="30000" dirty="0">
                 <a:latin typeface="Consolas"/>
                 <a:cs typeface="Consolas"/>
               </a:rPr>
-              <a:t>10</a:t>
-            </a:r>
-            <a:r>
-              <a:rPr lang="en-US" altLang="zh-CN" sz="2800" dirty="0">
-                <a:latin typeface="Consolas"/>
-                <a:cs typeface="Consolas"/>
-              </a:rPr>
-              <a:t> = </a:t>
-            </a:r>
-            <a:r>
-              <a:rPr lang="en-US" altLang="zh-CN" sz="2800" u="sng" dirty="0">
-                <a:latin typeface="Consolas"/>
-                <a:cs typeface="Consolas"/>
-              </a:rPr>
-              <a:t>+</a:t>
-            </a:r>
-            <a:r>
-              <a:rPr lang="en-US" altLang="zh-CN" sz="2800" dirty="0">
-                <a:latin typeface="Consolas"/>
-                <a:cs typeface="Consolas"/>
-              </a:rPr>
-              <a:t>M * 10</a:t>
-            </a:r>
-            <a:r>
-              <a:rPr lang="en-US" altLang="zh-CN" sz="2800" baseline="30000" dirty="0">
-                <a:latin typeface="Consolas"/>
-                <a:cs typeface="Consolas"/>
-              </a:rPr>
-              <a:t>E</a:t>
-            </a:r>
-            <a:r>
-              <a:rPr lang="en-US" altLang="zh-CN" sz="2800" dirty="0">
-                <a:latin typeface="Consolas"/>
-                <a:cs typeface="Consolas"/>
-              </a:rPr>
-              <a:t>, where 1 &lt;= M &lt; 10</a:t>
-            </a:r>
-          </a:p>
-          <a:p>
-            <a:endParaRPr lang="en-US" altLang="zh-CN" sz="2800" u="sng" baseline="30000" dirty="0">
+              <a:t>2</a:t>
+            </a:r>
+          </a:p>
+          <a:p>
+            <a:endParaRPr lang="en-US" altLang="zh-CN" sz="1100" baseline="-25000" dirty="0">
               <a:latin typeface="Consolas"/>
               <a:cs typeface="Consolas"/>
             </a:endParaRPr>
@@ -31154,30 +31089,229 @@
           <a:p>
             <a:r>
               <a:rPr lang="en-US" altLang="zh-CN" sz="2400" dirty="0">
-                <a:latin typeface="Arial"/>
-                <a:cs typeface="Arial"/>
-              </a:rPr>
-              <a:t>M: significant (mantissa), E: exponent</a:t>
-            </a:r>
-          </a:p>
-          <a:p>
-            <a:endParaRPr lang="en-US" altLang="zh-CN" sz="1200" baseline="-25000" dirty="0">
+                <a:latin typeface="Consolas"/>
+                <a:cs typeface="Consolas"/>
+              </a:rPr>
+              <a:t>0.0123 = 1.23 * 10</a:t>
+            </a:r>
+            <a:r>
+              <a:rPr lang="en-US" altLang="zh-CN" sz="2400" baseline="30000" dirty="0">
+                <a:latin typeface="Consolas"/>
+                <a:cs typeface="Consolas"/>
+              </a:rPr>
+              <a:t>-2</a:t>
+            </a:r>
+            <a:endParaRPr lang="zh-CN" altLang="en-US" sz="2400" baseline="30000" dirty="0">
               <a:latin typeface="Consolas"/>
               <a:cs typeface="Consolas"/>
             </a:endParaRPr>
           </a:p>
         </p:txBody>
       </p:sp>
+      <p:sp>
+        <p:nvSpPr>
+          <p:cNvPr id="6" name="矩形 5"/>
+          <p:cNvSpPr/>
+          <p:nvPr/>
+        </p:nvSpPr>
+        <p:spPr>
+          <a:xfrm>
+            <a:off x="2417676" y="3888586"/>
+            <a:ext cx="6294737" cy="830997"/>
+          </a:xfrm>
+          <a:prstGeom prst="rect">
+            <a:avLst/>
+          </a:prstGeom>
+        </p:spPr>
+        <p:txBody>
+          <a:bodyPr wrap="none">
+            <a:spAutoFit/>
+          </a:bodyPr>
+          <a:lstStyle/>
+          <a:p>
+            <a:r>
+              <a:rPr kumimoji="1" lang="en-US" altLang="zh-CN" sz="2400" dirty="0">
+                <a:cs typeface="Arial"/>
+              </a:rPr>
+              <a:t>Decimal point </a:t>
+            </a:r>
+            <a:r>
+              <a:rPr kumimoji="1" lang="en-US" altLang="zh-CN" sz="2400" b="1" dirty="0">
+                <a:cs typeface="Arial"/>
+              </a:rPr>
+              <a:t>floats</a:t>
+            </a:r>
+            <a:r>
+              <a:rPr kumimoji="1" lang="en-US" altLang="zh-CN" sz="2400" dirty="0">
+                <a:cs typeface="Arial"/>
+              </a:rPr>
+              <a:t> to the position immediately </a:t>
+            </a:r>
+          </a:p>
+          <a:p>
+            <a:r>
+              <a:rPr kumimoji="1" lang="en-US" altLang="zh-CN" sz="2400" dirty="0">
+                <a:cs typeface="Arial"/>
+              </a:rPr>
+              <a:t>after the first nonzero digit.</a:t>
+            </a:r>
+            <a:endParaRPr lang="zh-CN" altLang="en-US" sz="2400" dirty="0">
+              <a:cs typeface="Arial"/>
+            </a:endParaRPr>
+          </a:p>
+        </p:txBody>
+      </p:sp>
+      <p:pic>
+        <p:nvPicPr>
+          <p:cNvPr id="7" name="图片 6"/>
+          <p:cNvPicPr>
+            <a:picLocks noChangeAspect="1"/>
+          </p:cNvPicPr>
+          <p:nvPr/>
+        </p:nvPicPr>
+        <p:blipFill>
+          <a:blip r:embed="rId2"/>
+          <a:stretch>
+            <a:fillRect/>
+          </a:stretch>
+        </p:blipFill>
+        <p:spPr>
+          <a:xfrm>
+            <a:off x="2202529" y="3272309"/>
+            <a:ext cx="430293" cy="407804"/>
+          </a:xfrm>
+          <a:prstGeom prst="rect">
+            <a:avLst/>
+          </a:prstGeom>
+        </p:spPr>
+      </p:pic>
     </p:spTree>
     <p:extLst>
       <p:ext uri="{BB962C8B-B14F-4D97-AF65-F5344CB8AC3E}">
-        <p14:creationId xmlns:p14="http://schemas.microsoft.com/office/powerpoint/2010/main" val="2063857310"/>
+        <p14:creationId xmlns:p14="http://schemas.microsoft.com/office/powerpoint/2010/main" val="1411559615"/>
       </p:ext>
     </p:extLst>
   </p:cSld>
   <p:clrMapOvr>
     <a:masterClrMapping/>
   </p:clrMapOvr>
+  <p:timing>
+    <p:tnLst>
+      <p:par>
+        <p:cTn id="1" dur="indefinite" restart="never" nodeType="tmRoot">
+          <p:childTnLst>
+            <p:seq concurrent="1" nextAc="seek">
+              <p:cTn id="2" dur="indefinite" nodeType="mainSeq">
+                <p:childTnLst>
+                  <p:par>
+                    <p:cTn id="3" fill="hold">
+                      <p:stCondLst>
+                        <p:cond delay="indefinite"/>
+                      </p:stCondLst>
+                      <p:childTnLst>
+                        <p:par>
+                          <p:cTn id="4" fill="hold">
+                            <p:stCondLst>
+                              <p:cond delay="0"/>
+                            </p:stCondLst>
+                            <p:childTnLst>
+                              <p:par>
+                                <p:cTn id="5" presetID="0" presetClass="path" presetSubtype="0" accel="50000" decel="50000" fill="hold" nodeType="clickEffect">
+                                  <p:stCondLst>
+                                    <p:cond delay="0"/>
+                                  </p:stCondLst>
+                                  <p:childTnLst>
+                                    <p:animMotion origin="layout" path="M -5.07903E-6 -2.36927E-6 L 0.15164 0.00208 " pathEditMode="relative" ptsTypes="AA">
+                                      <p:cBhvr>
+                                        <p:cTn id="6" dur="2000" fill="hold"/>
+                                        <p:tgtEl>
+                                          <p:spTgt spid="7"/>
+                                        </p:tgtEl>
+                                        <p:attrNameLst>
+                                          <p:attrName>ppt_x</p:attrName>
+                                          <p:attrName>ppt_y</p:attrName>
+                                        </p:attrNameLst>
+                                      </p:cBhvr>
+                                    </p:animMotion>
+                                  </p:childTnLst>
+                                </p:cTn>
+                              </p:par>
+                            </p:childTnLst>
+                          </p:cTn>
+                        </p:par>
+                      </p:childTnLst>
+                    </p:cTn>
+                  </p:par>
+                  <p:par>
+                    <p:cTn id="7" fill="hold">
+                      <p:stCondLst>
+                        <p:cond delay="indefinite"/>
+                      </p:stCondLst>
+                      <p:childTnLst>
+                        <p:par>
+                          <p:cTn id="8" fill="hold">
+                            <p:stCondLst>
+                              <p:cond delay="0"/>
+                            </p:stCondLst>
+                            <p:childTnLst>
+                              <p:par>
+                                <p:cTn id="9" presetID="1" presetClass="entr" presetSubtype="0" fill="hold" grpId="0" nodeType="clickEffect">
+                                  <p:stCondLst>
+                                    <p:cond delay="0"/>
+                                  </p:stCondLst>
+                                  <p:childTnLst>
+                                    <p:set>
+                                      <p:cBhvr>
+                                        <p:cTn id="10" dur="1" fill="hold">
+                                          <p:stCondLst>
+                                            <p:cond delay="0"/>
+                                          </p:stCondLst>
+                                        </p:cTn>
+                                        <p:tgtEl>
+                                          <p:spTgt spid="6"/>
+                                        </p:tgtEl>
+                                        <p:attrNameLst>
+                                          <p:attrName>style.visibility</p:attrName>
+                                        </p:attrNameLst>
+                                      </p:cBhvr>
+                                      <p:to>
+                                        <p:strVal val="visible"/>
+                                      </p:to>
+                                    </p:set>
+                                  </p:childTnLst>
+                                </p:cTn>
+                              </p:par>
+                            </p:childTnLst>
+                          </p:cTn>
+                        </p:par>
+                      </p:childTnLst>
+                    </p:cTn>
+                  </p:par>
+                </p:childTnLst>
+              </p:cTn>
+              <p:prevCondLst>
+                <p:cond evt="onPrev" delay="0">
+                  <p:tgtEl>
+                    <p:sldTgt/>
+                  </p:tgtEl>
+                </p:cond>
+              </p:prevCondLst>
+              <p:nextCondLst>
+                <p:cond evt="onNext" delay="0">
+                  <p:tgtEl>
+                    <p:sldTgt/>
+                  </p:tgtEl>
+                </p:cond>
+              </p:nextCondLst>
+            </p:seq>
+          </p:childTnLst>
+        </p:cTn>
+      </p:par>
+    </p:tnLst>
+    <p:bldLst>
+      <p:bldP spid="6" grpId="0"/>
+    </p:bldLst>
+  </p:timing>
 </p:sld>
 </file>
 
@@ -31235,10 +31369,10 @@
         </p:nvGrpSpPr>
         <p:grpSpPr>
           <a:xfrm>
-            <a:off x="839859" y="1520797"/>
-            <a:ext cx="1767695" cy="994719"/>
-            <a:chOff x="839859" y="1520797"/>
-            <a:chExt cx="1767695" cy="994719"/>
+            <a:off x="865664" y="1629205"/>
+            <a:ext cx="1767695" cy="750755"/>
+            <a:chOff x="865664" y="1629205"/>
+            <a:chExt cx="1767695" cy="750755"/>
           </a:xfrm>
         </p:grpSpPr>
         <p:sp>
@@ -31255,7 +31389,7 @@
           </p:nvSpPr>
           <p:spPr>
             <a:xfrm>
-              <a:off x="839859" y="1883035"/>
+              <a:off x="865664" y="1629205"/>
               <a:ext cx="1767695" cy="632481"/>
             </a:xfrm>
             <a:prstGeom prst="rect">
@@ -31312,7 +31446,7 @@
           </p:nvSpPr>
           <p:spPr>
             <a:xfrm>
-              <a:off x="1416908" y="1520797"/>
+              <a:off x="1449859" y="2010628"/>
               <a:ext cx="716863" cy="369332"/>
             </a:xfrm>
             <a:prstGeom prst="rect">
@@ -31399,7 +31533,7 @@
         </p:nvSpPr>
         <p:spPr>
           <a:xfrm>
-            <a:off x="5474044" y="1531830"/>
+            <a:off x="5432855" y="1873877"/>
             <a:ext cx="787395" cy="369332"/>
           </a:xfrm>
           <a:prstGeom prst="rect">
@@ -31446,7 +31580,7 @@
         </p:nvSpPr>
         <p:spPr>
           <a:xfrm>
-            <a:off x="5523072" y="1883034"/>
+            <a:off x="5488942" y="1502538"/>
             <a:ext cx="943632" cy="632481"/>
           </a:xfrm>
           <a:prstGeom prst="rect">
@@ -32561,7 +32695,7 @@
           <a:p>
             <a:r>
               <a:rPr kumimoji="1" lang="en-US" altLang="zh-CN" dirty="0"/>
-              <a:t>Floating Point: decimal</a:t>
+              <a:t>Floating Point: binary</a:t>
             </a:r>
             <a:endParaRPr kumimoji="1" lang="zh-CN" altLang="en-US" dirty="0"/>
           </a:p>
@@ -32577,16 +32711,9 @@
             <p:ph idx="1"/>
           </p:nvPr>
         </p:nvSpPr>
-        <p:spPr>
-          <a:xfrm>
-            <a:off x="1981200" y="1600201"/>
-            <a:ext cx="8229600" cy="487493"/>
-          </a:xfrm>
-        </p:spPr>
-        <p:txBody>
-          <a:bodyPr>
-            <a:normAutofit fontScale="92500" lnSpcReduction="10000"/>
-          </a:bodyPr>
+        <p:spPr/>
+        <p:txBody>
+          <a:bodyPr/>
           <a:lstStyle/>
           <a:p>
             <a:pPr marL="0" indent="0">
@@ -32594,7 +32721,7 @@
             </a:pPr>
             <a:r>
               <a:rPr kumimoji="1" lang="en-US" altLang="zh-CN" dirty="0"/>
-              <a:t>Example:</a:t>
+              <a:t>Binary exponential representation</a:t>
             </a:r>
             <a:endParaRPr kumimoji="1" lang="zh-CN" altLang="en-US" dirty="0"/>
           </a:p>
@@ -32602,14 +32729,14 @@
       </p:sp>
       <p:sp>
         <p:nvSpPr>
-          <p:cNvPr id="5" name="矩形 4"/>
+          <p:cNvPr id="10" name="矩形 9"/>
           <p:cNvSpPr/>
           <p:nvPr/>
         </p:nvSpPr>
         <p:spPr>
           <a:xfrm>
-            <a:off x="2050929" y="2216848"/>
-            <a:ext cx="8009984" cy="943848"/>
+            <a:off x="2016606" y="4620621"/>
+            <a:ext cx="8009984" cy="574516"/>
           </a:xfrm>
           <a:prstGeom prst="rect">
             <a:avLst/>
@@ -32626,15 +32753,68 @@
                 <a:latin typeface="Consolas"/>
                 <a:cs typeface="Consolas"/>
               </a:rPr>
-              <a:t>365.25 = 3.6525 * 10</a:t>
-            </a:r>
-            <a:r>
-              <a:rPr lang="en-US" altLang="zh-CN" sz="2400" baseline="30000" dirty="0">
+              <a:t>(5.5)</a:t>
+            </a:r>
+            <a:r>
+              <a:rPr lang="en-US" altLang="zh-CN" sz="2400" baseline="-25000" dirty="0">
                 <a:latin typeface="Consolas"/>
                 <a:cs typeface="Consolas"/>
               </a:rPr>
+              <a:t>10</a:t>
+            </a:r>
+            <a:r>
+              <a:rPr lang="en-US" altLang="zh-CN" sz="2400" dirty="0">
+                <a:latin typeface="Consolas"/>
+                <a:cs typeface="Consolas"/>
+              </a:rPr>
+              <a:t> = </a:t>
+            </a:r>
+            <a:r>
+              <a:rPr lang="en-US" altLang="zh-CN" sz="2400" dirty="0">
+                <a:latin typeface="Arial"/>
+                <a:cs typeface="Arial"/>
+              </a:rPr>
+              <a:t>(101.1)</a:t>
+            </a:r>
+            <a:r>
+              <a:rPr lang="en-US" altLang="zh-CN" sz="2400" baseline="-25000" dirty="0">
+                <a:latin typeface="Arial"/>
+                <a:cs typeface="Arial"/>
+              </a:rPr>
+              <a:t>2 </a:t>
+            </a:r>
+            <a:r>
+              <a:rPr lang="en-US" altLang="zh-CN" sz="2400" dirty="0">
+                <a:latin typeface="Arial"/>
+                <a:cs typeface="Arial"/>
+              </a:rPr>
+              <a:t> = (1.011)</a:t>
+            </a:r>
+            <a:r>
+              <a:rPr lang="en-US" altLang="zh-CN" sz="2400" baseline="-25000" dirty="0">
+                <a:latin typeface="Arial"/>
+                <a:cs typeface="Arial"/>
+              </a:rPr>
+              <a:t>2 </a:t>
+            </a:r>
+            <a:r>
+              <a:rPr lang="en-US" altLang="zh-CN" sz="2400" dirty="0">
+                <a:latin typeface="Arial"/>
+                <a:cs typeface="Arial"/>
+              </a:rPr>
+              <a:t>* 2</a:t>
+            </a:r>
+            <a:r>
+              <a:rPr lang="en-US" altLang="zh-CN" sz="2400" baseline="30000" dirty="0">
+                <a:latin typeface="Arial"/>
+                <a:cs typeface="Arial"/>
+              </a:rPr>
               <a:t>2</a:t>
             </a:r>
+            <a:endParaRPr lang="en-US" altLang="zh-CN" sz="2400" baseline="30000" dirty="0">
+              <a:latin typeface="Consolas"/>
+              <a:cs typeface="Consolas"/>
+            </a:endParaRPr>
           </a:p>
           <a:p>
             <a:endParaRPr lang="en-US" altLang="zh-CN" sz="1100" baseline="-25000" dirty="0">
@@ -32642,232 +32822,189 @@
               <a:cs typeface="Consolas"/>
             </a:endParaRPr>
           </a:p>
-          <a:p>
-            <a:r>
-              <a:rPr lang="en-US" altLang="zh-CN" sz="2400" dirty="0">
-                <a:latin typeface="Consolas"/>
-                <a:cs typeface="Consolas"/>
-              </a:rPr>
-              <a:t>0.0123 = 1.23 * 10</a:t>
-            </a:r>
-            <a:r>
-              <a:rPr lang="en-US" altLang="zh-CN" sz="2400" baseline="30000" dirty="0">
-                <a:latin typeface="Consolas"/>
-                <a:cs typeface="Consolas"/>
-              </a:rPr>
-              <a:t>-2</a:t>
-            </a:r>
-            <a:endParaRPr lang="zh-CN" altLang="en-US" sz="2400" baseline="30000" dirty="0">
-              <a:latin typeface="Consolas"/>
-              <a:cs typeface="Consolas"/>
-            </a:endParaRPr>
-          </a:p>
-        </p:txBody>
-      </p:sp>
-      <p:sp>
-        <p:nvSpPr>
-          <p:cNvPr id="6" name="矩形 5"/>
+        </p:txBody>
+      </p:sp>
+      <p:sp>
+        <p:nvSpPr>
+          <p:cNvPr id="11" name="矩形 10"/>
           <p:cNvSpPr/>
           <p:nvPr/>
         </p:nvSpPr>
         <p:spPr>
           <a:xfrm>
-            <a:off x="2417676" y="3888586"/>
-            <a:ext cx="6294737" cy="830997"/>
+            <a:off x="2039488" y="2269413"/>
+            <a:ext cx="8009984" cy="1856918"/>
           </a:xfrm>
           <a:prstGeom prst="rect">
             <a:avLst/>
           </a:prstGeom>
         </p:spPr>
         <p:txBody>
-          <a:bodyPr wrap="none">
+          <a:bodyPr wrap="square">
             <a:spAutoFit/>
           </a:bodyPr>
           <a:lstStyle/>
           <a:p>
             <a:r>
-              <a:rPr kumimoji="1" lang="en-US" altLang="zh-CN" sz="2400" dirty="0">
+              <a:rPr lang="en-US" altLang="zh-CN" sz="2800" u="sng" dirty="0">
+                <a:latin typeface="Consolas"/>
+                <a:cs typeface="Consolas"/>
+              </a:rPr>
+              <a:t>+</a:t>
+            </a:r>
+            <a:r>
+              <a:rPr lang="en-US" altLang="zh-CN" sz="2800" dirty="0">
+                <a:latin typeface="Consolas"/>
+                <a:cs typeface="Consolas"/>
+              </a:rPr>
+              <a:t>M * 2</a:t>
+            </a:r>
+            <a:r>
+              <a:rPr lang="en-US" altLang="zh-CN" sz="2800" baseline="30000" dirty="0">
+                <a:latin typeface="Consolas"/>
+                <a:cs typeface="Consolas"/>
+              </a:rPr>
+              <a:t>E</a:t>
+            </a:r>
+            <a:r>
+              <a:rPr lang="en-US" altLang="zh-CN" sz="2800" dirty="0">
+                <a:latin typeface="Consolas"/>
+                <a:cs typeface="Consolas"/>
+              </a:rPr>
+              <a:t>, where 1 &lt;= M &lt; 2</a:t>
+            </a:r>
+          </a:p>
+          <a:p>
+            <a:endParaRPr lang="en-US" altLang="zh-CN" sz="1600" u="sng" baseline="30000" dirty="0">
+              <a:latin typeface="Consolas"/>
+              <a:cs typeface="Consolas"/>
+            </a:endParaRPr>
+          </a:p>
+          <a:p>
+            <a:r>
+              <a:rPr lang="en-US" altLang="zh-CN" sz="2400" dirty="0">
+                <a:latin typeface="Arial"/>
                 <a:cs typeface="Arial"/>
               </a:rPr>
-              <a:t>Decimal point </a:t>
-            </a:r>
-            <a:r>
-              <a:rPr kumimoji="1" lang="en-US" altLang="zh-CN" sz="2400" b="1" dirty="0">
+              <a:t>M</a:t>
+            </a:r>
+            <a:r>
+              <a:rPr lang="en-US" altLang="zh-CN" sz="2800" dirty="0">
+                <a:latin typeface="Consolas"/>
+                <a:cs typeface="Consolas"/>
+              </a:rPr>
+              <a:t> = ( 1.b</a:t>
+            </a:r>
+            <a:r>
+              <a:rPr lang="en-US" altLang="zh-CN" sz="2800" baseline="-25000" dirty="0">
+                <a:latin typeface="Consolas"/>
+                <a:cs typeface="Consolas"/>
+              </a:rPr>
+              <a:t>1</a:t>
+            </a:r>
+            <a:r>
+              <a:rPr lang="en-US" altLang="zh-CN" sz="2800" dirty="0">
+                <a:latin typeface="Consolas"/>
+                <a:cs typeface="Consolas"/>
+              </a:rPr>
+              <a:t>b</a:t>
+            </a:r>
+            <a:r>
+              <a:rPr lang="en-US" altLang="zh-CN" sz="2800" baseline="-25000" dirty="0">
+                <a:latin typeface="Consolas"/>
+                <a:cs typeface="Consolas"/>
+              </a:rPr>
+              <a:t>2</a:t>
+            </a:r>
+            <a:r>
+              <a:rPr lang="en-US" altLang="zh-CN" sz="2800" dirty="0">
+                <a:latin typeface="Consolas"/>
+                <a:cs typeface="Consolas"/>
+              </a:rPr>
+              <a:t>b</a:t>
+            </a:r>
+            <a:r>
+              <a:rPr lang="en-US" altLang="zh-CN" sz="2800" baseline="-25000" dirty="0">
+                <a:latin typeface="Consolas"/>
+                <a:cs typeface="Consolas"/>
+              </a:rPr>
+              <a:t>3</a:t>
+            </a:r>
+            <a:r>
+              <a:rPr lang="mr-IN" altLang="zh-CN" sz="2800" dirty="0">
+                <a:latin typeface="Consolas"/>
+                <a:cs typeface="Consolas"/>
+              </a:rPr>
+              <a:t>…</a:t>
+            </a:r>
+            <a:r>
+              <a:rPr lang="en-US" altLang="zh-CN" sz="2800" dirty="0">
+                <a:latin typeface="Consolas"/>
+                <a:cs typeface="Consolas"/>
+              </a:rPr>
+              <a:t>b</a:t>
+            </a:r>
+            <a:r>
+              <a:rPr lang="en-US" altLang="zh-CN" sz="2800" baseline="-25000" dirty="0">
+                <a:latin typeface="Consolas"/>
+                <a:cs typeface="Consolas"/>
+              </a:rPr>
+              <a:t>n </a:t>
+            </a:r>
+            <a:r>
+              <a:rPr lang="en-US" altLang="zh-CN" sz="2800" dirty="0">
+                <a:latin typeface="Consolas"/>
+                <a:cs typeface="Consolas"/>
+              </a:rPr>
+              <a:t>)</a:t>
+            </a:r>
+            <a:r>
+              <a:rPr lang="en-US" altLang="zh-CN" sz="2800" baseline="-25000" dirty="0">
+                <a:latin typeface="Consolas"/>
+                <a:cs typeface="Consolas"/>
+              </a:rPr>
+              <a:t>2</a:t>
+            </a:r>
+          </a:p>
+          <a:p>
+            <a:endParaRPr lang="en-US" altLang="zh-CN" sz="1600" baseline="-25000" dirty="0">
+              <a:latin typeface="Consolas"/>
+              <a:cs typeface="Consolas"/>
+            </a:endParaRPr>
+          </a:p>
+          <a:p>
+            <a:endParaRPr lang="en-US" altLang="zh-CN" sz="800" u="sng" baseline="-25000" dirty="0">
+              <a:latin typeface="Consolas"/>
+              <a:cs typeface="Consolas"/>
+            </a:endParaRPr>
+          </a:p>
+          <a:p>
+            <a:r>
+              <a:rPr lang="en-US" altLang="zh-CN" sz="2400" dirty="0">
+                <a:latin typeface="Arial"/>
                 <a:cs typeface="Arial"/>
               </a:rPr>
-              <a:t>floats</a:t>
-            </a:r>
-            <a:r>
-              <a:rPr kumimoji="1" lang="en-US" altLang="zh-CN" sz="2400" dirty="0">
-                <a:cs typeface="Arial"/>
-              </a:rPr>
-              <a:t> to the position immediately </a:t>
-            </a:r>
-          </a:p>
-          <a:p>
-            <a:r>
-              <a:rPr kumimoji="1" lang="en-US" altLang="zh-CN" sz="2400" dirty="0">
-                <a:cs typeface="Arial"/>
-              </a:rPr>
-              <a:t>after the first nonzero digit.</a:t>
-            </a:r>
-            <a:endParaRPr lang="zh-CN" altLang="en-US" sz="2400" dirty="0">
-              <a:cs typeface="Arial"/>
+              <a:t>M: significant, E: exponent</a:t>
+            </a:r>
+          </a:p>
+          <a:p>
+            <a:endParaRPr lang="en-US" altLang="zh-CN" sz="1200" baseline="-25000" dirty="0">
+              <a:latin typeface="Consolas"/>
+              <a:cs typeface="Consolas"/>
             </a:endParaRPr>
           </a:p>
         </p:txBody>
       </p:sp>
-      <p:pic>
-        <p:nvPicPr>
-          <p:cNvPr id="7" name="图片 6"/>
-          <p:cNvPicPr>
-            <a:picLocks noChangeAspect="1"/>
-          </p:cNvPicPr>
-          <p:nvPr/>
-        </p:nvPicPr>
-        <p:blipFill>
-          <a:blip r:embed="rId2"/>
-          <a:stretch>
-            <a:fillRect/>
-          </a:stretch>
-        </p:blipFill>
-        <p:spPr>
-          <a:xfrm>
-            <a:off x="2202529" y="3272309"/>
-            <a:ext cx="430293" cy="407804"/>
-          </a:xfrm>
-          <a:prstGeom prst="rect">
-            <a:avLst/>
-          </a:prstGeom>
-        </p:spPr>
-      </p:pic>
     </p:spTree>
     <p:extLst>
       <p:ext uri="{BB962C8B-B14F-4D97-AF65-F5344CB8AC3E}">
-        <p14:creationId xmlns:p14="http://schemas.microsoft.com/office/powerpoint/2010/main" val="1411559615"/>
+        <p14:creationId xmlns:p14="http://schemas.microsoft.com/office/powerpoint/2010/main" val="1263422766"/>
       </p:ext>
     </p:extLst>
   </p:cSld>
   <p:clrMapOvr>
     <a:masterClrMapping/>
   </p:clrMapOvr>
-  <p:timing>
-    <p:tnLst>
-      <p:par>
-        <p:cTn id="1" dur="indefinite" restart="never" nodeType="tmRoot">
-          <p:childTnLst>
-            <p:seq concurrent="1" nextAc="seek">
-              <p:cTn id="2" dur="indefinite" nodeType="mainSeq">
-                <p:childTnLst>
-                  <p:par>
-                    <p:cTn id="3" fill="hold">
-                      <p:stCondLst>
-                        <p:cond delay="indefinite"/>
-                      </p:stCondLst>
-                      <p:childTnLst>
-                        <p:par>
-                          <p:cTn id="4" fill="hold">
-                            <p:stCondLst>
-                              <p:cond delay="0"/>
-                            </p:stCondLst>
-                            <p:childTnLst>
-                              <p:par>
-                                <p:cTn id="5" presetID="0" presetClass="path" presetSubtype="0" accel="50000" decel="50000" fill="hold" nodeType="clickEffect">
-                                  <p:stCondLst>
-                                    <p:cond delay="0"/>
-                                  </p:stCondLst>
-                                  <p:childTnLst>
-                                    <p:animMotion origin="layout" path="M -5.07903E-6 -2.36927E-6 L 0.15164 0.00208 " pathEditMode="relative" ptsTypes="AA">
-                                      <p:cBhvr>
-                                        <p:cTn id="6" dur="2000" fill="hold"/>
-                                        <p:tgtEl>
-                                          <p:spTgt spid="7"/>
-                                        </p:tgtEl>
-                                        <p:attrNameLst>
-                                          <p:attrName>ppt_x</p:attrName>
-                                          <p:attrName>ppt_y</p:attrName>
-                                        </p:attrNameLst>
-                                      </p:cBhvr>
-                                    </p:animMotion>
-                                  </p:childTnLst>
-                                </p:cTn>
-                              </p:par>
-                            </p:childTnLst>
-                          </p:cTn>
-                        </p:par>
-                      </p:childTnLst>
-                    </p:cTn>
-                  </p:par>
-                  <p:par>
-                    <p:cTn id="7" fill="hold">
-                      <p:stCondLst>
-                        <p:cond delay="indefinite"/>
-                      </p:stCondLst>
-                      <p:childTnLst>
-                        <p:par>
-                          <p:cTn id="8" fill="hold">
-                            <p:stCondLst>
-                              <p:cond delay="0"/>
-                            </p:stCondLst>
-                            <p:childTnLst>
-                              <p:par>
-                                <p:cTn id="9" presetID="1" presetClass="entr" presetSubtype="0" fill="hold" grpId="0" nodeType="clickEffect">
-                                  <p:stCondLst>
-                                    <p:cond delay="0"/>
-                                  </p:stCondLst>
-                                  <p:childTnLst>
-                                    <p:set>
-                                      <p:cBhvr>
-                                        <p:cTn id="10" dur="1" fill="hold">
-                                          <p:stCondLst>
-                                            <p:cond delay="0"/>
-                                          </p:stCondLst>
-                                        </p:cTn>
-                                        <p:tgtEl>
-                                          <p:spTgt spid="6"/>
-                                        </p:tgtEl>
-                                        <p:attrNameLst>
-                                          <p:attrName>style.visibility</p:attrName>
-                                        </p:attrNameLst>
-                                      </p:cBhvr>
-                                      <p:to>
-                                        <p:strVal val="visible"/>
-                                      </p:to>
-                                    </p:set>
-                                  </p:childTnLst>
-                                </p:cTn>
-                              </p:par>
-                            </p:childTnLst>
-                          </p:cTn>
-                        </p:par>
-                      </p:childTnLst>
-                    </p:cTn>
-                  </p:par>
-                </p:childTnLst>
-              </p:cTn>
-              <p:prevCondLst>
-                <p:cond evt="onPrev" delay="0">
-                  <p:tgtEl>
-                    <p:sldTgt/>
-                  </p:tgtEl>
-                </p:cond>
-              </p:prevCondLst>
-              <p:nextCondLst>
-                <p:cond evt="onNext" delay="0">
-                  <p:tgtEl>
-                    <p:sldTgt/>
-                  </p:tgtEl>
-                </p:cond>
-              </p:nextCondLst>
-            </p:seq>
-          </p:childTnLst>
-        </p:cTn>
-      </p:par>
-    </p:tnLst>
-    <p:bldLst>
-      <p:bldP spid="6" grpId="0"/>
-    </p:bldLst>
-  </p:timing>
 </p:sld>
 </file>
 
@@ -32905,7 +33042,7 @@
           <a:p>
             <a:r>
               <a:rPr kumimoji="1" lang="en-US" altLang="zh-CN" dirty="0"/>
-              <a:t>Floating Point: binary</a:t>
+              <a:t>Floating Point</a:t>
             </a:r>
             <a:endParaRPr kumimoji="1" lang="zh-CN" altLang="en-US" dirty="0"/>
           </a:p>
@@ -32945,7 +33082,7 @@
         </p:nvSpPr>
         <p:spPr>
           <a:xfrm>
-            <a:off x="2016606" y="4620621"/>
+            <a:off x="2016606" y="4362198"/>
             <a:ext cx="8009984" cy="574516"/>
           </a:xfrm>
           <a:prstGeom prst="rect">
@@ -33036,6 +33173,91 @@
       </p:sp>
       <p:sp>
         <p:nvSpPr>
+          <p:cNvPr id="4" name="右大括号 3"/>
+          <p:cNvSpPr/>
+          <p:nvPr/>
+        </p:nvSpPr>
+        <p:spPr>
+          <a:xfrm>
+            <a:off x="8125299" y="2482897"/>
+            <a:ext cx="217373" cy="743725"/>
+          </a:xfrm>
+          <a:prstGeom prst="rightBrace">
+            <a:avLst/>
+          </a:prstGeom>
+          <a:ln w="28575" cmpd="sng"/>
+        </p:spPr>
+        <p:style>
+          <a:lnRef idx="2">
+            <a:schemeClr val="dk1"/>
+          </a:lnRef>
+          <a:fillRef idx="0">
+            <a:schemeClr val="dk1"/>
+          </a:fillRef>
+          <a:effectRef idx="1">
+            <a:schemeClr val="dk1"/>
+          </a:effectRef>
+          <a:fontRef idx="minor">
+            <a:schemeClr val="tx1"/>
+          </a:fontRef>
+        </p:style>
+        <p:txBody>
+          <a:bodyPr rtlCol="0" anchor="ctr"/>
+          <a:lstStyle/>
+          <a:p>
+            <a:pPr algn="ctr"/>
+            <a:endParaRPr kumimoji="1" lang="zh-CN" altLang="en-US"/>
+          </a:p>
+        </p:txBody>
+      </p:sp>
+      <p:sp>
+        <p:nvSpPr>
+          <p:cNvPr id="5" name="矩形 4"/>
+          <p:cNvSpPr/>
+          <p:nvPr/>
+        </p:nvSpPr>
+        <p:spPr>
+          <a:xfrm>
+            <a:off x="8566715" y="2447580"/>
+            <a:ext cx="2557110" cy="646331"/>
+          </a:xfrm>
+          <a:prstGeom prst="rect">
+            <a:avLst/>
+          </a:prstGeom>
+        </p:spPr>
+        <p:txBody>
+          <a:bodyPr wrap="none">
+            <a:spAutoFit/>
+          </a:bodyPr>
+          <a:lstStyle/>
+          <a:p>
+            <a:r>
+              <a:rPr kumimoji="1" lang="en-US" altLang="zh-CN" dirty="0">
+                <a:solidFill>
+                  <a:srgbClr val="0000FF"/>
+                </a:solidFill>
+                <a:latin typeface="Arial"/>
+                <a:cs typeface="Arial"/>
+              </a:rPr>
+              <a:t>Also called normalized </a:t>
+            </a:r>
+          </a:p>
+          <a:p>
+            <a:r>
+              <a:rPr kumimoji="1" lang="en-US" altLang="zh-CN" dirty="0">
+                <a:solidFill>
+                  <a:srgbClr val="0000FF"/>
+                </a:solidFill>
+                <a:latin typeface="Arial"/>
+                <a:cs typeface="Arial"/>
+              </a:rPr>
+              <a:t>representation </a:t>
+            </a:r>
+          </a:p>
+        </p:txBody>
+      </p:sp>
+      <p:sp>
+        <p:nvSpPr>
           <p:cNvPr id="11" name="矩形 10"/>
           <p:cNvSpPr/>
           <p:nvPr/>
@@ -33056,27 +33278,6 @@
           <a:lstStyle/>
           <a:p>
             <a:r>
-              <a:rPr lang="en-US" altLang="zh-CN" sz="2800" dirty="0">
-                <a:latin typeface="Consolas"/>
-                <a:cs typeface="Consolas"/>
-              </a:rPr>
-              <a:t>r</a:t>
-            </a:r>
-            <a:r>
-              <a:rPr lang="en-US" altLang="zh-CN" sz="2800" baseline="-25000" dirty="0">
-                <a:latin typeface="Consolas"/>
-                <a:cs typeface="Consolas"/>
-              </a:rPr>
-              <a:t>10</a:t>
-            </a:r>
-            <a:r>
-              <a:rPr lang="en-US" altLang="zh-CN" sz="2800" dirty="0">
-                <a:latin typeface="Consolas"/>
-                <a:cs typeface="Consolas"/>
-              </a:rPr>
-              <a:t> = </a:t>
-            </a:r>
-            <a:r>
               <a:rPr lang="en-US" altLang="zh-CN" sz="2800" u="sng" dirty="0">
                 <a:latin typeface="Consolas"/>
                 <a:cs typeface="Consolas"/>
@@ -33229,7 +33430,7 @@
     </p:spTree>
     <p:extLst>
       <p:ext uri="{BB962C8B-B14F-4D97-AF65-F5344CB8AC3E}">
-        <p14:creationId xmlns:p14="http://schemas.microsoft.com/office/powerpoint/2010/main" val="1263422766"/>
+        <p14:creationId xmlns:p14="http://schemas.microsoft.com/office/powerpoint/2010/main" val="3965181385"/>
       </p:ext>
     </p:extLst>
   </p:cSld>
@@ -33258,602 +33459,31 @@
       </p:grpSpPr>
       <p:sp>
         <p:nvSpPr>
-          <p:cNvPr id="2" name="标题 1"/>
-          <p:cNvSpPr>
-            <a:spLocks noGrp="1"/>
-          </p:cNvSpPr>
-          <p:nvPr>
-            <p:ph type="title"/>
-          </p:nvPr>
-        </p:nvSpPr>
-        <p:spPr/>
-        <p:txBody>
-          <a:bodyPr/>
-          <a:lstStyle/>
-          <a:p>
-            <a:r>
-              <a:rPr kumimoji="1" lang="en-US" altLang="zh-CN" dirty="0"/>
-              <a:t>Floating Point</a:t>
-            </a:r>
-            <a:endParaRPr kumimoji="1" lang="zh-CN" altLang="en-US" dirty="0"/>
-          </a:p>
-        </p:txBody>
-      </p:sp>
-      <p:sp>
-        <p:nvSpPr>
-          <p:cNvPr id="3" name="内容占位符 2"/>
-          <p:cNvSpPr>
-            <a:spLocks noGrp="1"/>
-          </p:cNvSpPr>
-          <p:nvPr>
-            <p:ph idx="1"/>
-          </p:nvPr>
-        </p:nvSpPr>
-        <p:spPr/>
-        <p:txBody>
-          <a:bodyPr/>
-          <a:lstStyle/>
-          <a:p>
-            <a:pPr marL="0" indent="0">
-              <a:buNone/>
-            </a:pPr>
-            <a:r>
-              <a:rPr kumimoji="1" lang="en-US" altLang="zh-CN" dirty="0"/>
-              <a:t>Binary exponential representation</a:t>
-            </a:r>
-            <a:endParaRPr kumimoji="1" lang="zh-CN" altLang="en-US" dirty="0"/>
-          </a:p>
-        </p:txBody>
-      </p:sp>
-      <p:sp>
-        <p:nvSpPr>
-          <p:cNvPr id="10" name="矩形 9"/>
+          <p:cNvPr id="5" name="矩形 4"/>
           <p:cNvSpPr/>
           <p:nvPr/>
         </p:nvSpPr>
         <p:spPr>
           <a:xfrm>
-            <a:off x="2016606" y="4362198"/>
-            <a:ext cx="8009984" cy="574516"/>
+            <a:off x="2327190" y="3124976"/>
+            <a:ext cx="7228261" cy="461665"/>
           </a:xfrm>
           <a:prstGeom prst="rect">
             <a:avLst/>
           </a:prstGeom>
         </p:spPr>
         <p:txBody>
-          <a:bodyPr wrap="square">
-            <a:spAutoFit/>
-          </a:bodyPr>
-          <a:lstStyle/>
-          <a:p>
-            <a:r>
-              <a:rPr lang="en-US" altLang="zh-CN" sz="2400" dirty="0">
-                <a:latin typeface="Consolas"/>
-                <a:cs typeface="Consolas"/>
-              </a:rPr>
-              <a:t>(5.5)</a:t>
-            </a:r>
-            <a:r>
-              <a:rPr lang="en-US" altLang="zh-CN" sz="2400" baseline="-25000" dirty="0">
-                <a:latin typeface="Consolas"/>
-                <a:cs typeface="Consolas"/>
-              </a:rPr>
-              <a:t>10</a:t>
-            </a:r>
-            <a:r>
-              <a:rPr lang="en-US" altLang="zh-CN" sz="2400" dirty="0">
-                <a:latin typeface="Consolas"/>
-                <a:cs typeface="Consolas"/>
-              </a:rPr>
-              <a:t> = </a:t>
-            </a:r>
-            <a:r>
-              <a:rPr lang="en-US" altLang="zh-CN" sz="2400" dirty="0">
-                <a:latin typeface="Arial"/>
-                <a:cs typeface="Arial"/>
-              </a:rPr>
-              <a:t>(101.1)</a:t>
-            </a:r>
-            <a:r>
-              <a:rPr lang="en-US" altLang="zh-CN" sz="2400" baseline="-25000" dirty="0">
-                <a:latin typeface="Arial"/>
-                <a:cs typeface="Arial"/>
-              </a:rPr>
-              <a:t>2 </a:t>
-            </a:r>
-            <a:r>
-              <a:rPr lang="en-US" altLang="zh-CN" sz="2400" dirty="0">
-                <a:latin typeface="Arial"/>
-                <a:cs typeface="Arial"/>
-              </a:rPr>
-              <a:t> = (1.011)</a:t>
-            </a:r>
-            <a:r>
-              <a:rPr lang="en-US" altLang="zh-CN" sz="2400" baseline="-25000" dirty="0">
-                <a:latin typeface="Arial"/>
-                <a:cs typeface="Arial"/>
-              </a:rPr>
-              <a:t>2 </a:t>
-            </a:r>
-            <a:r>
-              <a:rPr lang="en-US" altLang="zh-CN" sz="2400" dirty="0">
-                <a:latin typeface="Arial"/>
-                <a:cs typeface="Arial"/>
-              </a:rPr>
-              <a:t>* 2</a:t>
-            </a:r>
-            <a:r>
-              <a:rPr lang="en-US" altLang="zh-CN" sz="2400" baseline="30000" dirty="0">
-                <a:latin typeface="Arial"/>
-                <a:cs typeface="Arial"/>
-              </a:rPr>
-              <a:t>2</a:t>
-            </a:r>
-            <a:endParaRPr lang="en-US" altLang="zh-CN" sz="2400" baseline="30000" dirty="0">
-              <a:latin typeface="Consolas"/>
-              <a:cs typeface="Consolas"/>
-            </a:endParaRPr>
-          </a:p>
-          <a:p>
-            <a:endParaRPr lang="en-US" altLang="zh-CN" sz="1100" baseline="-25000" dirty="0">
-              <a:latin typeface="Consolas"/>
-              <a:cs typeface="Consolas"/>
-            </a:endParaRPr>
-          </a:p>
-        </p:txBody>
-      </p:sp>
-      <p:sp>
-        <p:nvSpPr>
-          <p:cNvPr id="6" name="矩形 5"/>
-          <p:cNvSpPr/>
-          <p:nvPr/>
-        </p:nvSpPr>
-        <p:spPr>
-          <a:xfrm>
-            <a:off x="2169006" y="5047628"/>
-            <a:ext cx="8009984" cy="830997"/>
-          </a:xfrm>
-          <a:prstGeom prst="rect">
-            <a:avLst/>
-          </a:prstGeom>
-        </p:spPr>
-        <p:txBody>
-          <a:bodyPr wrap="square">
-            <a:spAutoFit/>
-          </a:bodyPr>
-          <a:lstStyle/>
-          <a:p>
-            <a:r>
-              <a:rPr lang="en-US" altLang="zh-CN" sz="2400" dirty="0">
-                <a:solidFill>
-                  <a:srgbClr val="0000FF"/>
-                </a:solidFill>
-                <a:latin typeface="Arial"/>
-                <a:cs typeface="Arial"/>
-              </a:rPr>
-              <a:t>Normalization: give</a:t>
-            </a:r>
-            <a:r>
-              <a:rPr lang="zh-CN" altLang="en-US" sz="2400" dirty="0">
-                <a:solidFill>
-                  <a:srgbClr val="0000FF"/>
-                </a:solidFill>
-                <a:latin typeface="Arial"/>
-                <a:cs typeface="Arial"/>
-              </a:rPr>
-              <a:t> </a:t>
-            </a:r>
-            <a:r>
-              <a:rPr lang="en-US" altLang="zh-CN" sz="2400" dirty="0">
-                <a:solidFill>
-                  <a:srgbClr val="0000FF"/>
-                </a:solidFill>
-                <a:latin typeface="Arial"/>
-                <a:cs typeface="Arial"/>
-              </a:rPr>
-              <a:t>a</a:t>
-            </a:r>
-            <a:r>
-              <a:rPr lang="zh-CN" altLang="en-US" sz="2400" dirty="0">
-                <a:solidFill>
-                  <a:srgbClr val="0000FF"/>
-                </a:solidFill>
-                <a:latin typeface="Arial"/>
-                <a:cs typeface="Arial"/>
-              </a:rPr>
-              <a:t> </a:t>
-            </a:r>
-            <a:r>
-              <a:rPr lang="en-US" altLang="zh-CN" sz="2400" dirty="0">
-                <a:solidFill>
-                  <a:srgbClr val="0000FF"/>
-                </a:solidFill>
-                <a:latin typeface="Arial"/>
-                <a:cs typeface="Arial"/>
-              </a:rPr>
-              <a:t>number</a:t>
-            </a:r>
-            <a:r>
-              <a:rPr lang="zh-CN" altLang="en-US" sz="2400" dirty="0">
-                <a:solidFill>
-                  <a:srgbClr val="0000FF"/>
-                </a:solidFill>
-                <a:latin typeface="Arial"/>
-                <a:cs typeface="Arial"/>
-              </a:rPr>
-              <a:t> </a:t>
-            </a:r>
-            <a:r>
-              <a:rPr lang="en-US" altLang="zh-CN" sz="2400" dirty="0">
-                <a:solidFill>
-                  <a:srgbClr val="0000FF"/>
-                </a:solidFill>
-                <a:latin typeface="Arial"/>
-                <a:cs typeface="Arial"/>
-              </a:rPr>
-              <a:t>r, obtain its normalized representation </a:t>
-            </a:r>
-            <a:endParaRPr lang="en-US" altLang="zh-CN" sz="1100" baseline="-25000" dirty="0">
-              <a:solidFill>
-                <a:srgbClr val="0000FF"/>
-              </a:solidFill>
-              <a:latin typeface="Arial"/>
-              <a:cs typeface="Arial"/>
-            </a:endParaRPr>
-          </a:p>
-        </p:txBody>
-      </p:sp>
-      <p:sp>
-        <p:nvSpPr>
-          <p:cNvPr id="4" name="右大括号 3"/>
-          <p:cNvSpPr/>
-          <p:nvPr/>
-        </p:nvSpPr>
-        <p:spPr>
-          <a:xfrm>
-            <a:off x="8125299" y="2482897"/>
-            <a:ext cx="217373" cy="743725"/>
-          </a:xfrm>
-          <a:prstGeom prst="rightBrace">
-            <a:avLst/>
-          </a:prstGeom>
-          <a:ln w="28575" cmpd="sng"/>
-        </p:spPr>
-        <p:style>
-          <a:lnRef idx="2">
-            <a:schemeClr val="dk1"/>
-          </a:lnRef>
-          <a:fillRef idx="0">
-            <a:schemeClr val="dk1"/>
-          </a:fillRef>
-          <a:effectRef idx="1">
-            <a:schemeClr val="dk1"/>
-          </a:effectRef>
-          <a:fontRef idx="minor">
-            <a:schemeClr val="tx1"/>
-          </a:fontRef>
-        </p:style>
-        <p:txBody>
-          <a:bodyPr rtlCol="0" anchor="ctr"/>
-          <a:lstStyle/>
-          <a:p>
-            <a:pPr algn="ctr"/>
-            <a:endParaRPr kumimoji="1" lang="zh-CN" altLang="en-US"/>
-          </a:p>
-        </p:txBody>
-      </p:sp>
-      <p:sp>
-        <p:nvSpPr>
-          <p:cNvPr id="5" name="矩形 4"/>
-          <p:cNvSpPr/>
-          <p:nvPr/>
-        </p:nvSpPr>
-        <p:spPr>
-          <a:xfrm>
-            <a:off x="8546120" y="2303291"/>
-            <a:ext cx="1723549" cy="923330"/>
-          </a:xfrm>
-          <a:prstGeom prst="rect">
-            <a:avLst/>
-          </a:prstGeom>
-        </p:spPr>
-        <p:txBody>
           <a:bodyPr wrap="none">
             <a:spAutoFit/>
           </a:bodyPr>
           <a:lstStyle/>
           <a:p>
             <a:r>
-              <a:rPr kumimoji="1" lang="en-US" altLang="zh-CN" dirty="0">
-                <a:solidFill>
-                  <a:srgbClr val="0000FF"/>
-                </a:solidFill>
-                <a:latin typeface="Arial"/>
-                <a:cs typeface="Arial"/>
-              </a:rPr>
-              <a:t>Normalized </a:t>
-            </a:r>
-          </a:p>
-          <a:p>
-            <a:r>
-              <a:rPr kumimoji="1" lang="en-US" altLang="zh-CN" dirty="0">
-                <a:solidFill>
-                  <a:srgbClr val="0000FF"/>
-                </a:solidFill>
-                <a:latin typeface="Arial"/>
-                <a:cs typeface="Arial"/>
-              </a:rPr>
-              <a:t>representation </a:t>
-            </a:r>
-          </a:p>
-          <a:p>
-            <a:r>
-              <a:rPr kumimoji="1" lang="en-US" altLang="zh-CN" dirty="0">
-                <a:solidFill>
-                  <a:srgbClr val="0000FF"/>
-                </a:solidFill>
-                <a:latin typeface="Arial"/>
-                <a:cs typeface="Arial"/>
-              </a:rPr>
-              <a:t>of r</a:t>
-            </a:r>
-            <a:endParaRPr lang="zh-CN" altLang="en-US" dirty="0">
-              <a:solidFill>
-                <a:srgbClr val="0000FF"/>
-              </a:solidFill>
-            </a:endParaRPr>
-          </a:p>
-        </p:txBody>
-      </p:sp>
-      <p:sp>
-        <p:nvSpPr>
-          <p:cNvPr id="11" name="矩形 10"/>
-          <p:cNvSpPr/>
-          <p:nvPr/>
-        </p:nvSpPr>
-        <p:spPr>
-          <a:xfrm>
-            <a:off x="2039488" y="2269413"/>
-            <a:ext cx="8009984" cy="1856918"/>
-          </a:xfrm>
-          <a:prstGeom prst="rect">
-            <a:avLst/>
-          </a:prstGeom>
-        </p:spPr>
-        <p:txBody>
-          <a:bodyPr wrap="square">
-            <a:spAutoFit/>
-          </a:bodyPr>
-          <a:lstStyle/>
-          <a:p>
-            <a:r>
-              <a:rPr lang="en-US" altLang="zh-CN" sz="2800" dirty="0">
-                <a:latin typeface="Consolas"/>
-                <a:cs typeface="Consolas"/>
-              </a:rPr>
-              <a:t>r</a:t>
-            </a:r>
-            <a:r>
-              <a:rPr lang="en-US" altLang="zh-CN" sz="2800" baseline="-25000" dirty="0">
-                <a:latin typeface="Consolas"/>
-                <a:cs typeface="Consolas"/>
-              </a:rPr>
-              <a:t>10</a:t>
-            </a:r>
-            <a:r>
-              <a:rPr lang="en-US" altLang="zh-CN" sz="2800" dirty="0">
-                <a:latin typeface="Consolas"/>
-                <a:cs typeface="Consolas"/>
-              </a:rPr>
-              <a:t> = </a:t>
-            </a:r>
-            <a:r>
-              <a:rPr lang="en-US" altLang="zh-CN" sz="2800" u="sng" dirty="0">
-                <a:latin typeface="Consolas"/>
-                <a:cs typeface="Consolas"/>
-              </a:rPr>
-              <a:t>+</a:t>
-            </a:r>
-            <a:r>
-              <a:rPr lang="en-US" altLang="zh-CN" sz="2800" dirty="0">
-                <a:latin typeface="Consolas"/>
-                <a:cs typeface="Consolas"/>
-              </a:rPr>
-              <a:t>M * 2</a:t>
-            </a:r>
-            <a:r>
-              <a:rPr lang="en-US" altLang="zh-CN" sz="2800" baseline="30000" dirty="0">
-                <a:latin typeface="Consolas"/>
-                <a:cs typeface="Consolas"/>
-              </a:rPr>
-              <a:t>E</a:t>
-            </a:r>
-            <a:r>
-              <a:rPr lang="en-US" altLang="zh-CN" sz="2800" dirty="0">
-                <a:latin typeface="Consolas"/>
-                <a:cs typeface="Consolas"/>
-              </a:rPr>
-              <a:t>, where 1 &lt;= M &lt; 2</a:t>
-            </a:r>
-          </a:p>
-          <a:p>
-            <a:endParaRPr lang="en-US" altLang="zh-CN" sz="1600" u="sng" baseline="30000" dirty="0">
-              <a:latin typeface="Consolas"/>
-              <a:cs typeface="Consolas"/>
-            </a:endParaRPr>
-          </a:p>
-          <a:p>
-            <a:r>
-              <a:rPr lang="en-US" altLang="zh-CN" sz="2400" dirty="0">
-                <a:latin typeface="Arial"/>
-                <a:cs typeface="Arial"/>
-              </a:rPr>
-              <a:t>M</a:t>
-            </a:r>
-            <a:r>
-              <a:rPr lang="en-US" altLang="zh-CN" sz="2800" dirty="0">
-                <a:latin typeface="Consolas"/>
-                <a:cs typeface="Consolas"/>
-              </a:rPr>
-              <a:t> = ( 1.b</a:t>
-            </a:r>
-            <a:r>
-              <a:rPr lang="en-US" altLang="zh-CN" sz="2800" baseline="-25000" dirty="0">
-                <a:latin typeface="Consolas"/>
-                <a:cs typeface="Consolas"/>
-              </a:rPr>
-              <a:t>1</a:t>
-            </a:r>
-            <a:r>
-              <a:rPr lang="en-US" altLang="zh-CN" sz="2800" dirty="0">
-                <a:latin typeface="Consolas"/>
-                <a:cs typeface="Consolas"/>
-              </a:rPr>
-              <a:t>b</a:t>
-            </a:r>
-            <a:r>
-              <a:rPr lang="en-US" altLang="zh-CN" sz="2800" baseline="-25000" dirty="0">
-                <a:latin typeface="Consolas"/>
-                <a:cs typeface="Consolas"/>
-              </a:rPr>
-              <a:t>2</a:t>
-            </a:r>
-            <a:r>
-              <a:rPr lang="en-US" altLang="zh-CN" sz="2800" dirty="0">
-                <a:latin typeface="Consolas"/>
-                <a:cs typeface="Consolas"/>
-              </a:rPr>
-              <a:t>b</a:t>
-            </a:r>
-            <a:r>
-              <a:rPr lang="en-US" altLang="zh-CN" sz="2800" baseline="-25000" dirty="0">
-                <a:latin typeface="Consolas"/>
-                <a:cs typeface="Consolas"/>
-              </a:rPr>
-              <a:t>3</a:t>
-            </a:r>
-            <a:r>
-              <a:rPr lang="mr-IN" altLang="zh-CN" sz="2800" dirty="0">
-                <a:latin typeface="Consolas"/>
-                <a:cs typeface="Consolas"/>
-              </a:rPr>
-              <a:t>…</a:t>
-            </a:r>
-            <a:r>
-              <a:rPr lang="en-US" altLang="zh-CN" sz="2800" dirty="0">
-                <a:latin typeface="Consolas"/>
-                <a:cs typeface="Consolas"/>
-              </a:rPr>
-              <a:t>b</a:t>
-            </a:r>
-            <a:r>
-              <a:rPr lang="en-US" altLang="zh-CN" sz="2800" baseline="-25000" dirty="0">
-                <a:latin typeface="Consolas"/>
-                <a:cs typeface="Consolas"/>
-              </a:rPr>
-              <a:t>n </a:t>
-            </a:r>
-            <a:r>
-              <a:rPr lang="en-US" altLang="zh-CN" sz="2800" dirty="0">
-                <a:latin typeface="Consolas"/>
-                <a:cs typeface="Consolas"/>
-              </a:rPr>
-              <a:t>)</a:t>
-            </a:r>
-            <a:r>
-              <a:rPr lang="en-US" altLang="zh-CN" sz="2800" baseline="-25000" dirty="0">
-                <a:latin typeface="Consolas"/>
-                <a:cs typeface="Consolas"/>
-              </a:rPr>
-              <a:t>2</a:t>
-            </a:r>
-          </a:p>
-          <a:p>
-            <a:endParaRPr lang="en-US" altLang="zh-CN" sz="1600" baseline="-25000" dirty="0">
-              <a:latin typeface="Consolas"/>
-              <a:cs typeface="Consolas"/>
-            </a:endParaRPr>
-          </a:p>
-          <a:p>
-            <a:endParaRPr lang="en-US" altLang="zh-CN" sz="800" u="sng" baseline="-25000" dirty="0">
-              <a:latin typeface="Consolas"/>
-              <a:cs typeface="Consolas"/>
-            </a:endParaRPr>
-          </a:p>
-          <a:p>
-            <a:r>
-              <a:rPr lang="en-US" altLang="zh-CN" sz="2400" dirty="0">
-                <a:latin typeface="Arial"/>
-                <a:cs typeface="Arial"/>
-              </a:rPr>
-              <a:t>M: significant, E: exponent</a:t>
-            </a:r>
-          </a:p>
-          <a:p>
-            <a:endParaRPr lang="en-US" altLang="zh-CN" sz="1200" baseline="-25000" dirty="0">
-              <a:latin typeface="Consolas"/>
-              <a:cs typeface="Consolas"/>
-            </a:endParaRPr>
-          </a:p>
-        </p:txBody>
-      </p:sp>
-    </p:spTree>
-    <p:extLst>
-      <p:ext uri="{BB962C8B-B14F-4D97-AF65-F5344CB8AC3E}">
-        <p14:creationId xmlns:p14="http://schemas.microsoft.com/office/powerpoint/2010/main" val="3965181385"/>
-      </p:ext>
-    </p:extLst>
-  </p:cSld>
-  <p:clrMapOvr>
-    <a:masterClrMapping/>
-  </p:clrMapOvr>
-</p:sld>
-</file>
-
-<file path=ppt/slides/slide43.xml><?xml version="1.0" encoding="utf-8"?>
-<p:sld xmlns:a="http://schemas.openxmlformats.org/drawingml/2006/main" xmlns:r="http://schemas.openxmlformats.org/officeDocument/2006/relationships" xmlns:p="http://schemas.openxmlformats.org/presentationml/2006/main">
-  <p:cSld>
-    <p:spTree>
-      <p:nvGrpSpPr>
-        <p:cNvPr id="1" name=""/>
-        <p:cNvGrpSpPr/>
-        <p:nvPr/>
-      </p:nvGrpSpPr>
-      <p:grpSpPr>
-        <a:xfrm>
-          <a:off x="0" y="0"/>
-          <a:ext cx="0" cy="0"/>
-          <a:chOff x="0" y="0"/>
-          <a:chExt cx="0" cy="0"/>
-        </a:xfrm>
-      </p:grpSpPr>
-      <p:sp>
-        <p:nvSpPr>
-          <p:cNvPr id="5" name="矩形 4"/>
-          <p:cNvSpPr/>
-          <p:nvPr/>
-        </p:nvSpPr>
-        <p:spPr>
-          <a:xfrm>
-            <a:off x="2327190" y="3124976"/>
-            <a:ext cx="6064481" cy="461665"/>
-          </a:xfrm>
-          <a:prstGeom prst="rect">
-            <a:avLst/>
-          </a:prstGeom>
-        </p:spPr>
-        <p:txBody>
-          <a:bodyPr wrap="none">
-            <a:spAutoFit/>
-          </a:bodyPr>
-          <a:lstStyle/>
-          <a:p>
-            <a:r>
               <a:rPr kumimoji="1" lang="en-US" altLang="zh-CN" sz="2400" dirty="0">
                 <a:latin typeface="Arial"/>
                 <a:cs typeface="Arial"/>
               </a:rPr>
-              <a:t>Normalized representation of  (10.25)</a:t>
+              <a:t>(Binary) normalized representation of  (10.25)</a:t>
             </a:r>
             <a:r>
               <a:rPr kumimoji="1" lang="en-US" altLang="zh-CN" sz="2800" baseline="-25000" dirty="0">
@@ -33961,8 +33591,8 @@
 </p:sld>
 </file>
 
-<file path=ppt/slides/slide44.xml><?xml version="1.0" encoding="utf-8"?>
-<p:sld xmlns:a="http://schemas.openxmlformats.org/drawingml/2006/main" xmlns:r="http://schemas.openxmlformats.org/officeDocument/2006/relationships" xmlns:p="http://schemas.openxmlformats.org/presentationml/2006/main" show="0">
+<file path=ppt/slides/slide43.xml><?xml version="1.0" encoding="utf-8"?>
+<p:sld xmlns:a="http://schemas.openxmlformats.org/drawingml/2006/main" xmlns:r="http://schemas.openxmlformats.org/officeDocument/2006/relationships" xmlns:p="http://schemas.openxmlformats.org/presentationml/2006/main">
   <p:cSld>
     <p:spTree>
       <p:nvGrpSpPr>
@@ -33987,7 +33617,7 @@
         <p:spPr>
           <a:xfrm>
             <a:off x="1872795" y="1962840"/>
-            <a:ext cx="6149440" cy="461665"/>
+            <a:ext cx="7313220" cy="461665"/>
           </a:xfrm>
           <a:prstGeom prst="rect">
             <a:avLst/>
@@ -34004,7 +33634,7 @@
                 <a:latin typeface="Arial"/>
                 <a:cs typeface="Arial"/>
               </a:rPr>
-              <a:t>Normalized representation of  (10.25)</a:t>
+              <a:t>(Binary) normalized representation of  (10.25)</a:t>
             </a:r>
             <a:r>
               <a:rPr kumimoji="1" lang="en-US" altLang="zh-CN" sz="2800" baseline="-25000" dirty="0">
@@ -34168,7 +33798,7 @@
 </p:sld>
 </file>
 
-<file path=ppt/slides/slide45.xml><?xml version="1.0" encoding="utf-8"?>
+<file path=ppt/slides/slide44.xml><?xml version="1.0" encoding="utf-8"?>
 <p:sld xmlns:a="http://schemas.openxmlformats.org/drawingml/2006/main" xmlns:r="http://schemas.openxmlformats.org/officeDocument/2006/relationships" xmlns:p="http://schemas.openxmlformats.org/presentationml/2006/main">
   <p:cSld>
     <p:spTree>
@@ -35430,7 +35060,7 @@
 </p:sld>
 </file>
 
-<file path=ppt/slides/slide46.xml><?xml version="1.0" encoding="utf-8"?>
+<file path=ppt/slides/slide45.xml><?xml version="1.0" encoding="utf-8"?>
 <p:sld xmlns:a="http://schemas.openxmlformats.org/drawingml/2006/main" xmlns:r="http://schemas.openxmlformats.org/officeDocument/2006/relationships" xmlns:p="http://schemas.openxmlformats.org/presentationml/2006/main">
   <p:cSld>
     <p:spTree>
@@ -36325,7 +35955,7 @@
 </p:sld>
 </file>
 
-<file path=ppt/slides/slide47.xml><?xml version="1.0" encoding="utf-8"?>
+<file path=ppt/slides/slide46.xml><?xml version="1.0" encoding="utf-8"?>
 <p:sld xmlns:a="http://schemas.openxmlformats.org/drawingml/2006/main" xmlns:r="http://schemas.openxmlformats.org/officeDocument/2006/relationships" xmlns:p="http://schemas.openxmlformats.org/presentationml/2006/main">
   <p:cSld>
     <p:spTree>
@@ -36504,7 +36134,7 @@
           <a:graphicData uri="http://schemas.openxmlformats.org/presentationml/2006/ole">
             <mc:AlternateContent xmlns:mc="http://schemas.openxmlformats.org/markup-compatibility/2006">
               <mc:Choice xmlns:v="urn:schemas-microsoft-com:vml" Requires="v">
-                <p:oleObj spid="_x0000_s8786" name="Equation" r:id="rId3" imgW="825500" imgH="241300" progId="Equation.3">
+                <p:oleObj spid="_x0000_s8838" name="Equation" r:id="rId3" imgW="825500" imgH="241300" progId="Equation.3">
                   <p:embed/>
                 </p:oleObj>
               </mc:Choice>
@@ -36618,7 +36248,7 @@
           <a:graphicData uri="http://schemas.openxmlformats.org/presentationml/2006/ole">
             <mc:AlternateContent xmlns:mc="http://schemas.openxmlformats.org/markup-compatibility/2006">
               <mc:Choice xmlns:v="urn:schemas-microsoft-com:vml" Requires="v">
-                <p:oleObj spid="_x0000_s8787" name="Equation" r:id="rId5" imgW="1435100" imgH="241300" progId="Equation.3">
+                <p:oleObj spid="_x0000_s8839" name="Equation" r:id="rId5" imgW="1435100" imgH="241300" progId="Equation.3">
                   <p:embed/>
                 </p:oleObj>
               </mc:Choice>
@@ -36870,7 +36500,7 @@
           <a:p>
             <a:r>
               <a:rPr kumimoji="1" lang="en-US" altLang="zh-CN" dirty="0"/>
-              <a:t>Negation trick lets us find bit pattern of a negative number more easily</a:t>
+              <a:t>Negation trick helps find bit pattern of a negative number more easily</a:t>
             </a:r>
             <a:endParaRPr kumimoji="1" lang="zh-CN" altLang="en-US" dirty="0"/>
           </a:p>
@@ -37068,7 +36698,7 @@
 </file>
 
 <file path=ppt/slides/slide7.xml><?xml version="1.0" encoding="utf-8"?>
-<p:sld xmlns:a="http://schemas.openxmlformats.org/drawingml/2006/main" xmlns:r="http://schemas.openxmlformats.org/officeDocument/2006/relationships" xmlns:p="http://schemas.openxmlformats.org/presentationml/2006/main" show="0">
+<p:sld xmlns:a="http://schemas.openxmlformats.org/drawingml/2006/main" xmlns:r="http://schemas.openxmlformats.org/officeDocument/2006/relationships" xmlns:p="http://schemas.openxmlformats.org/presentationml/2006/main">
   <p:cSld>
     <p:spTree>
       <p:nvGrpSpPr>
@@ -37103,7 +36733,7 @@
           <a:p>
             <a:r>
               <a:rPr kumimoji="1" lang="en-US" altLang="zh-CN" dirty="0"/>
-              <a:t>Negation trick lets us find bit pattern of a negative number more easily</a:t>
+              <a:t>Negation trick helps find bit pattern of a negative number more easily</a:t>
             </a:r>
             <a:endParaRPr kumimoji="1" lang="zh-CN" altLang="en-US" dirty="0"/>
           </a:p>
@@ -37285,81 +36915,6 @@
   <p:clrMapOvr>
     <a:masterClrMapping/>
   </p:clrMapOvr>
-  <p:timing>
-    <p:tnLst>
-      <p:par>
-        <p:cTn id="1" dur="indefinite" restart="never" nodeType="tmRoot">
-          <p:childTnLst>
-            <p:seq concurrent="1" nextAc="seek">
-              <p:cTn id="2" dur="indefinite" nodeType="mainSeq">
-                <p:childTnLst>
-                  <p:par>
-                    <p:cTn id="3" fill="hold">
-                      <p:stCondLst>
-                        <p:cond delay="indefinite"/>
-                      </p:stCondLst>
-                      <p:childTnLst>
-                        <p:par>
-                          <p:cTn id="4" fill="hold">
-                            <p:stCondLst>
-                              <p:cond delay="0"/>
-                            </p:stCondLst>
-                            <p:childTnLst>
-                              <p:par>
-                                <p:cTn id="5" presetID="1" presetClass="entr" presetSubtype="0" fill="hold" nodeType="clickEffect">
-                                  <p:stCondLst>
-                                    <p:cond delay="0"/>
-                                  </p:stCondLst>
-                                  <p:childTnLst>
-                                    <p:set>
-                                      <p:cBhvr>
-                                        <p:cTn id="6" dur="1" fill="hold">
-                                          <p:stCondLst>
-                                            <p:cond delay="0"/>
-                                          </p:stCondLst>
-                                        </p:cTn>
-                                        <p:tgtEl>
-                                          <p:spTgt spid="4"/>
-                                        </p:tgtEl>
-                                        <p:attrNameLst>
-                                          <p:attrName>style.visibility</p:attrName>
-                                        </p:attrNameLst>
-                                      </p:cBhvr>
-                                      <p:to>
-                                        <p:strVal val="visible"/>
-                                      </p:to>
-                                    </p:set>
-                                  </p:childTnLst>
-                                </p:cTn>
-                              </p:par>
-                            </p:childTnLst>
-                          </p:cTn>
-                        </p:par>
-                      </p:childTnLst>
-                    </p:cTn>
-                  </p:par>
-                </p:childTnLst>
-              </p:cTn>
-              <p:prevCondLst>
-                <p:cond evt="onPrev" delay="0">
-                  <p:tgtEl>
-                    <p:sldTgt/>
-                  </p:tgtEl>
-                </p:cond>
-              </p:prevCondLst>
-              <p:nextCondLst>
-                <p:cond evt="onNext" delay="0">
-                  <p:tgtEl>
-                    <p:sldTgt/>
-                  </p:tgtEl>
-                </p:cond>
-              </p:nextCondLst>
-            </p:seq>
-          </p:childTnLst>
-        </p:cTn>
-      </p:par>
-    </p:tnLst>
-  </p:timing>
 </p:sld>
 </file>
 
@@ -38668,6 +38223,57 @@
           </a:p>
         </p:txBody>
       </p:sp>
+      <mc:AlternateContent xmlns:mc="http://schemas.openxmlformats.org/markup-compatibility/2006" xmlns:p14="http://schemas.microsoft.com/office/powerpoint/2010/main">
+        <mc:Choice Requires="p14">
+          <p:contentPart p14:bwMode="auto" r:id="rId2">
+            <p14:nvContentPartPr>
+              <p14:cNvPr id="17" name="Ink 16">
+                <a:extLst>
+                  <a:ext uri="{FF2B5EF4-FFF2-40B4-BE49-F238E27FC236}">
+                    <a16:creationId xmlns:a16="http://schemas.microsoft.com/office/drawing/2014/main" id="{9FAE76AC-8350-42F5-A174-26D42776E9DD}"/>
+                  </a:ext>
+                </a:extLst>
+              </p14:cNvPr>
+              <p14:cNvContentPartPr/>
+              <p14:nvPr/>
+            </p14:nvContentPartPr>
+            <p14:xfrm>
+              <a:off x="1055160" y="3822480"/>
+              <a:ext cx="1985040" cy="601560"/>
+            </p14:xfrm>
+          </p:contentPart>
+        </mc:Choice>
+        <mc:Fallback xmlns="">
+          <p:pic>
+            <p:nvPicPr>
+              <p:cNvPr id="17" name="Ink 16">
+                <a:extLst>
+                  <a:ext uri="{FF2B5EF4-FFF2-40B4-BE49-F238E27FC236}">
+                    <a16:creationId xmlns:a16="http://schemas.microsoft.com/office/drawing/2014/main" id="{9FAE76AC-8350-42F5-A174-26D42776E9DD}"/>
+                  </a:ext>
+                </a:extLst>
+              </p:cNvPr>
+              <p:cNvPicPr/>
+              <p:nvPr/>
+            </p:nvPicPr>
+            <p:blipFill>
+              <a:blip r:embed="rId3"/>
+              <a:stretch>
+                <a:fillRect/>
+              </a:stretch>
+            </p:blipFill>
+            <p:spPr>
+              <a:xfrm>
+                <a:off x="1045800" y="3813120"/>
+                <a:ext cx="2003760" cy="620280"/>
+              </a:xfrm>
+              <a:prstGeom prst="rect">
+                <a:avLst/>
+              </a:prstGeom>
+            </p:spPr>
+          </p:pic>
+        </mc:Fallback>
+      </mc:AlternateContent>
     </p:spTree>
     <p:extLst>
       <p:ext uri="{BB962C8B-B14F-4D97-AF65-F5344CB8AC3E}">

--- a/notes/02-bits_bytes_int_cont.pptx
+++ b/notes/02-bits_bytes_int_cont.pptx
@@ -325,56 +325,6 @@
 </inkml:ink>
 </file>
 
-<file path=ppt/ink/ink4.xml><?xml version="1.0" encoding="utf-8"?>
-<inkml:ink xmlns:inkml="http://www.w3.org/2003/InkML">
-  <inkml:definitions>
-    <inkml:context xml:id="ctx0">
-      <inkml:inkSource xml:id="inkSrc0">
-        <inkml:traceFormat>
-          <inkml:channel name="X" type="integer" max="32767" units="cm"/>
-          <inkml:channel name="Y" type="integer" max="32767" units="cm"/>
-          <inkml:channel name="F" type="integer" max="4095" units="deg"/>
-          <inkml:channel name="T" type="integer" max="2.14748E9" units="dev"/>
-        </inkml:traceFormat>
-        <inkml:channelProperties>
-          <inkml:channelProperty channel="X" name="resolution" value="2155.72363" units="1/cm"/>
-          <inkml:channelProperty channel="Y" name="resolution" value="3449.15796" units="1/cm"/>
-          <inkml:channelProperty channel="F" name="resolution" value="11.375" units="1/deg"/>
-          <inkml:channelProperty channel="T" name="resolution" value="1" units="1/dev"/>
-        </inkml:channelProperties>
-      </inkml:inkSource>
-      <inkml:timestamp xml:id="ts0" timeString="2020-09-14T17:01:01.594"/>
-    </inkml:context>
-    <inkml:brush xml:id="br0">
-      <inkml:brushProperty name="width" value="0.05292" units="cm"/>
-      <inkml:brushProperty name="height" value="0.05292" units="cm"/>
-      <inkml:brushProperty name="color" value="#FF0000"/>
-    </inkml:brush>
-  </inkml:definitions>
-  <inkml:trace contextRef="#ctx0" brushRef="#br0">12838 4343 431 0,'0'0'199'15,"0"0"-98"-15,0 0 54 16,0 0-17-16,0 0-23 15,2-2-20-15,-2 2-24 16,0 0-35-16,0 0-20 0,0 0-1 16,0 0 10-16,0 0 8 15,0 0 0-15,0 0 4 16,0 0 2-16,0 0-6 16,0 0 5-16,0 0 3 15,0 0 13-15,0 0 4 16,0 0-2-16,0 0 4 15,0 0-5-15,0-2-16 16,-2-2-14-16,-7 0-17 16,-5-2-7-16,-3 0 1 15,-3 0-1-15,-5 0 1 16,0 1 5-16,-2-1-6 16,1 3-1-16,-3 1 0 0,3 2 0 15,-4 0 0 1,-1 0 0-16,2 0 1 0,-2 0-1 15,2 4 1-15,-2 0 0 16,0 2-1-16,0-2-1 16,-3 0 1-16,-1 0 0 15,1 0 1-15,-4 0 1 16,2 0 0-16,3-2-1 16,0 2-1-16,6 0 1 15,4 0 0-15,8-1 0 16,1 0 1-16,5 0-1 15,3-2 0-15,2-1 0 0,2 2-1 16,2-2 0 0,0 0 0-16,0 0 0 0,0 0 1 15,0 0-1-15,0 0 0 16,0 0 0-16,0 0 2 16,0 0-1-16,0 0-1 15,0 0 1-15,-3 0 0 16,-1 0-1-16,1 0 0 15,-1 4-11-15,-1-2 10 16,3 1-7-16,0 0 8 16,0-1 0-16,2-2 0 15,0 2-1-15,-2 0-1 16,0 2 1-16,-1 3-1 16,1-2 1-16,0 4-5 15,2 2 5-15,0 7 0 0,0 8-1 16,0 8-4-16,0 11 6 15,0 5 0-15,0 8 1 16,4 4-1-16,-1-2 0 16,-3 1 0-16,2-3 6 15,-2 0-5-15,2-2-1 16,2-2 0-16,0 0-1 16,3 2 1-16,0-2 0 15,2-1 0-15,0-8 0 16,0-8 0-16,0-5 0 15,-5-8-1-15,1-2 1 16,-1-2-1-16,-2-4 1 16,0-2 0-16,0-4 2 15,-2-2-1-15,3-2 0 16,-3 0 0-16,3 0 6 0,-3 4-7 16,0 0 0-16,0 2 0 15,0 3 1-15,0-4-1 16,2 0 1-16,-2-4 0 15,0 2-1-15,0-4 1 16,0-3-1-16,2 0 1 16,-2-2-1-16,0 0-1 15,0 0 1-15,0 0 1 16,2 0-1-16,0 0-2 16,3 0-7-16,5 0 3 15,9-2 6-15,7-7 0 16,12-4 0-16,7 1 0 0,6 1 0 15,5-4 0-15,6-1 0 16,-2 0 1-16,-2-2-1 16,-6 2 1-16,-12 0-1 15,-11 6 2-15,-10 0-2 16,-7 4 1-16,-6 2 7 16,-1 2-8-16,-1 2 6 15,0-2 2-15,6 2-7 16,1-2 5-16,3-2-5 15,3 0 7-15,3 0-8 16,0-5 3-16,0 2 4 16,-4-1-5-16,-3-2 5 15,-2 0 8-15,-2 0 17 0,-4-2 5 16,-1-4 3-16,0-9-12 16,-1-3-13-16,-3-3-6 15,0-1-8-15,0-5 0 16,0 1 1-16,0-5-2 15,0-4-9-15,-7-3 8 16,-9-2 1-16,-6 0-10 16,-2 0-3-16,-1 3 11 15,2 7-5-15,4 8 7 16,1 6 0-16,7 8 1 16,1 2 0-16,2 4 1 15,4 0-2-15,-1-4 0 16,1-2-1-16,0-4-5 0,1 0 0 15,0 1-1-15,1 1 7 16,0 0 0-16,0 1 0 16,0 1 0-16,2 4 1 15,0 5 0-15,0 5-1 16,0 3 1-16,0-2 8 16,0 3-8-16,-3 0 0 15,3 0 0-15,0 0 1 16,0 0-1-16,0 0 0 15,0 0 0-15,0 0-1 16,0 0 0-16,0 0 0 16,0 0-1-16,0 0-35 15,-2 0-43-15,0 10-91 16,-2 8-127-16</inkml:trace>
-  <inkml:trace contextRef="#ctx0" brushRef="#br0" timeOffset="2408.33">12780 5831 230 0,'0'0'132'16,"0"0"-65"-16,0 0 25 15,0 0-40-15,0 0-13 16,0 0 63-16,0 0 27 15,0-10 2-15,0 10 31 0,0 0-18 16,0 0-37 0,0 0-19-16,0 0-11 0,0 0-15 15,0 0-1-15,0 0 4 16,0-1-2-16,0 1-6 16,0 0-10-16,0 0 4 15,-2-3-7-15,-15 1-27 16,-6 0-9-16,-4 0-8 15,-9 0 0-15,-4 2 0 16,-5 0 1-16,-2 0 0 16,1 0 1-16,3 0-2 15,5 0 9-15,5 0-8 0,6 0 5 16,2 0-4 0,6 4-1-16,-4-2 0 0,3 0 0 15,-6 1-1-15,-3 2 1 16,-4 2-1-16,-6 4 1 15,2-1-1-15,1 0 1 16,3 0-1-16,4-1 6 16,4 0-5-16,5-3-1 15,4-3 6-15,3 2-5 16,6-5 0-16,1 2 0 16,1-2 0-16,3 2 0 15,0 0 0-15,2-2-1 16,-2 0 3-16,2 0-2 15,-2 0 0-15,0 0 0 16,-2 2-1-16,4-2 0 0,0 0 0 16,-2 3 1-16,2-3-1 15,0 0 0-15,-2 0 0 16,2 0-1-16,0 0-3 16,0 0 4-16,0 0 0 15,0 0 0-15,0 0 0 16,0 0-2-16,0 0 2 15,0 1 0-15,0-1-1 16,0 0-6-16,0 3 7 16,0 0-6-16,0 5 5 15,0 8-1-15,0 4 1 16,-2 6 1-16,2 4 0 16,0 4 0-16,0 2 0 15,0-1 0-15,0-1 0 16,0-6 0-16,0-2-1 0,0-2 1 15,0-2 0-15,0 4 0 16,0 1 0-16,0 4 1 16,0 1-1-16,2 5 0 15,-2 1 1-15,2-2 0 16,0 0-1-16,2 0 0 16,0 0 0-16,0-2-2 15,0-2 2-15,3-2-1 16,-1-2 0-16,4 0 0 15,-4-2 1-15,1 1 0 16,-1 0 0-16,-1 4 0 16,2-1 0-16,-2 0 0 0,1 0 0 15,0-4 4-15,-1 0-4 16,0-4 0-16,-3-4 0 16,3 0 0-16,-3-4 0 15,0-2 0-15,0-2 0 16,-2-2 0-16,2-2 0 15,0 1 0-15,0-2 0 16,1 4 1-16,-1-1 0 16,0 2-1-16,1 0 0 15,-1-1-1-15,0 0 2 16,1-3-3-16,-3-4 3 16,2-2-2-16,-2 0-4 15,2 0 5-15,-2 0-1 0,2 0-14 16,2 0 15-16,3 0 0 15,5 0 1-15,-2 0 0 16,3 0-1-16,6-7 1 16,-1 4-1-16,3-4 1 15,6 2-1-15,7-1 0 16,1 0 0-16,8 0 0 16,3 1 0-16,8 0 0 15,0 3 0-15,4-3 0 16,-2 4 0-16,1-4 0 15,-4 1 0-15,-1 3 1 16,-4-6-1-16,-2 1 0 16,-7 1 1-16,-3-4-1 15,-5 2 0-15,-8-2 1 16,-3 1-1-16,-9 2 2 0,-3 0-1 16,0 3 9-16,-6 0 4 15,-2 1 2-15,2 2-4 16,-2 0-5-16,0 0-7 15,0-2 6-15,2 2-5 16,-2 0 0-16,0-2 1 16,0 2 4-16,0 0 7 15,0-2 2-15,0 2 10 16,0 0 6-16,0-2-3 16,0 2-9-16,0-4-12 15,0-4 4-15,0-10-4 16,0-8-6-16,-2-10 5 15,-5-6-4-15,0-4-2 0,1-5-11 16,2 0 2-16,-3-3-13 16,0-1 5-16,0-1 16 15,1 3-11-15,-1-2 4 16,1 5 8-16,-4 2-9 16,-1 1 9-16,1 7 7 15,-2 2-6-15,1 6 0 16,-1 6-1-16,4 2 1 15,-1 4 8-15,0 2-1 16,2-2-8-16,-2 0-1 16,3-2 1-16,-1-2-11 15,3 2 2-15,-1 0 7 0,0 4-11 16,3 1 11-16,0 5 0 16,2 4 1-16,-2 0 1 15,2 4 1-15,-2 0 0 16,2 3-1-16,0 1 1 15,0-3-1-15,0-1 0 16,0 0 0-16,-2-2-1 16,2-2 0-16,-3 2 1 15,1 2 1-15,2 0 0 16,0 2-1-16,0 2 10 16,0-2-8-16,0 2-2 15,0 0 6-15,0 0-6 16,0 0 1-16,0 0 4 0,0 0-3 15,0 0-2-15,0 0 7 16,-2 0-7-16,2 0 1 16,0 0 0-16,0 0-1 15,0 0-9-15,0 0 8 16,0 0-20-16,-2-2-70 16,0 0-142-16,-1-4-479 0</inkml:trace>
-  <inkml:trace contextRef="#ctx0" brushRef="#br0" timeOffset="10343.69">10993 5532 631 0,'0'0'293'0,"0"0"-192"0,0 0-75 15,0 0 26-15,0 0 32 16,0 0 15-16,-2 0-8 16,2 0 2-16,0 0 12 15,0 0-30-15,-2 0-34 16,2 0-13-16,0 0-3 16,0 0 7-16,0 0-13 15,0 0-12-15,0 0-1 16,0 0-6-16,0 0-7 15,15-2-5-15,9-2 12 16,10-2 0-16,11-4 1 16,5-2 0-16,8-6 6 15,0 0-6-15,-2 0 7 0,-9 2-7 16,-9 4 6-16,-14 4-6 16,-8 4-1-16,-7 4 0 15,-7 0 0-15,-2 0 2 16,0 0 7-16,0 0-3 15,-2 4-5-15,-11 8 13 16,-8 2-4-16,-8-2-4 16,-4 0 1-16,-7-2 3 15,-5-2 3-15,1-2-5 16,2 0-2-16,3-2-6 16,8-2 0-16,4 2 1 15,6-2-1-15,5 0 1 16,5-2 0-16,4 2 1 0,2 0-1 15,1 0-1 1,4-2 0-16,0 0-1 0,0 0-2 16,0 2-10-16,0 0-12 15,7 4-4-15,13 2 23 16,9 0 6-16,6 0 0 16,8-3 0-16,1-5 1 15,1 0 5-15,-5 0 1 16,-9-5 0-16,-8-1-6 15,-12 2 0-15,-5 2 6 16,-6 0 15-16,0 2 31 16,-2-2 17-16,-25 2-28 0,-8 0-39 15,-12 0-3 1,-6 0 0-16,-3 0-1 0,2 6 1 16,6 3 0-16,5-2 1 15,9-3 7-15,13 0-8 16,5-4 7-16,7 3-6 15,5-3-1-15,4 0 0 16,0 0-9-16,0 0-5 16,0 0-3-16,4 0-5 15,18 0 5-15,12 0 16 16,12-9-1-16,10-3 2 16,4-2 1-16,-2-2 0 15,-7 0 6-15,-12 4-5 16,-10 4-1-16,-14 4 1 15,-9 2-1-15,-6 2 10 0,0 0 9 16,0 0 2-16,-8 0-16 16,-17 0-5-16,-9 6-1 15,-7 4 12-15,-5 0-11 16,0-2 4-16,1 0-5 16,5-4 0-16,9 0 0 15,6-2 1-15,10 0 0 16,6-2 0-16,6 2-1 15,3-2-15-15,0 0-7 16,0 0-3-16,12 0 6 16,17 0 4-16,11 0 15 15,6-2 0-15,10-6 1 16,-2 0-1-16,-5 1 0 0,-11-2 6 16,-9 5-6-16,-14 2 2 15,-8 0 0-15,-7 2 14 16,0 0 22-16,-15 0 0 15,-17 0-20-15,-13 0-17 16,-8 0-1-16,-5 0 0 16,3 0 5-16,3 0-5 15,8 0 1-15,13 0 0 16,10 0 0-16,13 0-1 16,5 0-9-16,3 0-11 15,0 0-4-15,7 0 8 16,16 0 7-16,10 0 9 0,7 0 0 15,7 0 0 1,1 0 0-16,-3 0 0 0,-7 0 1 16,-7 0-1-16,-10-2 0 15,-11 0 1-15,-7 0 9 16,-3 0 1-16,0 0 17 16,-15-2-8-16,-10 0-18 15,-9 2-2-15,-1 2 0 16,2 0-6-16,0 0-9 15,10 0 6-15,5 0 9 16,7 4-1-16,9-2-4 16,-1-2-4-16,3 0-4 15,0 0-6-15,3 4-3 0,16-2 16 16,8 2 6 0,6 0 0-16,6-2 0 0,1-2 0 15,-5 0 2-15,-6 0-1 16,-6 0 0-16,-10 0 0 15,-9-2 0-15,-4 0 19 16,0 2 6-16,-15 0 1 16,-14 0-27-16,-7 0 0 15,-7 0 1-15,1 0-1 16,-3 0 0-16,8 0 0 16,3 0 1-16,12 0-1 15,7 0 0-15,8 0 0 16,5 0-6-16,2 0-18 15,0 0-1-15,11 0 2 16,16 0 16-16,8 0 6 0,9 2 1 16,4 4-6-16,1-2 6 15,-5-2 7-15,-8-2-6 16,-7 0 0-16,-9 0 7 16,-11 0-7-16,-9 0 6 15,0-6 7-15,-2-4-14 16,-19 0-21-16,0 0 0 15,-2 4 12-15,3 6-19 16,-5 2-48-16,10 16-108 16,-1 4-190-16</inkml:trace>
-  <inkml:trace contextRef="#ctx0" brushRef="#br0" timeOffset="11874.81">11039 7051 538 0,'0'0'318'16,"0"0"-201"-16,0 0-59 15,0 0 23-15,0 0-19 16,0 0-35-16,0 0-14 16,-9 0 12-16,12 0 62 0,17 0-3 15,9 0 29 1,11-5-34-16,9-1-3 0,7-1 20 16,9-4-24-16,-1-3-26 15,1 2-21-15,-12 0-16 16,-8 4-7-16,-12 4-2 15,-13 2 1-15,-9 2 0 16,-7 0 8-16,-4 0 3 16,0 0 18-16,-10 0-3 15,-19 0-21-15,-9 0-6 16,-14 0-15-16,-4 0 6 16,-4 0-8-16,0 2-10 0,2 4 5 15,7 2 22 1,12 0 1-16,6 0-1 0,12 0 1 15,9-6 0-15,6 0-1 16,6 0-11-16,0-2-7 16,2 0-8-16,23 0 19 15,8 0 2-15,14 0 5 16,11 0 6-16,7 0-6 16,1 0 12-16,-5 0-2 15,-11 0 0-15,-13-2-9 16,-14 2-1-16,-11 0 6 15,-12 0 6-15,0 0 16 16,-9 0 11-16,-23 0-18 16,-10 0-21-16,-9 0-1 15,-2 0-6-15,-1 4 6 0,9 2 0 16,5 0 1-16,11 0-1 16,8 0-6-16,7-2 6 15,7-2 1-15,3 1 0 16,4-3-14-16,0 0-7 15,0 1 8-15,4 1-2 16,17 3 14-16,5-2 0 16,7-1 0-16,8 0 1 15,-4-2 0-15,1 0 1 16,-9 0 0-16,-6 0 0 16,-8 0 5-16,-8 0-6 15,-7 0 13-15,0-4 20 16,-9-2-1-16,-20-2-32 0,-11-2-13 15,-6 0-1 1,-6 2-5-16,3 2-6 0,2 4 8 16,10 2 11-16,5 0 4 15,10 0-3-15,10 0 4 16,6 0 1-16,6 0-10 16,0 0-11-16,2 4-1 15,20 0 21-15,14-2-2 16,7 0 2-16,10-2 1 15,0 0 0-15,1 0 10 16,-8 0-4-16,-10-6-5 16,-12 0 10-16,-10 4-9 15,-9 0 7-15,-5 2 16 16,0 0 33-16,-16 0 14 0,-11-2-47 16,-7 0-24-16,-1 2 1 15,2 0-1-15,8 0 1 16,6 0-1-16,7 0 0 15,7 0 6-15,3 0-7 16,2 0-18-16,0 0 5 16,0 0-12-16,9 0 14 15,22 0-5-15,-4 0-102 16,-2-3-156-16</inkml:trace>
-  <inkml:trace contextRef="#ctx0" brushRef="#br0" timeOffset="22160.41">13094 5252 622 0,'0'0'255'0,"0"0"-141"16,0 0-81-16,0 0-26 15,0 0-7-15,0 0 0 16,0 0 6-16,0 0 39 16,0 0 54-16,0 0-11 15,0-3-40-15,0 3-8 16,0 0-12-16,0 0-18 0,0 0-8 16,0-4-2-16,0 2-125 15,0 1-240-15</inkml:trace>
-  <inkml:trace contextRef="#ctx0" brushRef="#br0" timeOffset="22343.22">13094 5252 857 0,'6'76'302'15,"-6"-76"-218"-15,0 0-68 0,0 0-16 16,0 0-107 0,0-8-71-16,0-2-211 0</inkml:trace>
-  <inkml:trace contextRef="#ctx0" brushRef="#br0" timeOffset="22514.05">13112 5378 892 0,'0'0'212'0,"0"0"-151"16,0 0-61-16,0 0-170 0,0 0-611 16</inkml:trace>
-  <inkml:trace contextRef="#ctx0" brushRef="#br0" timeOffset="22662.9">13112 5378 390 0,'6'-34'845'16,"-8"34"-710"-16,2 0-135 15,0-7-15-15,0-5-332 0</inkml:trace>
-  <inkml:trace contextRef="#ctx0" brushRef="#br0" timeOffset="22826.88">13112 5300 1122 0,'0'0'270'0,"0"0"-186"16,0 0-62-16,0 0-22 15,0 0-105-15,0 0-399 0</inkml:trace>
-  <inkml:trace contextRef="#ctx0" brushRef="#br0" timeOffset="23176.52">13208 6515 1147 0,'0'0'299'16,"0"0"-177"-16,0 0-77 16,0 0-9-16,0 0-25 15,0 0-11-15,0 0-43 16,0-36-95-16,0 16-189 0</inkml:trace>
-  <inkml:trace contextRef="#ctx0" brushRef="#br0" timeOffset="23436.88">13004 5337 1162 0,'0'0'271'0,"0"0"-162"16,0 0-30-16,0 0-24 15,0 0-40-15,0 0-15 16,0 0-23-16,0 0-137 15,0 7-461-15</inkml:trace>
-  <inkml:trace contextRef="#ctx0" brushRef="#br0" timeOffset="23667.64">13221 6409 704 0,'0'0'560'16,"0"0"-492"-16,0 0-60 15,0 0 3-15,0 0 2 16,0 0-2-16,0 0-11 16,2-97-17-16,-2 43-201 15,-5 4-632-15</inkml:trace>
-  <inkml:trace contextRef="#ctx0" brushRef="#br0" timeOffset="24612.44">11508 5544 446 0,'0'0'241'0,"0"0"-117"16,0 0-66-16,0 0-13 16,0 0 18-16,0 0 8 15,0 0 0-15,0 0-3 16,0 0 35-16,0 0-35 15,0 0-39-15,0 0-20 16,0 0-8-16,0 0-1 16,0 0 0-16,0-2-19 15,0 1-247-15,0-4-824 0</inkml:trace>
-  <inkml:trace contextRef="#ctx0" brushRef="#br0" timeOffset="25108.85">11788 7227 958 0,'0'0'362'16,"0"0"-250"-16,0 0-79 15,0 0-31-15,0 0-2 16,0 0-12-16,0 0-121 16,3-12-125-16,-3 0-131 0</inkml:trace>
-  <inkml:trace contextRef="#ctx0" brushRef="#br0" timeOffset="25516.43">11619 5721 370 0,'0'0'567'15,"0"0"-427"-15,0 0-102 16,0 0-27-16,0 0-11 16,0 0-39-16,0 0-2 15,0 0 32-15,0 0 9 16,0 0 0-16,0 0-102 16,0 0-472-16</inkml:trace>
-  <inkml:trace contextRef="#ctx0" brushRef="#br0" timeOffset="25907.89">11784 7261 704 0,'0'0'189'15,"0"0"-123"-15,0 0 18 16,0 0 23-16,0 0-37 0,0 0 27 16,0 0 4-16,2 2-24 15,-2-2-13-15,0 0-27 16,0 0-21-16,0 0-16 16,0 0-5-16,5-24-158 15,-3-8-244-15,2-7-630 0</inkml:trace>
-  <inkml:trace contextRef="#ctx0" brushRef="#br0" timeOffset="26286.5">11545 5599 844 0,'0'0'291'0,"0"0"-190"0,0 0-66 15,0 0-25-15,0 0-8 16,0 0-2-16,0 0 0 16,0 0-2-16,0 0-4 15,0 0-9-15,0 5-72 0</inkml:trace>
-  <inkml:trace contextRef="#ctx0" brushRef="#br0" timeOffset="26763.56">11862 7413 1215 0,'0'0'247'15,"0"0"-186"-15,0 0-45 16,0 0-16-16,0 0-157 16,0 0-503-16</inkml:trace>
-  <inkml:trace contextRef="#ctx0" brushRef="#br0" timeOffset="27969.6">11643 5695 1000 0,'0'0'275'16,"0"0"-172"-16,0 0-34 16,0 0 27-16,0 0-42 0,0 0-20 15,0 0-14 1,-6 0 9-16,6 0 0 0,0 0-14 15,0 0-15-15,0 0-33 16,0 0-106-16,6 0-213 0</inkml:trace>
-  <inkml:trace contextRef="#ctx0" brushRef="#br0" timeOffset="28363.3">11782 7520 1071 0,'0'0'280'0,"0"0"-201"15,0 0-29-15,0 0 24 16,0 0-55-16,0 0-5 16,0 0-14-16,0-3-17 15,0-1-56-15,0-6-447 0</inkml:trace>
-  <inkml:trace contextRef="#ctx0" brushRef="#br0" timeOffset="28717.25">11394 5566 666 0,'0'0'359'16,"0"0"-359"-16,0 0-277 16</inkml:trace>
-</inkml:ink>
-</file>
-
 <file path=ppt/notesMasters/notesMaster1.xml><?xml version="1.0" encoding="utf-8"?>
 <p:notesMaster xmlns:a="http://schemas.openxmlformats.org/drawingml/2006/main" xmlns:r="http://schemas.openxmlformats.org/officeDocument/2006/relationships" xmlns:p="http://schemas.openxmlformats.org/presentationml/2006/main">
   <p:cSld>
@@ -457,7 +407,7 @@
           <a:p>
             <a:fld id="{11512325-A740-47FD-AAAB-59631168F38B}" type="datetimeFigureOut">
               <a:rPr lang="en-US" smtClean="0"/>
-              <a:t>9/15/2020</a:t>
+              <a:t>9/16/2020</a:t>
             </a:fld>
             <a:endParaRPr lang="en-US"/>
           </a:p>
@@ -871,7 +821,7 @@
           <a:p>
             <a:fld id="{B3AC8906-6335-452D-AFDA-FDE107BE1FA4}" type="datetimeFigureOut">
               <a:rPr lang="en-US" smtClean="0"/>
-              <a:t>9/15/2020</a:t>
+              <a:t>9/16/2020</a:t>
             </a:fld>
             <a:endParaRPr lang="en-US"/>
           </a:p>
@@ -1069,7 +1019,7 @@
           <a:p>
             <a:fld id="{B3AC8906-6335-452D-AFDA-FDE107BE1FA4}" type="datetimeFigureOut">
               <a:rPr lang="en-US" smtClean="0"/>
-              <a:t>9/15/2020</a:t>
+              <a:t>9/16/2020</a:t>
             </a:fld>
             <a:endParaRPr lang="en-US"/>
           </a:p>
@@ -1277,7 +1227,7 @@
           <a:p>
             <a:fld id="{B3AC8906-6335-452D-AFDA-FDE107BE1FA4}" type="datetimeFigureOut">
               <a:rPr lang="en-US" smtClean="0"/>
-              <a:t>9/15/2020</a:t>
+              <a:t>9/16/2020</a:t>
             </a:fld>
             <a:endParaRPr lang="en-US"/>
           </a:p>
@@ -1519,7 +1469,7 @@
           <a:p>
             <a:fld id="{B3AC8906-6335-452D-AFDA-FDE107BE1FA4}" type="datetimeFigureOut">
               <a:rPr lang="en-US" smtClean="0"/>
-              <a:t>9/15/2020</a:t>
+              <a:t>9/16/2020</a:t>
             </a:fld>
             <a:endParaRPr lang="en-US"/>
           </a:p>
@@ -1796,7 +1746,7 @@
           <a:p>
             <a:fld id="{B3AC8906-6335-452D-AFDA-FDE107BE1FA4}" type="datetimeFigureOut">
               <a:rPr lang="en-US" smtClean="0"/>
-              <a:t>9/15/2020</a:t>
+              <a:t>9/16/2020</a:t>
             </a:fld>
             <a:endParaRPr lang="en-US"/>
           </a:p>
@@ -2070,7 +2020,7 @@
           <a:p>
             <a:fld id="{B3AC8906-6335-452D-AFDA-FDE107BE1FA4}" type="datetimeFigureOut">
               <a:rPr lang="en-US" smtClean="0"/>
-              <a:t>9/15/2020</a:t>
+              <a:t>9/16/2020</a:t>
             </a:fld>
             <a:endParaRPr lang="en-US"/>
           </a:p>
@@ -2482,7 +2432,7 @@
           <a:p>
             <a:fld id="{B3AC8906-6335-452D-AFDA-FDE107BE1FA4}" type="datetimeFigureOut">
               <a:rPr lang="en-US" smtClean="0"/>
-              <a:t>9/15/2020</a:t>
+              <a:t>9/16/2020</a:t>
             </a:fld>
             <a:endParaRPr lang="en-US"/>
           </a:p>
@@ -2623,7 +2573,7 @@
           <a:p>
             <a:fld id="{B3AC8906-6335-452D-AFDA-FDE107BE1FA4}" type="datetimeFigureOut">
               <a:rPr lang="en-US" smtClean="0"/>
-              <a:t>9/15/2020</a:t>
+              <a:t>9/16/2020</a:t>
             </a:fld>
             <a:endParaRPr lang="en-US"/>
           </a:p>
@@ -2736,7 +2686,7 @@
           <a:p>
             <a:fld id="{B3AC8906-6335-452D-AFDA-FDE107BE1FA4}" type="datetimeFigureOut">
               <a:rPr lang="en-US" smtClean="0"/>
-              <a:t>9/15/2020</a:t>
+              <a:t>9/16/2020</a:t>
             </a:fld>
             <a:endParaRPr lang="en-US"/>
           </a:p>
@@ -3047,7 +2997,7 @@
           <a:p>
             <a:fld id="{B3AC8906-6335-452D-AFDA-FDE107BE1FA4}" type="datetimeFigureOut">
               <a:rPr lang="en-US" smtClean="0"/>
-              <a:t>9/15/2020</a:t>
+              <a:t>9/16/2020</a:t>
             </a:fld>
             <a:endParaRPr lang="en-US"/>
           </a:p>
@@ -3335,7 +3285,7 @@
           <a:p>
             <a:fld id="{B3AC8906-6335-452D-AFDA-FDE107BE1FA4}" type="datetimeFigureOut">
               <a:rPr lang="en-US" smtClean="0"/>
-              <a:t>9/15/2020</a:t>
+              <a:t>9/16/2020</a:t>
             </a:fld>
             <a:endParaRPr lang="en-US"/>
           </a:p>
@@ -3576,7 +3526,7 @@
           <a:p>
             <a:fld id="{B3AC8906-6335-452D-AFDA-FDE107BE1FA4}" type="datetimeFigureOut">
               <a:rPr lang="en-US" smtClean="0"/>
-              <a:t>9/15/2020</a:t>
+              <a:t>9/16/2020</a:t>
             </a:fld>
             <a:endParaRPr lang="en-US"/>
           </a:p>
@@ -15378,57 +15328,6 @@
           </a:p>
         </p:txBody>
       </p:sp>
-      <mc:AlternateContent xmlns:mc="http://schemas.openxmlformats.org/markup-compatibility/2006" xmlns:p14="http://schemas.microsoft.com/office/powerpoint/2010/main">
-        <mc:Choice Requires="p14">
-          <p:contentPart p14:bwMode="auto" r:id="rId2">
-            <p14:nvContentPartPr>
-              <p14:cNvPr id="4" name="Ink 3">
-                <a:extLst>
-                  <a:ext uri="{FF2B5EF4-FFF2-40B4-BE49-F238E27FC236}">
-                    <a16:creationId xmlns:a16="http://schemas.microsoft.com/office/drawing/2014/main" id="{BD4B14E3-3FAE-419E-804B-8CB6197AF627}"/>
-                  </a:ext>
-                </a:extLst>
-              </p14:cNvPr>
-              <p14:cNvContentPartPr/>
-              <p14:nvPr/>
-            </p14:nvContentPartPr>
-            <p14:xfrm>
-              <a:off x="3931200" y="1544760"/>
-              <a:ext cx="829440" cy="1162800"/>
-            </p14:xfrm>
-          </p:contentPart>
-        </mc:Choice>
-        <mc:Fallback xmlns="">
-          <p:pic>
-            <p:nvPicPr>
-              <p:cNvPr id="4" name="Ink 3">
-                <a:extLst>
-                  <a:ext uri="{FF2B5EF4-FFF2-40B4-BE49-F238E27FC236}">
-                    <a16:creationId xmlns:a16="http://schemas.microsoft.com/office/drawing/2014/main" id="{BD4B14E3-3FAE-419E-804B-8CB6197AF627}"/>
-                  </a:ext>
-                </a:extLst>
-              </p:cNvPr>
-              <p:cNvPicPr/>
-              <p:nvPr/>
-            </p:nvPicPr>
-            <p:blipFill>
-              <a:blip r:embed="rId3"/>
-              <a:stretch>
-                <a:fillRect/>
-              </a:stretch>
-            </p:blipFill>
-            <p:spPr>
-              <a:xfrm>
-                <a:off x="3921840" y="1535400"/>
-                <a:ext cx="848160" cy="1181520"/>
-              </a:xfrm>
-              <a:prstGeom prst="rect">
-                <a:avLst/>
-              </a:prstGeom>
-            </p:spPr>
-          </p:pic>
-        </mc:Fallback>
-      </mc:AlternateContent>
     </p:spTree>
     <p:extLst>
       <p:ext uri="{BB962C8B-B14F-4D97-AF65-F5344CB8AC3E}">
@@ -19742,7 +19641,7 @@
             <a:graphicData uri="http://schemas.openxmlformats.org/presentationml/2006/ole">
               <mc:AlternateContent xmlns:mc="http://schemas.openxmlformats.org/markup-compatibility/2006">
                 <mc:Choice xmlns:v="urn:schemas-microsoft-com:vml" Requires="v">
-                  <p:oleObj spid="_x0000_s10766" name="公式" r:id="rId3" imgW="152400" imgH="127000" progId="Equation.3">
+                  <p:oleObj spid="_x0000_s10768" name="公式" r:id="rId3" imgW="152400" imgH="127000" progId="Equation.3">
                     <p:embed/>
                   </p:oleObj>
                 </mc:Choice>
@@ -19837,7 +19736,7 @@
             <a:graphicData uri="http://schemas.openxmlformats.org/presentationml/2006/ole">
               <mc:AlternateContent xmlns:mc="http://schemas.openxmlformats.org/markup-compatibility/2006">
                 <mc:Choice xmlns:v="urn:schemas-microsoft-com:vml" Requires="v">
-                  <p:oleObj spid="_x0000_s10767" name="公式" r:id="rId5" imgW="152400" imgH="127000" progId="Equation.3">
+                  <p:oleObj spid="_x0000_s10769" name="公式" r:id="rId5" imgW="152400" imgH="127000" progId="Equation.3">
                     <p:embed/>
                   </p:oleObj>
                 </mc:Choice>
@@ -23016,7 +22915,7 @@
               <a:graphicData uri="http://schemas.openxmlformats.org/presentationml/2006/ole">
                 <mc:AlternateContent xmlns:mc="http://schemas.openxmlformats.org/markup-compatibility/2006">
                   <mc:Choice xmlns:v="urn:schemas-microsoft-com:vml" Requires="v">
-                    <p:oleObj spid="_x0000_s14100" name="公式" r:id="rId3" imgW="774700" imgH="228600" progId="Equation.3">
+                    <p:oleObj spid="_x0000_s14103" name="公式" r:id="rId3" imgW="774700" imgH="228600" progId="Equation.3">
                       <p:embed/>
                     </p:oleObj>
                   </mc:Choice>
@@ -23067,7 +22966,7 @@
               <a:graphicData uri="http://schemas.openxmlformats.org/presentationml/2006/ole">
                 <mc:AlternateContent xmlns:mc="http://schemas.openxmlformats.org/markup-compatibility/2006">
                   <mc:Choice xmlns:v="urn:schemas-microsoft-com:vml" Requires="v">
-                    <p:oleObj spid="_x0000_s14101" name="公式" r:id="rId5" imgW="711200" imgH="228600" progId="Equation.3">
+                    <p:oleObj spid="_x0000_s14104" name="公式" r:id="rId5" imgW="711200" imgH="228600" progId="Equation.3">
                       <p:embed/>
                     </p:oleObj>
                   </mc:Choice>
@@ -23861,7 +23760,7 @@
           <a:graphicData uri="http://schemas.openxmlformats.org/presentationml/2006/ole">
             <mc:AlternateContent xmlns:mc="http://schemas.openxmlformats.org/markup-compatibility/2006">
               <mc:Choice xmlns:v="urn:schemas-microsoft-com:vml" Requires="v">
-                <p:oleObj spid="_x0000_s14102" name="公式" r:id="rId7" imgW="711200" imgH="482600" progId="Equation.3">
+                <p:oleObj spid="_x0000_s14105" name="公式" r:id="rId7" imgW="711200" imgH="482600" progId="Equation.3">
                   <p:embed/>
                 </p:oleObj>
               </mc:Choice>
@@ -28040,7 +27939,7 @@
               <a:graphicData uri="http://schemas.openxmlformats.org/presentationml/2006/ole">
                 <mc:AlternateContent xmlns:mc="http://schemas.openxmlformats.org/markup-compatibility/2006">
                   <mc:Choice xmlns:v="urn:schemas-microsoft-com:vml" Requires="v">
-                    <p:oleObj spid="_x0000_s17592" name="公式" r:id="rId3" imgW="152400" imgH="127000" progId="Equation.3">
+                    <p:oleObj spid="_x0000_s17594" name="公式" r:id="rId3" imgW="152400" imgH="127000" progId="Equation.3">
                       <p:embed/>
                     </p:oleObj>
                   </mc:Choice>
@@ -28153,7 +28052,7 @@
               <a:graphicData uri="http://schemas.openxmlformats.org/presentationml/2006/ole">
                 <mc:AlternateContent xmlns:mc="http://schemas.openxmlformats.org/markup-compatibility/2006">
                   <mc:Choice xmlns:v="urn:schemas-microsoft-com:vml" Requires="v">
-                    <p:oleObj spid="_x0000_s17593" name="公式" r:id="rId5" imgW="152400" imgH="127000" progId="Equation.3">
+                    <p:oleObj spid="_x0000_s17595" name="公式" r:id="rId5" imgW="152400" imgH="127000" progId="Equation.3">
                       <p:embed/>
                     </p:oleObj>
                   </mc:Choice>
@@ -29821,7 +29720,7 @@
               <a:graphicData uri="http://schemas.openxmlformats.org/presentationml/2006/ole">
                 <mc:AlternateContent xmlns:mc="http://schemas.openxmlformats.org/markup-compatibility/2006">
                   <mc:Choice xmlns:v="urn:schemas-microsoft-com:vml" Requires="v">
-                    <p:oleObj spid="_x0000_s14862" name="公式" r:id="rId3" imgW="152400" imgH="127000" progId="Equation.3">
+                    <p:oleObj spid="_x0000_s14864" name="公式" r:id="rId3" imgW="152400" imgH="127000" progId="Equation.3">
                       <p:embed/>
                     </p:oleObj>
                   </mc:Choice>
@@ -29916,7 +29815,7 @@
               <a:graphicData uri="http://schemas.openxmlformats.org/presentationml/2006/ole">
                 <mc:AlternateContent xmlns:mc="http://schemas.openxmlformats.org/markup-compatibility/2006">
                   <mc:Choice xmlns:v="urn:schemas-microsoft-com:vml" Requires="v">
-                    <p:oleObj spid="_x0000_s14863" name="公式" r:id="rId5" imgW="152400" imgH="127000" progId="Equation.3">
+                    <p:oleObj spid="_x0000_s14865" name="公式" r:id="rId5" imgW="152400" imgH="127000" progId="Equation.3">
                       <p:embed/>
                     </p:oleObj>
                   </mc:Choice>
@@ -36134,7 +36033,7 @@
           <a:graphicData uri="http://schemas.openxmlformats.org/presentationml/2006/ole">
             <mc:AlternateContent xmlns:mc="http://schemas.openxmlformats.org/markup-compatibility/2006">
               <mc:Choice xmlns:v="urn:schemas-microsoft-com:vml" Requires="v">
-                <p:oleObj spid="_x0000_s8838" name="Equation" r:id="rId3" imgW="825500" imgH="241300" progId="Equation.3">
+                <p:oleObj spid="_x0000_s8840" name="Equation" r:id="rId3" imgW="825500" imgH="241300" progId="Equation.3">
                   <p:embed/>
                 </p:oleObj>
               </mc:Choice>
@@ -36248,7 +36147,7 @@
           <a:graphicData uri="http://schemas.openxmlformats.org/presentationml/2006/ole">
             <mc:AlternateContent xmlns:mc="http://schemas.openxmlformats.org/markup-compatibility/2006">
               <mc:Choice xmlns:v="urn:schemas-microsoft-com:vml" Requires="v">
-                <p:oleObj spid="_x0000_s8839" name="Equation" r:id="rId5" imgW="1435100" imgH="241300" progId="Equation.3">
+                <p:oleObj spid="_x0000_s8841" name="Equation" r:id="rId5" imgW="1435100" imgH="241300" progId="Equation.3">
                   <p:embed/>
                 </p:oleObj>
               </mc:Choice>
@@ -39209,6 +39108,21 @@
 </file>
 
 <file path=customXml/item1.xml><?xml version="1.0" encoding="utf-8"?>
+<p:properties xmlns:p="http://schemas.microsoft.com/office/2006/metadata/properties" xmlns:xsi="http://www.w3.org/2001/XMLSchema-instance" xmlns:pc="http://schemas.microsoft.com/office/infopath/2007/PartnerControls">
+  <documentManagement/>
+</p:properties>
+</file>
+
+<file path=customXml/item2.xml><?xml version="1.0" encoding="utf-8"?>
+<?mso-contentType ?>
+<FormTemplates xmlns="http://schemas.microsoft.com/sharepoint/v3/contenttype/forms">
+  <Display>DocumentLibraryForm</Display>
+  <Edit>DocumentLibraryForm</Edit>
+  <New>DocumentLibraryForm</New>
+</FormTemplates>
+</file>
+
+<file path=customXml/item3.xml><?xml version="1.0" encoding="utf-8"?>
 <ct:contentTypeSchema xmlns:ct="http://schemas.microsoft.com/office/2006/metadata/contentType" xmlns:ma="http://schemas.microsoft.com/office/2006/metadata/properties/metaAttributes" ct:_="" ma:_="" ma:contentTypeName="Document" ma:contentTypeID="0x010100F230F55FC4E86843A38ABC983CBD33D2" ma:contentTypeVersion="2" ma:contentTypeDescription="Create a new document." ma:contentTypeScope="" ma:versionID="ea51d48ed41b66d32eb63de817eecbcd">
   <xsd:schema xmlns:xsd="http://www.w3.org/2001/XMLSchema" xmlns:xs="http://www.w3.org/2001/XMLSchema" xmlns:p="http://schemas.microsoft.com/office/2006/metadata/properties" xmlns:ns3="74d6482f-e53c-4fa7-ac87-951f9f66bd4c" targetNamespace="http://schemas.microsoft.com/office/2006/metadata/properties" ma:root="true" ma:fieldsID="128b5480a780b9585a060f8329b1fff7" ns3:_="">
     <xsd:import namespace="74d6482f-e53c-4fa7-ac87-951f9f66bd4c"/>
@@ -39340,22 +39254,31 @@
 </ct:contentTypeSchema>
 </file>
 
-<file path=customXml/item2.xml><?xml version="1.0" encoding="utf-8"?>
-<p:properties xmlns:p="http://schemas.microsoft.com/office/2006/metadata/properties" xmlns:xsi="http://www.w3.org/2001/XMLSchema-instance" xmlns:pc="http://schemas.microsoft.com/office/infopath/2007/PartnerControls">
-  <documentManagement/>
-</p:properties>
+<file path=customXml/itemProps1.xml><?xml version="1.0" encoding="utf-8"?>
+<ds:datastoreItem xmlns:ds="http://schemas.openxmlformats.org/officeDocument/2006/customXml" ds:itemID="{2A53384F-3518-4CA2-BF67-BDCB5A53F0E2}">
+  <ds:schemaRefs>
+    <ds:schemaRef ds:uri="http://purl.org/dc/elements/1.1/"/>
+    <ds:schemaRef ds:uri="http://schemas.openxmlformats.org/package/2006/metadata/core-properties"/>
+    <ds:schemaRef ds:uri="http://schemas.microsoft.com/office/2006/metadata/properties"/>
+    <ds:schemaRef ds:uri="http://schemas.microsoft.com/office/2006/documentManagement/types"/>
+    <ds:schemaRef ds:uri="http://purl.org/dc/dcmitype/"/>
+    <ds:schemaRef ds:uri="74d6482f-e53c-4fa7-ac87-951f9f66bd4c"/>
+    <ds:schemaRef ds:uri="http://www.w3.org/XML/1998/namespace"/>
+    <ds:schemaRef ds:uri="http://schemas.microsoft.com/office/infopath/2007/PartnerControls"/>
+    <ds:schemaRef ds:uri="http://purl.org/dc/terms/"/>
+  </ds:schemaRefs>
+</ds:datastoreItem>
 </file>
 
-<file path=customXml/item3.xml><?xml version="1.0" encoding="utf-8"?>
-<?mso-contentType ?>
-<FormTemplates xmlns="http://schemas.microsoft.com/sharepoint/v3/contenttype/forms">
-  <Display>DocumentLibraryForm</Display>
-  <Edit>DocumentLibraryForm</Edit>
-  <New>DocumentLibraryForm</New>
-</FormTemplates>
+<file path=customXml/itemProps2.xml><?xml version="1.0" encoding="utf-8"?>
+<ds:datastoreItem xmlns:ds="http://schemas.openxmlformats.org/officeDocument/2006/customXml" ds:itemID="{E2FB0F39-4251-414E-B665-C12C97C1927E}">
+  <ds:schemaRefs>
+    <ds:schemaRef ds:uri="http://schemas.microsoft.com/sharepoint/v3/contenttype/forms"/>
+  </ds:schemaRefs>
+</ds:datastoreItem>
 </file>
 
-<file path=customXml/itemProps1.xml><?xml version="1.0" encoding="utf-8"?>
+<file path=customXml/itemProps3.xml><?xml version="1.0" encoding="utf-8"?>
 <ds:datastoreItem xmlns:ds="http://schemas.openxmlformats.org/officeDocument/2006/customXml" ds:itemID="{FC2C9FC6-FF2C-43A9-904C-09BA9E972EBB}">
   <ds:schemaRefs>
     <ds:schemaRef ds:uri="http://schemas.microsoft.com/office/2006/metadata/contentType"/>
@@ -39371,28 +39294,4 @@
     <ds:schemaRef ds:uri="http://schemas.microsoft.com/internal/obd"/>
   </ds:schemaRefs>
 </ds:datastoreItem>
-</file>
-
-<file path=customXml/itemProps2.xml><?xml version="1.0" encoding="utf-8"?>
-<ds:datastoreItem xmlns:ds="http://schemas.openxmlformats.org/officeDocument/2006/customXml" ds:itemID="{2A53384F-3518-4CA2-BF67-BDCB5A53F0E2}">
-  <ds:schemaRefs>
-    <ds:schemaRef ds:uri="http://purl.org/dc/elements/1.1/"/>
-    <ds:schemaRef ds:uri="http://schemas.openxmlformats.org/package/2006/metadata/core-properties"/>
-    <ds:schemaRef ds:uri="http://schemas.microsoft.com/office/2006/metadata/properties"/>
-    <ds:schemaRef ds:uri="http://schemas.microsoft.com/office/2006/documentManagement/types"/>
-    <ds:schemaRef ds:uri="http://purl.org/dc/dcmitype/"/>
-    <ds:schemaRef ds:uri="74d6482f-e53c-4fa7-ac87-951f9f66bd4c"/>
-    <ds:schemaRef ds:uri="http://www.w3.org/XML/1998/namespace"/>
-    <ds:schemaRef ds:uri="http://schemas.microsoft.com/office/infopath/2007/PartnerControls"/>
-    <ds:schemaRef ds:uri="http://purl.org/dc/terms/"/>
-  </ds:schemaRefs>
-</ds:datastoreItem>
-</file>
-
-<file path=customXml/itemProps3.xml><?xml version="1.0" encoding="utf-8"?>
-<ds:datastoreItem xmlns:ds="http://schemas.openxmlformats.org/officeDocument/2006/customXml" ds:itemID="{E2FB0F39-4251-414E-B665-C12C97C1927E}">
-  <ds:schemaRefs>
-    <ds:schemaRef ds:uri="http://schemas.microsoft.com/sharepoint/v3/contenttype/forms"/>
-  </ds:schemaRefs>
-</ds:datastoreItem>
 </file>